--- a/docs/Presentation_template.pptx
+++ b/docs/Presentation_template.pptx
@@ -11,19 +11,20 @@
     <p:sldMasterId id="2147483735" r:id="rId7"/>
   </p:sldMasterIdLst>
   <p:notesMasterIdLst>
-    <p:notesMasterId r:id="rId18"/>
+    <p:notesMasterId r:id="rId19"/>
   </p:notesMasterIdLst>
   <p:sldIdLst>
     <p:sldId id="256" r:id="rId8"/>
     <p:sldId id="258" r:id="rId9"/>
-    <p:sldId id="270" r:id="rId10"/>
-    <p:sldId id="281" r:id="rId11"/>
-    <p:sldId id="293" r:id="rId12"/>
-    <p:sldId id="291" r:id="rId13"/>
-    <p:sldId id="292" r:id="rId14"/>
-    <p:sldId id="290" r:id="rId15"/>
-    <p:sldId id="302" r:id="rId16"/>
-    <p:sldId id="286" r:id="rId17"/>
+    <p:sldId id="306" r:id="rId10"/>
+    <p:sldId id="270" r:id="rId11"/>
+    <p:sldId id="281" r:id="rId12"/>
+    <p:sldId id="293" r:id="rId13"/>
+    <p:sldId id="291" r:id="rId14"/>
+    <p:sldId id="292" r:id="rId15"/>
+    <p:sldId id="290" r:id="rId16"/>
+    <p:sldId id="302" r:id="rId17"/>
+    <p:sldId id="286" r:id="rId18"/>
   </p:sldIdLst>
   <p:sldSz cx="12192000" cy="6858000"/>
   <p:notesSz cx="6858000" cy="9144000"/>
@@ -163,9 +164,45 @@
 <file path=ppt/revisionInfo.xml><?xml version="1.0" encoding="utf-8"?>
 <p1510:revInfo xmlns:a="http://schemas.openxmlformats.org/drawingml/2006/main" xmlns:r="http://schemas.openxmlformats.org/officeDocument/2006/relationships" xmlns:p1510="http://schemas.microsoft.com/office/powerpoint/2015/10/main">
   <p1510:revLst>
-    <p1510:client id="{ADD1502A-EE5A-9941-91DD-9C6223369541}" v="49" dt="2019-06-02T18:44:21.130"/>
+    <p1510:client id="{A0728075-D603-BA4A-BE7C-A6B58309A671}" v="3" dt="2020-02-18T13:30:50.877"/>
   </p1510:revLst>
 </p1510:revInfo>
+</file>
+
+<file path=ppt/changesInfos/changesInfo1.xml><?xml version="1.0" encoding="utf-8"?>
+<pc:chgInfo xmlns:a="http://schemas.openxmlformats.org/drawingml/2006/main" xmlns:r="http://schemas.openxmlformats.org/officeDocument/2006/relationships" xmlns:ac="http://schemas.microsoft.com/office/drawing/2013/main/command" xmlns:pc="http://schemas.microsoft.com/office/powerpoint/2013/main/command">
+  <pc:docChgLst>
+    <pc:chgData name="Bell, Emma" userId="604bf8ae-27c2-4d4d-a82b-f9254ed3bf26" providerId="ADAL" clId="{A0728075-D603-BA4A-BE7C-A6B58309A671}"/>
+    <pc:docChg chg="addSld delSld modSld">
+      <pc:chgData name="Bell, Emma" userId="604bf8ae-27c2-4d4d-a82b-f9254ed3bf26" providerId="ADAL" clId="{A0728075-D603-BA4A-BE7C-A6B58309A671}" dt="2020-02-18T13:30:50.876" v="3"/>
+      <pc:docMkLst>
+        <pc:docMk/>
+      </pc:docMkLst>
+      <pc:sldChg chg="add">
+        <pc:chgData name="Bell, Emma" userId="604bf8ae-27c2-4d4d-a82b-f9254ed3bf26" providerId="ADAL" clId="{A0728075-D603-BA4A-BE7C-A6B58309A671}" dt="2020-02-18T13:30:50.876" v="3"/>
+        <pc:sldMkLst>
+          <pc:docMk/>
+          <pc:sldMk cId="80436896" sldId="306"/>
+        </pc:sldMkLst>
+      </pc:sldChg>
+      <pc:sldChg chg="addSp delSp add del setBg delDesignElem">
+        <pc:chgData name="Bell, Emma" userId="604bf8ae-27c2-4d4d-a82b-f9254ed3bf26" providerId="ADAL" clId="{A0728075-D603-BA4A-BE7C-A6B58309A671}" dt="2020-02-18T13:30:50.814" v="2"/>
+        <pc:sldMkLst>
+          <pc:docMk/>
+          <pc:sldMk cId="2023506442" sldId="306"/>
+        </pc:sldMkLst>
+        <pc:spChg chg="add del">
+          <ac:chgData name="Bell, Emma" userId="604bf8ae-27c2-4d4d-a82b-f9254ed3bf26" providerId="ADAL" clId="{A0728075-D603-BA4A-BE7C-A6B58309A671}" dt="2020-02-18T13:30:50.814" v="2"/>
+          <ac:spMkLst>
+            <pc:docMk/>
+            <pc:sldMk cId="2023506442" sldId="306"/>
+            <ac:spMk id="12" creationId="{A4DE4307-BDF3-4CB8-BB73-53E14EF990E0}"/>
+          </ac:spMkLst>
+        </pc:spChg>
+      </pc:sldChg>
+    </pc:docChg>
+  </pc:docChgLst>
+</pc:chgInfo>
 </file>
 
 <file path=ppt/notesMasters/notesMaster1.xml><?xml version="1.0" encoding="utf-8"?>
@@ -250,7 +287,7 @@
           <a:p>
             <a:fld id="{60C973AE-4BF1-E44A-BA01-3BBB7E758EB7}" type="datetimeFigureOut">
               <a:rPr lang="en-US" smtClean="0"/>
-              <a:t>6/2/19</a:t>
+              <a:t>2/18/20</a:t>
             </a:fld>
             <a:endParaRPr lang="en-US"/>
           </a:p>
@@ -682,6 +719,159 @@
     <p:extLst>
       <p:ext uri="{BB962C8B-B14F-4D97-AF65-F5344CB8AC3E}">
         <p14:creationId xmlns:p14="http://schemas.microsoft.com/office/powerpoint/2010/main" val="3305376978"/>
+      </p:ext>
+    </p:extLst>
+  </p:cSld>
+  <p:clrMapOvr>
+    <a:masterClrMapping/>
+  </p:clrMapOvr>
+</p:notes>
+</file>
+
+<file path=ppt/notesSlides/notesSlide3.xml><?xml version="1.0" encoding="utf-8"?>
+<p:notes xmlns:a="http://schemas.openxmlformats.org/drawingml/2006/main" xmlns:r="http://schemas.openxmlformats.org/officeDocument/2006/relationships" xmlns:p="http://schemas.openxmlformats.org/presentationml/2006/main">
+  <p:cSld>
+    <p:spTree>
+      <p:nvGrpSpPr>
+        <p:cNvPr id="1" name=""/>
+        <p:cNvGrpSpPr/>
+        <p:nvPr/>
+      </p:nvGrpSpPr>
+      <p:grpSpPr>
+        <a:xfrm>
+          <a:off x="0" y="0"/>
+          <a:ext cx="0" cy="0"/>
+          <a:chOff x="0" y="0"/>
+          <a:chExt cx="0" cy="0"/>
+        </a:xfrm>
+      </p:grpSpPr>
+      <p:sp>
+        <p:nvSpPr>
+          <p:cNvPr id="2" name="Slide Image Placeholder 1"/>
+          <p:cNvSpPr>
+            <a:spLocks noGrp="1" noRot="1" noChangeAspect="1"/>
+          </p:cNvSpPr>
+          <p:nvPr>
+            <p:ph type="sldImg"/>
+          </p:nvPr>
+        </p:nvSpPr>
+        <p:spPr/>
+      </p:sp>
+      <p:sp>
+        <p:nvSpPr>
+          <p:cNvPr id="3" name="Notes Placeholder 2"/>
+          <p:cNvSpPr>
+            <a:spLocks noGrp="1"/>
+          </p:cNvSpPr>
+          <p:nvPr>
+            <p:ph type="body" idx="1"/>
+          </p:nvPr>
+        </p:nvSpPr>
+        <p:spPr/>
+        <p:txBody>
+          <a:bodyPr/>
+          <a:lstStyle/>
+          <a:p>
+            <a:r>
+              <a:rPr lang="en-US" dirty="0"/>
+              <a:t>AKA Microsatellites</a:t>
+            </a:r>
+          </a:p>
+          <a:p>
+            <a:r>
+              <a:rPr lang="en-US" dirty="0"/>
+              <a:t>Used in forensic science – slippage during DNA synthesis creates a unique genetic fingerprint</a:t>
+            </a:r>
+          </a:p>
+        </p:txBody>
+      </p:sp>
+      <p:sp>
+        <p:nvSpPr>
+          <p:cNvPr id="4" name="Slide Number Placeholder 3"/>
+          <p:cNvSpPr>
+            <a:spLocks noGrp="1"/>
+          </p:cNvSpPr>
+          <p:nvPr>
+            <p:ph type="sldNum" sz="quarter" idx="5"/>
+          </p:nvPr>
+        </p:nvSpPr>
+        <p:spPr/>
+        <p:txBody>
+          <a:bodyPr/>
+          <a:lstStyle/>
+          <a:p>
+            <a:pPr marL="0" marR="0" lvl="0" indent="0" algn="r" defTabSz="914400" rtl="0" eaLnBrk="0" fontAlgn="base" latinLnBrk="0" hangingPunct="0">
+              <a:lnSpc>
+                <a:spcPct val="100000"/>
+              </a:lnSpc>
+              <a:spcBef>
+                <a:spcPct val="0"/>
+              </a:spcBef>
+              <a:spcAft>
+                <a:spcPct val="0"/>
+              </a:spcAft>
+              <a:buClrTx/>
+              <a:buSzTx/>
+              <a:buFontTx/>
+              <a:buNone/>
+              <a:tabLst/>
+              <a:defRPr/>
+            </a:pPr>
+            <a:fld id="{5BF34F67-936A-8645-B208-605DB1058255}" type="slidenum">
+              <a:rPr kumimoji="0" lang="en-US" sz="1200" b="0" i="0" u="none" strike="noStrike" kern="1200" cap="none" spc="0" normalizeH="0" baseline="0" noProof="0" smtClean="0">
+                <a:ln>
+                  <a:noFill/>
+                </a:ln>
+                <a:solidFill>
+                  <a:srgbClr val="3848A3"/>
+                </a:solidFill>
+                <a:effectLst/>
+                <a:uLnTx/>
+                <a:uFillTx/>
+                <a:latin typeface="Times New Roman" panose="02020603050405020304" pitchFamily="18" charset="0"/>
+                <a:ea typeface="MS PGothic" panose="020B0600070205080204" pitchFamily="34" charset="-128"/>
+                <a:cs typeface="+mn-cs"/>
+              </a:rPr>
+              <a:pPr marL="0" marR="0" lvl="0" indent="0" algn="r" defTabSz="914400" rtl="0" eaLnBrk="0" fontAlgn="base" latinLnBrk="0" hangingPunct="0">
+                <a:lnSpc>
+                  <a:spcPct val="100000"/>
+                </a:lnSpc>
+                <a:spcBef>
+                  <a:spcPct val="0"/>
+                </a:spcBef>
+                <a:spcAft>
+                  <a:spcPct val="0"/>
+                </a:spcAft>
+                <a:buClrTx/>
+                <a:buSzTx/>
+                <a:buFontTx/>
+                <a:buNone/>
+                <a:tabLst/>
+                <a:defRPr/>
+              </a:pPr>
+              <a:t>3</a:t>
+            </a:fld>
+            <a:endParaRPr kumimoji="0" lang="en-US" sz="1200" b="0" i="0" u="none" strike="noStrike" kern="1200" cap="none" spc="0" normalizeH="0" baseline="0" noProof="0">
+              <a:ln>
+                <a:noFill/>
+              </a:ln>
+              <a:solidFill>
+                <a:srgbClr val="3848A3"/>
+              </a:solidFill>
+              <a:effectLst/>
+              <a:uLnTx/>
+              <a:uFillTx/>
+              <a:latin typeface="Times New Roman" panose="02020603050405020304" pitchFamily="18" charset="0"/>
+              <a:ea typeface="MS PGothic" panose="020B0600070205080204" pitchFamily="34" charset="-128"/>
+              <a:cs typeface="+mn-cs"/>
+            </a:endParaRPr>
+          </a:p>
+        </p:txBody>
+      </p:sp>
+    </p:spTree>
+    <p:extLst>
+      <p:ext uri="{BB962C8B-B14F-4D97-AF65-F5344CB8AC3E}">
+        <p14:creationId xmlns:p14="http://schemas.microsoft.com/office/powerpoint/2010/main" val="260241920"/>
       </p:ext>
     </p:extLst>
   </p:cSld>
@@ -1204,7 +1394,7 @@
           <a:p>
             <a:fld id="{88AC2A37-C366-204B-BEC9-67A1DF2E8BC6}" type="datetimeFigureOut">
               <a:rPr lang="en-US" smtClean="0"/>
-              <a:t>6/2/19</a:t>
+              <a:t>2/18/20</a:t>
             </a:fld>
             <a:endParaRPr lang="en-US"/>
           </a:p>
@@ -11105,7 +11295,7 @@
           <a:p>
             <a:fld id="{F8411435-0C09-2646-9F4F-0AC3F7D3A974}" type="datetimeFigureOut">
               <a:rPr lang="en-US" smtClean="0"/>
-              <a:t>6/2/19</a:t>
+              <a:t>2/18/20</a:t>
             </a:fld>
             <a:endParaRPr lang="en-US"/>
           </a:p>
@@ -11303,7 +11493,7 @@
           <a:p>
             <a:fld id="{F8411435-0C09-2646-9F4F-0AC3F7D3A974}" type="datetimeFigureOut">
               <a:rPr lang="en-US" smtClean="0"/>
-              <a:t>6/2/19</a:t>
+              <a:t>2/18/20</a:t>
             </a:fld>
             <a:endParaRPr lang="en-US"/>
           </a:p>
@@ -11578,7 +11768,7 @@
           <a:p>
             <a:fld id="{F8411435-0C09-2646-9F4F-0AC3F7D3A974}" type="datetimeFigureOut">
               <a:rPr lang="en-US" smtClean="0"/>
-              <a:t>6/2/19</a:t>
+              <a:t>2/18/20</a:t>
             </a:fld>
             <a:endParaRPr lang="en-US"/>
           </a:p>
@@ -11843,7 +12033,7 @@
           <a:p>
             <a:fld id="{F8411435-0C09-2646-9F4F-0AC3F7D3A974}" type="datetimeFigureOut">
               <a:rPr lang="en-US" smtClean="0"/>
-              <a:t>6/2/19</a:t>
+              <a:t>2/18/20</a:t>
             </a:fld>
             <a:endParaRPr lang="en-US"/>
           </a:p>
@@ -12255,7 +12445,7 @@
           <a:p>
             <a:fld id="{F8411435-0C09-2646-9F4F-0AC3F7D3A974}" type="datetimeFigureOut">
               <a:rPr lang="en-US" smtClean="0"/>
-              <a:t>6/2/19</a:t>
+              <a:t>2/18/20</a:t>
             </a:fld>
             <a:endParaRPr lang="en-US"/>
           </a:p>
@@ -12396,7 +12586,7 @@
           <a:p>
             <a:fld id="{F8411435-0C09-2646-9F4F-0AC3F7D3A974}" type="datetimeFigureOut">
               <a:rPr lang="en-US" smtClean="0"/>
-              <a:t>6/2/19</a:t>
+              <a:t>2/18/20</a:t>
             </a:fld>
             <a:endParaRPr lang="en-US"/>
           </a:p>
@@ -12509,7 +12699,7 @@
           <a:p>
             <a:fld id="{F8411435-0C09-2646-9F4F-0AC3F7D3A974}" type="datetimeFigureOut">
               <a:rPr lang="en-US" smtClean="0"/>
-              <a:t>6/2/19</a:t>
+              <a:t>2/18/20</a:t>
             </a:fld>
             <a:endParaRPr lang="en-US"/>
           </a:p>
@@ -12820,7 +13010,7 @@
           <a:p>
             <a:fld id="{F8411435-0C09-2646-9F4F-0AC3F7D3A974}" type="datetimeFigureOut">
               <a:rPr lang="en-US" smtClean="0"/>
-              <a:t>6/2/19</a:t>
+              <a:t>2/18/20</a:t>
             </a:fld>
             <a:endParaRPr lang="en-US"/>
           </a:p>
@@ -13108,7 +13298,7 @@
           <a:p>
             <a:fld id="{F8411435-0C09-2646-9F4F-0AC3F7D3A974}" type="datetimeFigureOut">
               <a:rPr lang="en-US" smtClean="0"/>
-              <a:t>6/2/19</a:t>
+              <a:t>2/18/20</a:t>
             </a:fld>
             <a:endParaRPr lang="en-US"/>
           </a:p>
@@ -13306,7 +13496,7 @@
           <a:p>
             <a:fld id="{F8411435-0C09-2646-9F4F-0AC3F7D3A974}" type="datetimeFigureOut">
               <a:rPr lang="en-US" smtClean="0"/>
-              <a:t>6/2/19</a:t>
+              <a:t>2/18/20</a:t>
             </a:fld>
             <a:endParaRPr lang="en-US"/>
           </a:p>
@@ -13724,7 +13914,7 @@
           <a:p>
             <a:fld id="{F8411435-0C09-2646-9F4F-0AC3F7D3A974}" type="datetimeFigureOut">
               <a:rPr lang="en-US" smtClean="0"/>
-              <a:t>6/2/19</a:t>
+              <a:t>2/18/20</a:t>
             </a:fld>
             <a:endParaRPr lang="en-US"/>
           </a:p>
@@ -18206,7 +18396,7 @@
           <a:p>
             <a:fld id="{F8411435-0C09-2646-9F4F-0AC3F7D3A974}" type="datetimeFigureOut">
               <a:rPr lang="en-US" smtClean="0"/>
-              <a:t>6/2/19</a:t>
+              <a:t>2/18/20</a:t>
             </a:fld>
             <a:endParaRPr lang="en-US"/>
           </a:p>
@@ -18926,2188 +19116,6 @@
       </p:grpSpPr>
       <p:sp>
         <p:nvSpPr>
-          <p:cNvPr id="19" name="Rectangle 18">
-            <a:extLst>
-              <a:ext uri="{FF2B5EF4-FFF2-40B4-BE49-F238E27FC236}">
-                <a16:creationId xmlns:a16="http://schemas.microsoft.com/office/drawing/2014/main" id="{8D70B121-56F4-4848-B38B-182089D909FA}"/>
-              </a:ext>
-              <a:ext uri="{C183D7F6-B498-43B3-948B-1728B52AA6E4}">
-                <adec:decorative xmlns:adec="http://schemas.microsoft.com/office/drawing/2017/decorative" val="1"/>
-              </a:ext>
-            </a:extLst>
-          </p:cNvPr>
-          <p:cNvSpPr>
-            <a:spLocks noGrp="1" noRot="1" noChangeAspect="1" noMove="1" noResize="1" noEditPoints="1" noAdjustHandles="1" noChangeArrowheads="1" noChangeShapeType="1" noTextEdit="1"/>
-          </p:cNvSpPr>
-          <p:nvPr>
-            <p:extLst>
-              <p:ext uri="{386F3935-93C4-4BCD-93E2-E3B085C9AB24}">
-                <p16:designElem xmlns:p16="http://schemas.microsoft.com/office/powerpoint/2015/main" val="1"/>
-              </p:ext>
-            </p:extLst>
-          </p:nvPr>
-        </p:nvSpPr>
-        <p:spPr bwMode="ltGray">
-          <a:xfrm>
-            <a:off x="321564" y="320040"/>
-            <a:ext cx="11548872" cy="6217920"/>
-          </a:xfrm>
-          <a:prstGeom prst="rect">
-            <a:avLst/>
-          </a:prstGeom>
-          <a:solidFill>
-            <a:schemeClr val="tx1">
-              <a:alpha val="8000"/>
-            </a:schemeClr>
-          </a:solidFill>
-          <a:ln w="127000" cap="sq" cmpd="thinThick">
-            <a:noFill/>
-          </a:ln>
-        </p:spPr>
-        <p:style>
-          <a:lnRef idx="2">
-            <a:schemeClr val="accent1">
-              <a:shade val="50000"/>
-            </a:schemeClr>
-          </a:lnRef>
-          <a:fillRef idx="1">
-            <a:schemeClr val="accent1"/>
-          </a:fillRef>
-          <a:effectRef idx="0">
-            <a:schemeClr val="accent1"/>
-          </a:effectRef>
-          <a:fontRef idx="minor">
-            <a:schemeClr val="lt1"/>
-          </a:fontRef>
-        </p:style>
-        <p:txBody>
-          <a:bodyPr rtlCol="0" anchor="ctr"/>
-          <a:lstStyle/>
-          <a:p>
-            <a:pPr algn="ctr"/>
-            <a:endParaRPr lang="en-US"/>
-          </a:p>
-        </p:txBody>
-      </p:sp>
-      <p:sp>
-        <p:nvSpPr>
-          <p:cNvPr id="7" name="Title 6">
-            <a:extLst>
-              <a:ext uri="{FF2B5EF4-FFF2-40B4-BE49-F238E27FC236}">
-                <a16:creationId xmlns:a16="http://schemas.microsoft.com/office/drawing/2014/main" id="{EC70070A-36FE-2E4B-8AA0-03B9B672343F}"/>
-              </a:ext>
-            </a:extLst>
-          </p:cNvPr>
-          <p:cNvSpPr>
-            <a:spLocks noGrp="1"/>
-          </p:cNvSpPr>
-          <p:nvPr>
-            <p:ph type="title"/>
-          </p:nvPr>
-        </p:nvSpPr>
-        <p:spPr>
-          <a:xfrm>
-            <a:off x="838200" y="963877"/>
-            <a:ext cx="3494362" cy="4930246"/>
-          </a:xfrm>
-        </p:spPr>
-        <p:txBody>
-          <a:bodyPr>
-            <a:normAutofit/>
-          </a:bodyPr>
-          <a:lstStyle/>
-          <a:p>
-            <a:pPr algn="r"/>
-            <a:r>
-              <a:rPr lang="en-US">
-                <a:solidFill>
-                  <a:schemeClr val="accent1"/>
-                </a:solidFill>
-                <a:latin typeface="+mn-lt"/>
-              </a:rPr>
-              <a:t>References</a:t>
-            </a:r>
-          </a:p>
-        </p:txBody>
-      </p:sp>
-      <p:cxnSp>
-        <p:nvCxnSpPr>
-          <p:cNvPr id="21" name="Straight Connector 20">
-            <a:extLst>
-              <a:ext uri="{FF2B5EF4-FFF2-40B4-BE49-F238E27FC236}">
-                <a16:creationId xmlns:a16="http://schemas.microsoft.com/office/drawing/2014/main" id="{2D72A2C9-F3CA-4216-8BAD-FA4C970C3C4E}"/>
-              </a:ext>
-              <a:ext uri="{C183D7F6-B498-43B3-948B-1728B52AA6E4}">
-                <adec:decorative xmlns:adec="http://schemas.microsoft.com/office/drawing/2017/decorative" val="1"/>
-              </a:ext>
-            </a:extLst>
-          </p:cNvPr>
-          <p:cNvCxnSpPr>
-            <a:cxnSpLocks noGrp="1" noRot="1" noChangeAspect="1" noMove="1" noResize="1" noEditPoints="1" noAdjustHandles="1" noChangeArrowheads="1" noChangeShapeType="1"/>
-          </p:cNvCxnSpPr>
-          <p:nvPr>
-            <p:extLst>
-              <p:ext uri="{386F3935-93C4-4BCD-93E2-E3B085C9AB24}">
-                <p16:designElem xmlns:p16="http://schemas.microsoft.com/office/powerpoint/2015/main" val="1"/>
-              </p:ext>
-            </p:extLst>
-          </p:nvPr>
-        </p:nvCxnSpPr>
-        <p:spPr>
-          <a:xfrm>
-            <a:off x="4654296" y="2057400"/>
-            <a:ext cx="0" cy="2743200"/>
-          </a:xfrm>
-          <a:prstGeom prst="line">
-            <a:avLst/>
-          </a:prstGeom>
-          <a:ln w="19050">
-            <a:solidFill>
-              <a:schemeClr val="tx1">
-                <a:lumMod val="85000"/>
-                <a:lumOff val="15000"/>
-              </a:schemeClr>
-            </a:solidFill>
-          </a:ln>
-        </p:spPr>
-        <p:style>
-          <a:lnRef idx="1">
-            <a:schemeClr val="accent1"/>
-          </a:lnRef>
-          <a:fillRef idx="0">
-            <a:schemeClr val="accent1"/>
-          </a:fillRef>
-          <a:effectRef idx="0">
-            <a:schemeClr val="accent1"/>
-          </a:effectRef>
-          <a:fontRef idx="minor">
-            <a:schemeClr val="tx1"/>
-          </a:fontRef>
-        </p:style>
-      </p:cxnSp>
-      <p:sp>
-        <p:nvSpPr>
-          <p:cNvPr id="14" name="Content Placeholder 13">
-            <a:extLst>
-              <a:ext uri="{FF2B5EF4-FFF2-40B4-BE49-F238E27FC236}">
-                <a16:creationId xmlns:a16="http://schemas.microsoft.com/office/drawing/2014/main" id="{993F8E88-5466-2942-9F6D-A4E426F0013A}"/>
-              </a:ext>
-            </a:extLst>
-          </p:cNvPr>
-          <p:cNvSpPr>
-            <a:spLocks noGrp="1"/>
-          </p:cNvSpPr>
-          <p:nvPr>
-            <p:ph idx="1"/>
-          </p:nvPr>
-        </p:nvSpPr>
-        <p:spPr>
-          <a:xfrm>
-            <a:off x="4976031" y="963877"/>
-            <a:ext cx="6377769" cy="4930246"/>
-          </a:xfrm>
-          <a:prstGeom prst="rect">
-            <a:avLst/>
-          </a:prstGeom>
-        </p:spPr>
-        <p:txBody>
-          <a:bodyPr anchor="ctr">
-            <a:normAutofit/>
-          </a:bodyPr>
-          <a:lstStyle/>
-          <a:p>
-            <a:r>
-              <a:rPr lang="en-CA" sz="2400" dirty="0">
-                <a:latin typeface="+mn-lt"/>
-              </a:rPr>
-              <a:t>Reference 1</a:t>
-            </a:r>
-          </a:p>
-          <a:p>
-            <a:r>
-              <a:rPr lang="en-CA" sz="2400" dirty="0"/>
-              <a:t>Reference 2</a:t>
-            </a:r>
-          </a:p>
-          <a:p>
-            <a:r>
-              <a:rPr lang="en-CA" sz="2400" dirty="0">
-                <a:latin typeface="+mn-lt"/>
-              </a:rPr>
-              <a:t>Reference 3</a:t>
-            </a:r>
-          </a:p>
-        </p:txBody>
-      </p:sp>
-    </p:spTree>
-    <p:extLst>
-      <p:ext uri="{BB962C8B-B14F-4D97-AF65-F5344CB8AC3E}">
-        <p14:creationId xmlns:p14="http://schemas.microsoft.com/office/powerpoint/2010/main" val="1744190572"/>
-      </p:ext>
-    </p:extLst>
-  </p:cSld>
-  <p:clrMapOvr>
-    <a:masterClrMapping/>
-  </p:clrMapOvr>
-</p:sld>
-</file>
-
-<file path=ppt/slides/slide2.xml><?xml version="1.0" encoding="utf-8"?>
-<p:sld xmlns:a="http://schemas.openxmlformats.org/drawingml/2006/main" xmlns:r="http://schemas.openxmlformats.org/officeDocument/2006/relationships" xmlns:p="http://schemas.openxmlformats.org/presentationml/2006/main">
-  <p:cSld>
-    <p:bg>
-      <p:bgPr>
-        <a:solidFill>
-          <a:schemeClr val="bg1"/>
-        </a:solidFill>
-        <a:effectLst/>
-      </p:bgPr>
-    </p:bg>
-    <p:spTree>
-      <p:nvGrpSpPr>
-        <p:cNvPr id="1" name=""/>
-        <p:cNvGrpSpPr/>
-        <p:nvPr/>
-      </p:nvGrpSpPr>
-      <p:grpSpPr>
-        <a:xfrm>
-          <a:off x="0" y="0"/>
-          <a:ext cx="0" cy="0"/>
-          <a:chOff x="0" y="0"/>
-          <a:chExt cx="0" cy="0"/>
-        </a:xfrm>
-      </p:grpSpPr>
-      <p:sp>
-        <p:nvSpPr>
-          <p:cNvPr id="17" name="Rectangle 16">
-            <a:extLst>
-              <a:ext uri="{FF2B5EF4-FFF2-40B4-BE49-F238E27FC236}">
-                <a16:creationId xmlns:a16="http://schemas.microsoft.com/office/drawing/2014/main" id="{8D70B121-56F4-4848-B38B-182089D909FA}"/>
-              </a:ext>
-              <a:ext uri="{C183D7F6-B498-43B3-948B-1728B52AA6E4}">
-                <adec:decorative xmlns:adec="http://schemas.microsoft.com/office/drawing/2017/decorative" val="1"/>
-              </a:ext>
-            </a:extLst>
-          </p:cNvPr>
-          <p:cNvSpPr>
-            <a:spLocks noGrp="1" noRot="1" noChangeAspect="1" noMove="1" noResize="1" noEditPoints="1" noAdjustHandles="1" noChangeArrowheads="1" noChangeShapeType="1" noTextEdit="1"/>
-          </p:cNvSpPr>
-          <p:nvPr>
-            <p:extLst>
-              <p:ext uri="{386F3935-93C4-4BCD-93E2-E3B085C9AB24}">
-                <p16:designElem xmlns:p16="http://schemas.microsoft.com/office/powerpoint/2015/main" val="1"/>
-              </p:ext>
-            </p:extLst>
-          </p:nvPr>
-        </p:nvSpPr>
-        <p:spPr bwMode="ltGray">
-          <a:xfrm>
-            <a:off x="321564" y="320040"/>
-            <a:ext cx="11548872" cy="6217920"/>
-          </a:xfrm>
-          <a:prstGeom prst="rect">
-            <a:avLst/>
-          </a:prstGeom>
-          <a:solidFill>
-            <a:schemeClr val="tx1">
-              <a:alpha val="8000"/>
-            </a:schemeClr>
-          </a:solidFill>
-          <a:ln w="127000" cap="sq" cmpd="thinThick">
-            <a:noFill/>
-          </a:ln>
-        </p:spPr>
-        <p:style>
-          <a:lnRef idx="2">
-            <a:schemeClr val="accent1">
-              <a:shade val="50000"/>
-            </a:schemeClr>
-          </a:lnRef>
-          <a:fillRef idx="1">
-            <a:schemeClr val="accent1"/>
-          </a:fillRef>
-          <a:effectRef idx="0">
-            <a:schemeClr val="accent1"/>
-          </a:effectRef>
-          <a:fontRef idx="minor">
-            <a:schemeClr val="lt1"/>
-          </a:fontRef>
-        </p:style>
-        <p:txBody>
-          <a:bodyPr rtlCol="0" anchor="ctr"/>
-          <a:lstStyle/>
-          <a:p>
-            <a:pPr algn="ctr"/>
-            <a:endParaRPr lang="en-US"/>
-          </a:p>
-        </p:txBody>
-      </p:sp>
-      <p:sp>
-        <p:nvSpPr>
-          <p:cNvPr id="4" name="Title 3">
-            <a:extLst>
-              <a:ext uri="{FF2B5EF4-FFF2-40B4-BE49-F238E27FC236}">
-                <a16:creationId xmlns:a16="http://schemas.microsoft.com/office/drawing/2014/main" id="{561E3B4F-309B-9941-8E10-A08C6CBBB83F}"/>
-              </a:ext>
-            </a:extLst>
-          </p:cNvPr>
-          <p:cNvSpPr>
-            <a:spLocks noGrp="1"/>
-          </p:cNvSpPr>
-          <p:nvPr>
-            <p:ph type="title"/>
-          </p:nvPr>
-        </p:nvSpPr>
-        <p:spPr>
-          <a:xfrm>
-            <a:off x="838200" y="963877"/>
-            <a:ext cx="3494362" cy="4930246"/>
-          </a:xfrm>
-        </p:spPr>
-        <p:txBody>
-          <a:bodyPr>
-            <a:normAutofit/>
-          </a:bodyPr>
-          <a:lstStyle/>
-          <a:p>
-            <a:pPr algn="r"/>
-            <a:r>
-              <a:rPr lang="en-US" dirty="0">
-                <a:solidFill>
-                  <a:schemeClr val="accent1"/>
-                </a:solidFill>
-              </a:rPr>
-              <a:t>Background</a:t>
-            </a:r>
-          </a:p>
-        </p:txBody>
-      </p:sp>
-      <p:cxnSp>
-        <p:nvCxnSpPr>
-          <p:cNvPr id="19" name="Straight Connector 18">
-            <a:extLst>
-              <a:ext uri="{FF2B5EF4-FFF2-40B4-BE49-F238E27FC236}">
-                <a16:creationId xmlns:a16="http://schemas.microsoft.com/office/drawing/2014/main" id="{2D72A2C9-F3CA-4216-8BAD-FA4C970C3C4E}"/>
-              </a:ext>
-              <a:ext uri="{C183D7F6-B498-43B3-948B-1728B52AA6E4}">
-                <adec:decorative xmlns:adec="http://schemas.microsoft.com/office/drawing/2017/decorative" val="1"/>
-              </a:ext>
-            </a:extLst>
-          </p:cNvPr>
-          <p:cNvCxnSpPr>
-            <a:cxnSpLocks noGrp="1" noRot="1" noChangeAspect="1" noMove="1" noResize="1" noEditPoints="1" noAdjustHandles="1" noChangeArrowheads="1" noChangeShapeType="1"/>
-          </p:cNvCxnSpPr>
-          <p:nvPr>
-            <p:extLst>
-              <p:ext uri="{386F3935-93C4-4BCD-93E2-E3B085C9AB24}">
-                <p16:designElem xmlns:p16="http://schemas.microsoft.com/office/powerpoint/2015/main" val="1"/>
-              </p:ext>
-            </p:extLst>
-          </p:nvPr>
-        </p:nvCxnSpPr>
-        <p:spPr>
-          <a:xfrm>
-            <a:off x="4654296" y="2057400"/>
-            <a:ext cx="0" cy="2743200"/>
-          </a:xfrm>
-          <a:prstGeom prst="line">
-            <a:avLst/>
-          </a:prstGeom>
-          <a:ln w="19050">
-            <a:solidFill>
-              <a:schemeClr val="tx1">
-                <a:lumMod val="85000"/>
-                <a:lumOff val="15000"/>
-              </a:schemeClr>
-            </a:solidFill>
-          </a:ln>
-        </p:spPr>
-        <p:style>
-          <a:lnRef idx="1">
-            <a:schemeClr val="accent1"/>
-          </a:lnRef>
-          <a:fillRef idx="0">
-            <a:schemeClr val="accent1"/>
-          </a:fillRef>
-          <a:effectRef idx="0">
-            <a:schemeClr val="accent1"/>
-          </a:effectRef>
-          <a:fontRef idx="minor">
-            <a:schemeClr val="tx1"/>
-          </a:fontRef>
-        </p:style>
-      </p:cxnSp>
-      <p:sp>
-        <p:nvSpPr>
-          <p:cNvPr id="5" name="Content Placeholder 4">
-            <a:extLst>
-              <a:ext uri="{FF2B5EF4-FFF2-40B4-BE49-F238E27FC236}">
-                <a16:creationId xmlns:a16="http://schemas.microsoft.com/office/drawing/2014/main" id="{66687CDB-721F-964A-BD29-2B6E02962EDC}"/>
-              </a:ext>
-            </a:extLst>
-          </p:cNvPr>
-          <p:cNvSpPr>
-            <a:spLocks noGrp="1"/>
-          </p:cNvSpPr>
-          <p:nvPr>
-            <p:ph idx="1"/>
-          </p:nvPr>
-        </p:nvSpPr>
-        <p:spPr>
-          <a:xfrm>
-            <a:off x="4976031" y="963877"/>
-            <a:ext cx="6377769" cy="4930246"/>
-          </a:xfrm>
-        </p:spPr>
-        <p:txBody>
-          <a:bodyPr anchor="ctr">
-            <a:normAutofit/>
-          </a:bodyPr>
-          <a:lstStyle/>
-          <a:p>
-            <a:r>
-              <a:rPr lang="en-US" sz="2400"/>
-              <a:t>Question 1</a:t>
-            </a:r>
-          </a:p>
-          <a:p>
-            <a:r>
-              <a:rPr lang="en-US" sz="2400"/>
-              <a:t>Question 2</a:t>
-            </a:r>
-          </a:p>
-          <a:p>
-            <a:r>
-              <a:rPr lang="en-US" sz="2400"/>
-              <a:t>Question 3</a:t>
-            </a:r>
-          </a:p>
-        </p:txBody>
-      </p:sp>
-    </p:spTree>
-    <p:extLst>
-      <p:ext uri="{BB962C8B-B14F-4D97-AF65-F5344CB8AC3E}">
-        <p14:creationId xmlns:p14="http://schemas.microsoft.com/office/powerpoint/2010/main" val="354934040"/>
-      </p:ext>
-    </p:extLst>
-  </p:cSld>
-  <p:clrMapOvr>
-    <a:masterClrMapping/>
-  </p:clrMapOvr>
-</p:sld>
-</file>
-
-<file path=ppt/slides/slide3.xml><?xml version="1.0" encoding="utf-8"?>
-<p:sld xmlns:a="http://schemas.openxmlformats.org/drawingml/2006/main" xmlns:r="http://schemas.openxmlformats.org/officeDocument/2006/relationships" xmlns:p="http://schemas.openxmlformats.org/presentationml/2006/main">
-  <p:cSld>
-    <p:bg>
-      <p:bgPr>
-        <a:solidFill>
-          <a:schemeClr val="bg1"/>
-        </a:solidFill>
-        <a:effectLst/>
-      </p:bgPr>
-    </p:bg>
-    <p:spTree>
-      <p:nvGrpSpPr>
-        <p:cNvPr id="1" name=""/>
-        <p:cNvGrpSpPr/>
-        <p:nvPr/>
-      </p:nvGrpSpPr>
-      <p:grpSpPr>
-        <a:xfrm>
-          <a:off x="0" y="0"/>
-          <a:ext cx="0" cy="0"/>
-          <a:chOff x="0" y="0"/>
-          <a:chExt cx="0" cy="0"/>
-        </a:xfrm>
-      </p:grpSpPr>
-      <p:sp>
-        <p:nvSpPr>
-          <p:cNvPr id="9" name="Rectangle 8">
-            <a:extLst>
-              <a:ext uri="{FF2B5EF4-FFF2-40B4-BE49-F238E27FC236}">
-                <a16:creationId xmlns:a16="http://schemas.microsoft.com/office/drawing/2014/main" id="{8D70B121-56F4-4848-B38B-182089D909FA}"/>
-              </a:ext>
-              <a:ext uri="{C183D7F6-B498-43B3-948B-1728B52AA6E4}">
-                <adec:decorative xmlns:adec="http://schemas.microsoft.com/office/drawing/2017/decorative" val="1"/>
-              </a:ext>
-            </a:extLst>
-          </p:cNvPr>
-          <p:cNvSpPr>
-            <a:spLocks noGrp="1" noRot="1" noChangeAspect="1" noMove="1" noResize="1" noEditPoints="1" noAdjustHandles="1" noChangeArrowheads="1" noChangeShapeType="1" noTextEdit="1"/>
-          </p:cNvSpPr>
-          <p:nvPr>
-            <p:extLst>
-              <p:ext uri="{386F3935-93C4-4BCD-93E2-E3B085C9AB24}">
-                <p16:designElem xmlns:p16="http://schemas.microsoft.com/office/powerpoint/2015/main" val="1"/>
-              </p:ext>
-            </p:extLst>
-          </p:nvPr>
-        </p:nvSpPr>
-        <p:spPr bwMode="ltGray">
-          <a:xfrm>
-            <a:off x="321564" y="320040"/>
-            <a:ext cx="11548872" cy="6217920"/>
-          </a:xfrm>
-          <a:prstGeom prst="rect">
-            <a:avLst/>
-          </a:prstGeom>
-          <a:solidFill>
-            <a:schemeClr val="tx1">
-              <a:alpha val="8000"/>
-            </a:schemeClr>
-          </a:solidFill>
-          <a:ln w="127000" cap="sq" cmpd="thinThick">
-            <a:noFill/>
-          </a:ln>
-        </p:spPr>
-        <p:style>
-          <a:lnRef idx="2">
-            <a:schemeClr val="accent1">
-              <a:shade val="50000"/>
-            </a:schemeClr>
-          </a:lnRef>
-          <a:fillRef idx="1">
-            <a:schemeClr val="accent1"/>
-          </a:fillRef>
-          <a:effectRef idx="0">
-            <a:schemeClr val="accent1"/>
-          </a:effectRef>
-          <a:fontRef idx="minor">
-            <a:schemeClr val="lt1"/>
-          </a:fontRef>
-        </p:style>
-        <p:txBody>
-          <a:bodyPr rtlCol="0" anchor="ctr"/>
-          <a:lstStyle/>
-          <a:p>
-            <a:pPr algn="ctr"/>
-            <a:endParaRPr lang="en-US"/>
-          </a:p>
-        </p:txBody>
-      </p:sp>
-      <p:sp>
-        <p:nvSpPr>
-          <p:cNvPr id="2" name="Title 1">
-            <a:extLst>
-              <a:ext uri="{FF2B5EF4-FFF2-40B4-BE49-F238E27FC236}">
-                <a16:creationId xmlns:a16="http://schemas.microsoft.com/office/drawing/2014/main" id="{B5040152-28F9-7444-89A0-095C405443C7}"/>
-              </a:ext>
-            </a:extLst>
-          </p:cNvPr>
-          <p:cNvSpPr>
-            <a:spLocks noGrp="1"/>
-          </p:cNvSpPr>
-          <p:nvPr>
-            <p:ph type="title"/>
-          </p:nvPr>
-        </p:nvSpPr>
-        <p:spPr>
-          <a:xfrm>
-            <a:off x="838200" y="963877"/>
-            <a:ext cx="3494362" cy="4930246"/>
-          </a:xfrm>
-        </p:spPr>
-        <p:txBody>
-          <a:bodyPr vert="horz" lIns="91440" tIns="45720" rIns="91440" bIns="45720" rtlCol="0" anchor="ctr">
-            <a:normAutofit/>
-          </a:bodyPr>
-          <a:lstStyle/>
-          <a:p>
-            <a:pPr algn="r"/>
-            <a:r>
-              <a:rPr lang="en-US" kern="1200" dirty="0">
-                <a:solidFill>
-                  <a:schemeClr val="accent1"/>
-                </a:solidFill>
-                <a:latin typeface="+mj-lt"/>
-                <a:ea typeface="+mj-ea"/>
-                <a:cs typeface="+mj-cs"/>
-              </a:rPr>
-              <a:t>Introduction</a:t>
-            </a:r>
-          </a:p>
-        </p:txBody>
-      </p:sp>
-      <p:cxnSp>
-        <p:nvCxnSpPr>
-          <p:cNvPr id="11" name="Straight Connector 10">
-            <a:extLst>
-              <a:ext uri="{FF2B5EF4-FFF2-40B4-BE49-F238E27FC236}">
-                <a16:creationId xmlns:a16="http://schemas.microsoft.com/office/drawing/2014/main" id="{2D72A2C9-F3CA-4216-8BAD-FA4C970C3C4E}"/>
-              </a:ext>
-              <a:ext uri="{C183D7F6-B498-43B3-948B-1728B52AA6E4}">
-                <adec:decorative xmlns:adec="http://schemas.microsoft.com/office/drawing/2017/decorative" val="1"/>
-              </a:ext>
-            </a:extLst>
-          </p:cNvPr>
-          <p:cNvCxnSpPr>
-            <a:cxnSpLocks noGrp="1" noRot="1" noChangeAspect="1" noMove="1" noResize="1" noEditPoints="1" noAdjustHandles="1" noChangeArrowheads="1" noChangeShapeType="1"/>
-          </p:cNvCxnSpPr>
-          <p:nvPr>
-            <p:extLst>
-              <p:ext uri="{386F3935-93C4-4BCD-93E2-E3B085C9AB24}">
-                <p16:designElem xmlns:p16="http://schemas.microsoft.com/office/powerpoint/2015/main" val="1"/>
-              </p:ext>
-            </p:extLst>
-          </p:nvPr>
-        </p:nvCxnSpPr>
-        <p:spPr>
-          <a:xfrm>
-            <a:off x="4654296" y="2057400"/>
-            <a:ext cx="0" cy="2743200"/>
-          </a:xfrm>
-          <a:prstGeom prst="line">
-            <a:avLst/>
-          </a:prstGeom>
-          <a:ln w="19050">
-            <a:solidFill>
-              <a:schemeClr val="tx1">
-                <a:lumMod val="85000"/>
-                <a:lumOff val="15000"/>
-              </a:schemeClr>
-            </a:solidFill>
-          </a:ln>
-        </p:spPr>
-        <p:style>
-          <a:lnRef idx="1">
-            <a:schemeClr val="accent1"/>
-          </a:lnRef>
-          <a:fillRef idx="0">
-            <a:schemeClr val="accent1"/>
-          </a:fillRef>
-          <a:effectRef idx="0">
-            <a:schemeClr val="accent1"/>
-          </a:effectRef>
-          <a:fontRef idx="minor">
-            <a:schemeClr val="tx1"/>
-          </a:fontRef>
-        </p:style>
-      </p:cxnSp>
-      <p:sp>
-        <p:nvSpPr>
-          <p:cNvPr id="4" name="Content Placeholder 3">
-            <a:extLst>
-              <a:ext uri="{FF2B5EF4-FFF2-40B4-BE49-F238E27FC236}">
-                <a16:creationId xmlns:a16="http://schemas.microsoft.com/office/drawing/2014/main" id="{B6473C11-CD7D-A141-BE1C-D8B608DD66E4}"/>
-              </a:ext>
-            </a:extLst>
-          </p:cNvPr>
-          <p:cNvSpPr>
-            <a:spLocks noGrp="1"/>
-          </p:cNvSpPr>
-          <p:nvPr>
-            <p:ph sz="half" idx="1"/>
-          </p:nvPr>
-        </p:nvSpPr>
-        <p:spPr>
-          <a:xfrm>
-            <a:off x="4976031" y="963877"/>
-            <a:ext cx="6377769" cy="4930246"/>
-          </a:xfrm>
-        </p:spPr>
-        <p:txBody>
-          <a:bodyPr vert="horz" lIns="91440" tIns="45720" rIns="91440" bIns="45720" rtlCol="0" anchor="ctr">
-            <a:normAutofit/>
-          </a:bodyPr>
-          <a:lstStyle/>
-          <a:p>
-            <a:r>
-              <a:rPr lang="en-US" sz="2400" dirty="0"/>
-              <a:t>Point 1</a:t>
-            </a:r>
-          </a:p>
-          <a:p>
-            <a:r>
-              <a:rPr lang="en-US" sz="2400" dirty="0"/>
-              <a:t>Point 2</a:t>
-            </a:r>
-          </a:p>
-          <a:p>
-            <a:r>
-              <a:rPr lang="en-US" sz="2400" dirty="0"/>
-              <a:t>Point 3</a:t>
-            </a:r>
-          </a:p>
-          <a:p>
-            <a:endParaRPr lang="en-US" sz="2400" dirty="0"/>
-          </a:p>
-        </p:txBody>
-      </p:sp>
-    </p:spTree>
-    <p:extLst>
-      <p:ext uri="{BB962C8B-B14F-4D97-AF65-F5344CB8AC3E}">
-        <p14:creationId xmlns:p14="http://schemas.microsoft.com/office/powerpoint/2010/main" val="3670662670"/>
-      </p:ext>
-    </p:extLst>
-  </p:cSld>
-  <p:clrMapOvr>
-    <a:masterClrMapping/>
-  </p:clrMapOvr>
-</p:sld>
-</file>
-
-<file path=ppt/slides/slide4.xml><?xml version="1.0" encoding="utf-8"?>
-<p:sld xmlns:a="http://schemas.openxmlformats.org/drawingml/2006/main" xmlns:r="http://schemas.openxmlformats.org/officeDocument/2006/relationships" xmlns:p="http://schemas.openxmlformats.org/presentationml/2006/main">
-  <p:cSld>
-    <p:bg>
-      <p:bgPr>
-        <a:solidFill>
-          <a:schemeClr val="bg1"/>
-        </a:solidFill>
-        <a:effectLst/>
-      </p:bgPr>
-    </p:bg>
-    <p:spTree>
-      <p:nvGrpSpPr>
-        <p:cNvPr id="1" name=""/>
-        <p:cNvGrpSpPr/>
-        <p:nvPr/>
-      </p:nvGrpSpPr>
-      <p:grpSpPr>
-        <a:xfrm>
-          <a:off x="0" y="0"/>
-          <a:ext cx="0" cy="0"/>
-          <a:chOff x="0" y="0"/>
-          <a:chExt cx="0" cy="0"/>
-        </a:xfrm>
-      </p:grpSpPr>
-      <p:sp>
-        <p:nvSpPr>
-          <p:cNvPr id="14" name="Rectangle 13">
-            <a:extLst>
-              <a:ext uri="{FF2B5EF4-FFF2-40B4-BE49-F238E27FC236}">
-                <a16:creationId xmlns:a16="http://schemas.microsoft.com/office/drawing/2014/main" id="{8D70B121-56F4-4848-B38B-182089D909FA}"/>
-              </a:ext>
-              <a:ext uri="{C183D7F6-B498-43B3-948B-1728B52AA6E4}">
-                <adec:decorative xmlns:adec="http://schemas.microsoft.com/office/drawing/2017/decorative" val="1"/>
-              </a:ext>
-            </a:extLst>
-          </p:cNvPr>
-          <p:cNvSpPr>
-            <a:spLocks noGrp="1" noRot="1" noChangeAspect="1" noMove="1" noResize="1" noEditPoints="1" noAdjustHandles="1" noChangeArrowheads="1" noChangeShapeType="1" noTextEdit="1"/>
-          </p:cNvSpPr>
-          <p:nvPr>
-            <p:extLst>
-              <p:ext uri="{386F3935-93C4-4BCD-93E2-E3B085C9AB24}">
-                <p16:designElem xmlns:p16="http://schemas.microsoft.com/office/powerpoint/2015/main" val="1"/>
-              </p:ext>
-            </p:extLst>
-          </p:nvPr>
-        </p:nvSpPr>
-        <p:spPr bwMode="ltGray">
-          <a:xfrm>
-            <a:off x="321564" y="320040"/>
-            <a:ext cx="11548872" cy="6217920"/>
-          </a:xfrm>
-          <a:prstGeom prst="rect">
-            <a:avLst/>
-          </a:prstGeom>
-          <a:solidFill>
-            <a:schemeClr val="tx1">
-              <a:alpha val="8000"/>
-            </a:schemeClr>
-          </a:solidFill>
-          <a:ln w="127000" cap="sq" cmpd="thinThick">
-            <a:noFill/>
-          </a:ln>
-        </p:spPr>
-        <p:style>
-          <a:lnRef idx="2">
-            <a:schemeClr val="accent1">
-              <a:shade val="50000"/>
-            </a:schemeClr>
-          </a:lnRef>
-          <a:fillRef idx="1">
-            <a:schemeClr val="accent1"/>
-          </a:fillRef>
-          <a:effectRef idx="0">
-            <a:schemeClr val="accent1"/>
-          </a:effectRef>
-          <a:fontRef idx="minor">
-            <a:schemeClr val="lt1"/>
-          </a:fontRef>
-        </p:style>
-        <p:txBody>
-          <a:bodyPr rtlCol="0" anchor="ctr"/>
-          <a:lstStyle/>
-          <a:p>
-            <a:pPr algn="ctr"/>
-            <a:endParaRPr lang="en-US"/>
-          </a:p>
-        </p:txBody>
-      </p:sp>
-      <p:sp>
-        <p:nvSpPr>
-          <p:cNvPr id="2" name="Title 1">
-            <a:extLst>
-              <a:ext uri="{FF2B5EF4-FFF2-40B4-BE49-F238E27FC236}">
-                <a16:creationId xmlns:a16="http://schemas.microsoft.com/office/drawing/2014/main" id="{B5040152-28F9-7444-89A0-095C405443C7}"/>
-              </a:ext>
-            </a:extLst>
-          </p:cNvPr>
-          <p:cNvSpPr>
-            <a:spLocks noGrp="1"/>
-          </p:cNvSpPr>
-          <p:nvPr>
-            <p:ph type="title"/>
-          </p:nvPr>
-        </p:nvSpPr>
-        <p:spPr>
-          <a:xfrm>
-            <a:off x="838200" y="963877"/>
-            <a:ext cx="3494362" cy="4930246"/>
-          </a:xfrm>
-        </p:spPr>
-        <p:txBody>
-          <a:bodyPr>
-            <a:normAutofit/>
-          </a:bodyPr>
-          <a:lstStyle/>
-          <a:p>
-            <a:pPr algn="r"/>
-            <a:r>
-              <a:rPr lang="en-US">
-                <a:solidFill>
-                  <a:schemeClr val="accent1"/>
-                </a:solidFill>
-                <a:latin typeface="+mn-lt"/>
-              </a:rPr>
-              <a:t>Point 1</a:t>
-            </a:r>
-          </a:p>
-        </p:txBody>
-      </p:sp>
-      <p:cxnSp>
-        <p:nvCxnSpPr>
-          <p:cNvPr id="16" name="Straight Connector 15">
-            <a:extLst>
-              <a:ext uri="{FF2B5EF4-FFF2-40B4-BE49-F238E27FC236}">
-                <a16:creationId xmlns:a16="http://schemas.microsoft.com/office/drawing/2014/main" id="{2D72A2C9-F3CA-4216-8BAD-FA4C970C3C4E}"/>
-              </a:ext>
-              <a:ext uri="{C183D7F6-B498-43B3-948B-1728B52AA6E4}">
-                <adec:decorative xmlns:adec="http://schemas.microsoft.com/office/drawing/2017/decorative" val="1"/>
-              </a:ext>
-            </a:extLst>
-          </p:cNvPr>
-          <p:cNvCxnSpPr>
-            <a:cxnSpLocks noGrp="1" noRot="1" noChangeAspect="1" noMove="1" noResize="1" noEditPoints="1" noAdjustHandles="1" noChangeArrowheads="1" noChangeShapeType="1"/>
-          </p:cNvCxnSpPr>
-          <p:nvPr>
-            <p:extLst>
-              <p:ext uri="{386F3935-93C4-4BCD-93E2-E3B085C9AB24}">
-                <p16:designElem xmlns:p16="http://schemas.microsoft.com/office/powerpoint/2015/main" val="1"/>
-              </p:ext>
-            </p:extLst>
-          </p:nvPr>
-        </p:nvCxnSpPr>
-        <p:spPr>
-          <a:xfrm>
-            <a:off x="4654296" y="2057400"/>
-            <a:ext cx="0" cy="2743200"/>
-          </a:xfrm>
-          <a:prstGeom prst="line">
-            <a:avLst/>
-          </a:prstGeom>
-          <a:ln w="19050">
-            <a:solidFill>
-              <a:schemeClr val="tx1">
-                <a:lumMod val="85000"/>
-                <a:lumOff val="15000"/>
-              </a:schemeClr>
-            </a:solidFill>
-          </a:ln>
-        </p:spPr>
-        <p:style>
-          <a:lnRef idx="1">
-            <a:schemeClr val="accent1"/>
-          </a:lnRef>
-          <a:fillRef idx="0">
-            <a:schemeClr val="accent1"/>
-          </a:fillRef>
-          <a:effectRef idx="0">
-            <a:schemeClr val="accent1"/>
-          </a:effectRef>
-          <a:fontRef idx="minor">
-            <a:schemeClr val="tx1"/>
-          </a:fontRef>
-        </p:style>
-      </p:cxnSp>
-      <p:sp>
-        <p:nvSpPr>
-          <p:cNvPr id="9" name="Content Placeholder 8">
-            <a:extLst>
-              <a:ext uri="{FF2B5EF4-FFF2-40B4-BE49-F238E27FC236}">
-                <a16:creationId xmlns:a16="http://schemas.microsoft.com/office/drawing/2014/main" id="{822B7238-F257-FB43-828C-01781C2C5B08}"/>
-              </a:ext>
-            </a:extLst>
-          </p:cNvPr>
-          <p:cNvSpPr>
-            <a:spLocks noGrp="1"/>
-          </p:cNvSpPr>
-          <p:nvPr>
-            <p:ph idx="1"/>
-          </p:nvPr>
-        </p:nvSpPr>
-        <p:spPr>
-          <a:xfrm>
-            <a:off x="4976031" y="963877"/>
-            <a:ext cx="6377769" cy="4930246"/>
-          </a:xfrm>
-        </p:spPr>
-        <p:txBody>
-          <a:bodyPr anchor="ctr">
-            <a:normAutofit/>
-          </a:bodyPr>
-          <a:lstStyle/>
-          <a:p>
-            <a:r>
-              <a:rPr lang="en-US" sz="2400"/>
-              <a:t>Problem</a:t>
-            </a:r>
-          </a:p>
-          <a:p>
-            <a:r>
-              <a:rPr lang="en-US" sz="2400"/>
-              <a:t>Context</a:t>
-            </a:r>
-          </a:p>
-          <a:p>
-            <a:r>
-              <a:rPr lang="en-US" sz="2400"/>
-              <a:t>Solution</a:t>
-            </a:r>
-          </a:p>
-          <a:p>
-            <a:pPr lvl="1"/>
-            <a:endParaRPr lang="en-US" dirty="0"/>
-          </a:p>
-        </p:txBody>
-      </p:sp>
-    </p:spTree>
-    <p:extLst>
-      <p:ext uri="{BB962C8B-B14F-4D97-AF65-F5344CB8AC3E}">
-        <p14:creationId xmlns:p14="http://schemas.microsoft.com/office/powerpoint/2010/main" val="3441293339"/>
-      </p:ext>
-    </p:extLst>
-  </p:cSld>
-  <p:clrMapOvr>
-    <a:masterClrMapping/>
-  </p:clrMapOvr>
-</p:sld>
-</file>
-
-<file path=ppt/slides/slide5.xml><?xml version="1.0" encoding="utf-8"?>
-<p:sld xmlns:a="http://schemas.openxmlformats.org/drawingml/2006/main" xmlns:r="http://schemas.openxmlformats.org/officeDocument/2006/relationships" xmlns:p="http://schemas.openxmlformats.org/presentationml/2006/main">
-  <p:cSld>
-    <p:bg>
-      <p:bgPr>
-        <a:solidFill>
-          <a:schemeClr val="bg1"/>
-        </a:solidFill>
-        <a:effectLst/>
-      </p:bgPr>
-    </p:bg>
-    <p:spTree>
-      <p:nvGrpSpPr>
-        <p:cNvPr id="1" name=""/>
-        <p:cNvGrpSpPr/>
-        <p:nvPr/>
-      </p:nvGrpSpPr>
-      <p:grpSpPr>
-        <a:xfrm>
-          <a:off x="0" y="0"/>
-          <a:ext cx="0" cy="0"/>
-          <a:chOff x="0" y="0"/>
-          <a:chExt cx="0" cy="0"/>
-        </a:xfrm>
-      </p:grpSpPr>
-      <p:sp>
-        <p:nvSpPr>
-          <p:cNvPr id="16" name="Rectangle 15">
-            <a:extLst>
-              <a:ext uri="{FF2B5EF4-FFF2-40B4-BE49-F238E27FC236}">
-                <a16:creationId xmlns:a16="http://schemas.microsoft.com/office/drawing/2014/main" id="{8CA06CD6-90CA-4C45-856C-6771339E1E22}"/>
-              </a:ext>
-              <a:ext uri="{C183D7F6-B498-43B3-948B-1728B52AA6E4}">
-                <adec:decorative xmlns:adec="http://schemas.microsoft.com/office/drawing/2017/decorative" val="1"/>
-              </a:ext>
-            </a:extLst>
-          </p:cNvPr>
-          <p:cNvSpPr>
-            <a:spLocks noGrp="1" noRot="1" noChangeAspect="1" noMove="1" noResize="1" noEditPoints="1" noAdjustHandles="1" noChangeArrowheads="1" noChangeShapeType="1" noTextEdit="1"/>
-          </p:cNvSpPr>
-          <p:nvPr>
-            <p:extLst>
-              <p:ext uri="{386F3935-93C4-4BCD-93E2-E3B085C9AB24}">
-                <p16:designElem xmlns:p16="http://schemas.microsoft.com/office/powerpoint/2015/main" val="1"/>
-              </p:ext>
-            </p:extLst>
-          </p:nvPr>
-        </p:nvSpPr>
-        <p:spPr bwMode="ltGray">
-          <a:xfrm>
-            <a:off x="321564" y="320040"/>
-            <a:ext cx="11548872" cy="6217920"/>
-          </a:xfrm>
-          <a:prstGeom prst="rect">
-            <a:avLst/>
-          </a:prstGeom>
-          <a:solidFill>
-            <a:schemeClr val="tx1">
-              <a:alpha val="10000"/>
-            </a:schemeClr>
-          </a:solidFill>
-          <a:ln w="127000" cap="sq" cmpd="thinThick">
-            <a:noFill/>
-          </a:ln>
-        </p:spPr>
-        <p:style>
-          <a:lnRef idx="2">
-            <a:schemeClr val="accent1">
-              <a:shade val="50000"/>
-            </a:schemeClr>
-          </a:lnRef>
-          <a:fillRef idx="1">
-            <a:schemeClr val="accent1"/>
-          </a:fillRef>
-          <a:effectRef idx="0">
-            <a:schemeClr val="accent1"/>
-          </a:effectRef>
-          <a:fontRef idx="minor">
-            <a:schemeClr val="lt1"/>
-          </a:fontRef>
-        </p:style>
-        <p:txBody>
-          <a:bodyPr rtlCol="0" anchor="ctr"/>
-          <a:lstStyle/>
-          <a:p>
-            <a:pPr algn="ctr"/>
-            <a:endParaRPr lang="en-US"/>
-          </a:p>
-        </p:txBody>
-      </p:sp>
-      <p:sp>
-        <p:nvSpPr>
-          <p:cNvPr id="2" name="Title 1">
-            <a:extLst>
-              <a:ext uri="{FF2B5EF4-FFF2-40B4-BE49-F238E27FC236}">
-                <a16:creationId xmlns:a16="http://schemas.microsoft.com/office/drawing/2014/main" id="{B5040152-28F9-7444-89A0-095C405443C7}"/>
-              </a:ext>
-            </a:extLst>
-          </p:cNvPr>
-          <p:cNvSpPr>
-            <a:spLocks noGrp="1"/>
-          </p:cNvSpPr>
-          <p:nvPr>
-            <p:ph type="title"/>
-          </p:nvPr>
-        </p:nvSpPr>
-        <p:spPr>
-          <a:xfrm>
-            <a:off x="838200" y="963507"/>
-            <a:ext cx="3494362" cy="4930986"/>
-          </a:xfrm>
-        </p:spPr>
-        <p:txBody>
-          <a:bodyPr>
-            <a:normAutofit/>
-          </a:bodyPr>
-          <a:lstStyle/>
-          <a:p>
-            <a:pPr algn="r"/>
-            <a:r>
-              <a:rPr lang="en-US">
-                <a:solidFill>
-                  <a:schemeClr val="accent1"/>
-                </a:solidFill>
-                <a:latin typeface="+mn-lt"/>
-              </a:rPr>
-              <a:t>Point 1 - Problem</a:t>
-            </a:r>
-          </a:p>
-        </p:txBody>
-      </p:sp>
-      <p:cxnSp>
-        <p:nvCxnSpPr>
-          <p:cNvPr id="18" name="Straight Connector 17">
-            <a:extLst>
-              <a:ext uri="{FF2B5EF4-FFF2-40B4-BE49-F238E27FC236}">
-                <a16:creationId xmlns:a16="http://schemas.microsoft.com/office/drawing/2014/main" id="{5021601D-2758-4B15-A31C-FDA184C51B3A}"/>
-              </a:ext>
-              <a:ext uri="{C183D7F6-B498-43B3-948B-1728B52AA6E4}">
-                <adec:decorative xmlns:adec="http://schemas.microsoft.com/office/drawing/2017/decorative" val="1"/>
-              </a:ext>
-            </a:extLst>
-          </p:cNvPr>
-          <p:cNvCxnSpPr>
-            <a:cxnSpLocks noGrp="1" noRot="1" noChangeAspect="1" noMove="1" noResize="1" noEditPoints="1" noAdjustHandles="1" noChangeArrowheads="1" noChangeShapeType="1"/>
-          </p:cNvCxnSpPr>
-          <p:nvPr>
-            <p:extLst>
-              <p:ext uri="{386F3935-93C4-4BCD-93E2-E3B085C9AB24}">
-                <p16:designElem xmlns:p16="http://schemas.microsoft.com/office/powerpoint/2015/main" val="1"/>
-              </p:ext>
-            </p:extLst>
-          </p:nvPr>
-        </p:nvCxnSpPr>
-        <p:spPr>
-          <a:xfrm>
-            <a:off x="4654296" y="2057400"/>
-            <a:ext cx="0" cy="2743200"/>
-          </a:xfrm>
-          <a:prstGeom prst="line">
-            <a:avLst/>
-          </a:prstGeom>
-          <a:ln w="19050">
-            <a:solidFill>
-              <a:schemeClr val="tx1">
-                <a:lumMod val="85000"/>
-                <a:lumOff val="15000"/>
-              </a:schemeClr>
-            </a:solidFill>
-          </a:ln>
-        </p:spPr>
-        <p:style>
-          <a:lnRef idx="1">
-            <a:schemeClr val="accent1"/>
-          </a:lnRef>
-          <a:fillRef idx="0">
-            <a:schemeClr val="accent1"/>
-          </a:fillRef>
-          <a:effectRef idx="0">
-            <a:schemeClr val="accent1"/>
-          </a:effectRef>
-          <a:fontRef idx="minor">
-            <a:schemeClr val="tx1"/>
-          </a:fontRef>
-        </p:style>
-      </p:cxnSp>
-      <p:sp>
-        <p:nvSpPr>
-          <p:cNvPr id="9" name="Content Placeholder 8">
-            <a:extLst>
-              <a:ext uri="{FF2B5EF4-FFF2-40B4-BE49-F238E27FC236}">
-                <a16:creationId xmlns:a16="http://schemas.microsoft.com/office/drawing/2014/main" id="{822B7238-F257-FB43-828C-01781C2C5B08}"/>
-              </a:ext>
-            </a:extLst>
-          </p:cNvPr>
-          <p:cNvSpPr>
-            <a:spLocks noGrp="1"/>
-          </p:cNvSpPr>
-          <p:nvPr>
-            <p:ph sz="half" idx="1"/>
-          </p:nvPr>
-        </p:nvSpPr>
-        <p:spPr>
-          <a:xfrm>
-            <a:off x="4976030" y="963507"/>
-            <a:ext cx="6250940" cy="2304627"/>
-          </a:xfrm>
-        </p:spPr>
-        <p:txBody>
-          <a:bodyPr anchor="b">
-            <a:normAutofit/>
-          </a:bodyPr>
-          <a:lstStyle/>
-          <a:p>
-            <a:r>
-              <a:rPr lang="en-US" sz="2000" dirty="0"/>
-              <a:t>Problem</a:t>
-            </a:r>
-          </a:p>
-          <a:p>
-            <a:pPr lvl="1"/>
-            <a:r>
-              <a:rPr lang="en-US" sz="2000" dirty="0"/>
-              <a:t>A</a:t>
-            </a:r>
-          </a:p>
-          <a:p>
-            <a:pPr lvl="1"/>
-            <a:r>
-              <a:rPr lang="en-US" sz="2000" dirty="0"/>
-              <a:t>B</a:t>
-            </a:r>
-          </a:p>
-          <a:p>
-            <a:pPr lvl="1"/>
-            <a:r>
-              <a:rPr lang="en-US" sz="2000" dirty="0"/>
-              <a:t>C</a:t>
-            </a:r>
-          </a:p>
-        </p:txBody>
-      </p:sp>
-      <p:sp>
-        <p:nvSpPr>
-          <p:cNvPr id="4" name="Content Placeholder 3">
-            <a:extLst>
-              <a:ext uri="{FF2B5EF4-FFF2-40B4-BE49-F238E27FC236}">
-                <a16:creationId xmlns:a16="http://schemas.microsoft.com/office/drawing/2014/main" id="{1A48F9C7-DF0D-E04D-B211-E485F6A67C31}"/>
-              </a:ext>
-            </a:extLst>
-          </p:cNvPr>
-          <p:cNvSpPr>
-            <a:spLocks noGrp="1"/>
-          </p:cNvSpPr>
-          <p:nvPr>
-            <p:ph sz="half" idx="2"/>
-          </p:nvPr>
-        </p:nvSpPr>
-        <p:spPr>
-          <a:xfrm>
-            <a:off x="4976030" y="3589866"/>
-            <a:ext cx="6250940" cy="2304628"/>
-          </a:xfrm>
-        </p:spPr>
-        <p:txBody>
-          <a:bodyPr>
-            <a:normAutofit/>
-          </a:bodyPr>
-          <a:lstStyle/>
-          <a:p>
-            <a:endParaRPr lang="en-US" sz="2000"/>
-          </a:p>
-        </p:txBody>
-      </p:sp>
-    </p:spTree>
-    <p:extLst>
-      <p:ext uri="{BB962C8B-B14F-4D97-AF65-F5344CB8AC3E}">
-        <p14:creationId xmlns:p14="http://schemas.microsoft.com/office/powerpoint/2010/main" val="3777725358"/>
-      </p:ext>
-    </p:extLst>
-  </p:cSld>
-  <p:clrMapOvr>
-    <a:masterClrMapping/>
-  </p:clrMapOvr>
-</p:sld>
-</file>
-
-<file path=ppt/slides/slide6.xml><?xml version="1.0" encoding="utf-8"?>
-<p:sld xmlns:a="http://schemas.openxmlformats.org/drawingml/2006/main" xmlns:r="http://schemas.openxmlformats.org/officeDocument/2006/relationships" xmlns:p="http://schemas.openxmlformats.org/presentationml/2006/main">
-  <p:cSld>
-    <p:bg>
-      <p:bgPr>
-        <a:solidFill>
-          <a:schemeClr val="bg1"/>
-        </a:solidFill>
-        <a:effectLst/>
-      </p:bgPr>
-    </p:bg>
-    <p:spTree>
-      <p:nvGrpSpPr>
-        <p:cNvPr id="1" name=""/>
-        <p:cNvGrpSpPr/>
-        <p:nvPr/>
-      </p:nvGrpSpPr>
-      <p:grpSpPr>
-        <a:xfrm>
-          <a:off x="0" y="0"/>
-          <a:ext cx="0" cy="0"/>
-          <a:chOff x="0" y="0"/>
-          <a:chExt cx="0" cy="0"/>
-        </a:xfrm>
-      </p:grpSpPr>
-      <p:sp>
-        <p:nvSpPr>
-          <p:cNvPr id="14" name="Rectangle 13">
-            <a:extLst>
-              <a:ext uri="{FF2B5EF4-FFF2-40B4-BE49-F238E27FC236}">
-                <a16:creationId xmlns:a16="http://schemas.microsoft.com/office/drawing/2014/main" id="{8CA06CD6-90CA-4C45-856C-6771339E1E22}"/>
-              </a:ext>
-              <a:ext uri="{C183D7F6-B498-43B3-948B-1728B52AA6E4}">
-                <adec:decorative xmlns:adec="http://schemas.microsoft.com/office/drawing/2017/decorative" val="1"/>
-              </a:ext>
-            </a:extLst>
-          </p:cNvPr>
-          <p:cNvSpPr>
-            <a:spLocks noGrp="1" noRot="1" noChangeAspect="1" noMove="1" noResize="1" noEditPoints="1" noAdjustHandles="1" noChangeArrowheads="1" noChangeShapeType="1" noTextEdit="1"/>
-          </p:cNvSpPr>
-          <p:nvPr>
-            <p:extLst>
-              <p:ext uri="{386F3935-93C4-4BCD-93E2-E3B085C9AB24}">
-                <p16:designElem xmlns:p16="http://schemas.microsoft.com/office/powerpoint/2015/main" val="1"/>
-              </p:ext>
-            </p:extLst>
-          </p:nvPr>
-        </p:nvSpPr>
-        <p:spPr bwMode="ltGray">
-          <a:xfrm>
-            <a:off x="321564" y="320040"/>
-            <a:ext cx="11548872" cy="6217920"/>
-          </a:xfrm>
-          <a:prstGeom prst="rect">
-            <a:avLst/>
-          </a:prstGeom>
-          <a:solidFill>
-            <a:schemeClr val="tx1">
-              <a:alpha val="10000"/>
-            </a:schemeClr>
-          </a:solidFill>
-          <a:ln w="127000" cap="sq" cmpd="thinThick">
-            <a:noFill/>
-          </a:ln>
-        </p:spPr>
-        <p:style>
-          <a:lnRef idx="2">
-            <a:schemeClr val="accent1">
-              <a:shade val="50000"/>
-            </a:schemeClr>
-          </a:lnRef>
-          <a:fillRef idx="1">
-            <a:schemeClr val="accent1"/>
-          </a:fillRef>
-          <a:effectRef idx="0">
-            <a:schemeClr val="accent1"/>
-          </a:effectRef>
-          <a:fontRef idx="minor">
-            <a:schemeClr val="lt1"/>
-          </a:fontRef>
-        </p:style>
-        <p:txBody>
-          <a:bodyPr rtlCol="0" anchor="ctr"/>
-          <a:lstStyle/>
-          <a:p>
-            <a:pPr algn="ctr"/>
-            <a:endParaRPr lang="en-US"/>
-          </a:p>
-        </p:txBody>
-      </p:sp>
-      <p:sp>
-        <p:nvSpPr>
-          <p:cNvPr id="2" name="Title 1">
-            <a:extLst>
-              <a:ext uri="{FF2B5EF4-FFF2-40B4-BE49-F238E27FC236}">
-                <a16:creationId xmlns:a16="http://schemas.microsoft.com/office/drawing/2014/main" id="{B5040152-28F9-7444-89A0-095C405443C7}"/>
-              </a:ext>
-            </a:extLst>
-          </p:cNvPr>
-          <p:cNvSpPr>
-            <a:spLocks noGrp="1"/>
-          </p:cNvSpPr>
-          <p:nvPr>
-            <p:ph type="title"/>
-          </p:nvPr>
-        </p:nvSpPr>
-        <p:spPr>
-          <a:xfrm>
-            <a:off x="838200" y="963507"/>
-            <a:ext cx="3494362" cy="4930986"/>
-          </a:xfrm>
-        </p:spPr>
-        <p:txBody>
-          <a:bodyPr>
-            <a:normAutofit/>
-          </a:bodyPr>
-          <a:lstStyle/>
-          <a:p>
-            <a:pPr algn="r"/>
-            <a:r>
-              <a:rPr lang="en-US">
-                <a:solidFill>
-                  <a:schemeClr val="accent1"/>
-                </a:solidFill>
-                <a:latin typeface="+mn-lt"/>
-              </a:rPr>
-              <a:t>Point 1 - Context</a:t>
-            </a:r>
-          </a:p>
-        </p:txBody>
-      </p:sp>
-      <p:cxnSp>
-        <p:nvCxnSpPr>
-          <p:cNvPr id="16" name="Straight Connector 15">
-            <a:extLst>
-              <a:ext uri="{FF2B5EF4-FFF2-40B4-BE49-F238E27FC236}">
-                <a16:creationId xmlns:a16="http://schemas.microsoft.com/office/drawing/2014/main" id="{5021601D-2758-4B15-A31C-FDA184C51B3A}"/>
-              </a:ext>
-              <a:ext uri="{C183D7F6-B498-43B3-948B-1728B52AA6E4}">
-                <adec:decorative xmlns:adec="http://schemas.microsoft.com/office/drawing/2017/decorative" val="1"/>
-              </a:ext>
-            </a:extLst>
-          </p:cNvPr>
-          <p:cNvCxnSpPr>
-            <a:cxnSpLocks noGrp="1" noRot="1" noChangeAspect="1" noMove="1" noResize="1" noEditPoints="1" noAdjustHandles="1" noChangeArrowheads="1" noChangeShapeType="1"/>
-          </p:cNvCxnSpPr>
-          <p:nvPr>
-            <p:extLst>
-              <p:ext uri="{386F3935-93C4-4BCD-93E2-E3B085C9AB24}">
-                <p16:designElem xmlns:p16="http://schemas.microsoft.com/office/powerpoint/2015/main" val="1"/>
-              </p:ext>
-            </p:extLst>
-          </p:nvPr>
-        </p:nvCxnSpPr>
-        <p:spPr>
-          <a:xfrm>
-            <a:off x="4654296" y="2057400"/>
-            <a:ext cx="0" cy="2743200"/>
-          </a:xfrm>
-          <a:prstGeom prst="line">
-            <a:avLst/>
-          </a:prstGeom>
-          <a:ln w="19050">
-            <a:solidFill>
-              <a:schemeClr val="tx1">
-                <a:lumMod val="85000"/>
-                <a:lumOff val="15000"/>
-              </a:schemeClr>
-            </a:solidFill>
-          </a:ln>
-        </p:spPr>
-        <p:style>
-          <a:lnRef idx="1">
-            <a:schemeClr val="accent1"/>
-          </a:lnRef>
-          <a:fillRef idx="0">
-            <a:schemeClr val="accent1"/>
-          </a:fillRef>
-          <a:effectRef idx="0">
-            <a:schemeClr val="accent1"/>
-          </a:effectRef>
-          <a:fontRef idx="minor">
-            <a:schemeClr val="tx1"/>
-          </a:fontRef>
-        </p:style>
-      </p:cxnSp>
-      <p:sp>
-        <p:nvSpPr>
-          <p:cNvPr id="9" name="Content Placeholder 8">
-            <a:extLst>
-              <a:ext uri="{FF2B5EF4-FFF2-40B4-BE49-F238E27FC236}">
-                <a16:creationId xmlns:a16="http://schemas.microsoft.com/office/drawing/2014/main" id="{822B7238-F257-FB43-828C-01781C2C5B08}"/>
-              </a:ext>
-            </a:extLst>
-          </p:cNvPr>
-          <p:cNvSpPr>
-            <a:spLocks noGrp="1"/>
-          </p:cNvSpPr>
-          <p:nvPr>
-            <p:ph sz="half" idx="1"/>
-          </p:nvPr>
-        </p:nvSpPr>
-        <p:spPr>
-          <a:xfrm>
-            <a:off x="4976030" y="963507"/>
-            <a:ext cx="6250940" cy="2304627"/>
-          </a:xfrm>
-        </p:spPr>
-        <p:txBody>
-          <a:bodyPr anchor="b">
-            <a:normAutofit/>
-          </a:bodyPr>
-          <a:lstStyle/>
-          <a:p>
-            <a:r>
-              <a:rPr lang="en-US" sz="2000"/>
-              <a:t>Context</a:t>
-            </a:r>
-          </a:p>
-          <a:p>
-            <a:pPr lvl="1"/>
-            <a:r>
-              <a:rPr lang="en-US" sz="2000"/>
-              <a:t>A</a:t>
-            </a:r>
-          </a:p>
-          <a:p>
-            <a:pPr lvl="1"/>
-            <a:r>
-              <a:rPr lang="en-US" sz="2000"/>
-              <a:t>B</a:t>
-            </a:r>
-          </a:p>
-          <a:p>
-            <a:pPr lvl="1"/>
-            <a:r>
-              <a:rPr lang="en-US" sz="2000"/>
-              <a:t>C</a:t>
-            </a:r>
-          </a:p>
-          <a:p>
-            <a:pPr lvl="1"/>
-            <a:endParaRPr lang="en-US" sz="2000"/>
-          </a:p>
-        </p:txBody>
-      </p:sp>
-      <p:sp>
-        <p:nvSpPr>
-          <p:cNvPr id="3" name="Content Placeholder 2">
-            <a:extLst>
-              <a:ext uri="{FF2B5EF4-FFF2-40B4-BE49-F238E27FC236}">
-                <a16:creationId xmlns:a16="http://schemas.microsoft.com/office/drawing/2014/main" id="{46DB5633-5961-C346-B2AF-21567CF9D6DC}"/>
-              </a:ext>
-            </a:extLst>
-          </p:cNvPr>
-          <p:cNvSpPr>
-            <a:spLocks noGrp="1"/>
-          </p:cNvSpPr>
-          <p:nvPr>
-            <p:ph sz="half" idx="2"/>
-          </p:nvPr>
-        </p:nvSpPr>
-        <p:spPr>
-          <a:xfrm>
-            <a:off x="4976030" y="3589866"/>
-            <a:ext cx="6250940" cy="2304628"/>
-          </a:xfrm>
-        </p:spPr>
-        <p:txBody>
-          <a:bodyPr>
-            <a:normAutofit/>
-          </a:bodyPr>
-          <a:lstStyle/>
-          <a:p>
-            <a:endParaRPr lang="en-US" sz="2000"/>
-          </a:p>
-        </p:txBody>
-      </p:sp>
-    </p:spTree>
-    <p:extLst>
-      <p:ext uri="{BB962C8B-B14F-4D97-AF65-F5344CB8AC3E}">
-        <p14:creationId xmlns:p14="http://schemas.microsoft.com/office/powerpoint/2010/main" val="2933986661"/>
-      </p:ext>
-    </p:extLst>
-  </p:cSld>
-  <p:clrMapOvr>
-    <a:masterClrMapping/>
-  </p:clrMapOvr>
-</p:sld>
-</file>
-
-<file path=ppt/slides/slide7.xml><?xml version="1.0" encoding="utf-8"?>
-<p:sld xmlns:a="http://schemas.openxmlformats.org/drawingml/2006/main" xmlns:r="http://schemas.openxmlformats.org/officeDocument/2006/relationships" xmlns:p="http://schemas.openxmlformats.org/presentationml/2006/main">
-  <p:cSld>
-    <p:bg>
-      <p:bgPr>
-        <a:solidFill>
-          <a:schemeClr val="bg1"/>
-        </a:solidFill>
-        <a:effectLst/>
-      </p:bgPr>
-    </p:bg>
-    <p:spTree>
-      <p:nvGrpSpPr>
-        <p:cNvPr id="1" name=""/>
-        <p:cNvGrpSpPr/>
-        <p:nvPr/>
-      </p:nvGrpSpPr>
-      <p:grpSpPr>
-        <a:xfrm>
-          <a:off x="0" y="0"/>
-          <a:ext cx="0" cy="0"/>
-          <a:chOff x="0" y="0"/>
-          <a:chExt cx="0" cy="0"/>
-        </a:xfrm>
-      </p:grpSpPr>
-      <p:sp>
-        <p:nvSpPr>
-          <p:cNvPr id="14" name="Rectangle 13">
-            <a:extLst>
-              <a:ext uri="{FF2B5EF4-FFF2-40B4-BE49-F238E27FC236}">
-                <a16:creationId xmlns:a16="http://schemas.microsoft.com/office/drawing/2014/main" id="{8CA06CD6-90CA-4C45-856C-6771339E1E22}"/>
-              </a:ext>
-              <a:ext uri="{C183D7F6-B498-43B3-948B-1728B52AA6E4}">
-                <adec:decorative xmlns:adec="http://schemas.microsoft.com/office/drawing/2017/decorative" val="1"/>
-              </a:ext>
-            </a:extLst>
-          </p:cNvPr>
-          <p:cNvSpPr>
-            <a:spLocks noGrp="1" noRot="1" noChangeAspect="1" noMove="1" noResize="1" noEditPoints="1" noAdjustHandles="1" noChangeArrowheads="1" noChangeShapeType="1" noTextEdit="1"/>
-          </p:cNvSpPr>
-          <p:nvPr>
-            <p:extLst>
-              <p:ext uri="{386F3935-93C4-4BCD-93E2-E3B085C9AB24}">
-                <p16:designElem xmlns:p16="http://schemas.microsoft.com/office/powerpoint/2015/main" val="1"/>
-              </p:ext>
-            </p:extLst>
-          </p:nvPr>
-        </p:nvSpPr>
-        <p:spPr bwMode="ltGray">
-          <a:xfrm>
-            <a:off x="321564" y="320040"/>
-            <a:ext cx="11548872" cy="6217920"/>
-          </a:xfrm>
-          <a:prstGeom prst="rect">
-            <a:avLst/>
-          </a:prstGeom>
-          <a:solidFill>
-            <a:schemeClr val="tx1">
-              <a:alpha val="10000"/>
-            </a:schemeClr>
-          </a:solidFill>
-          <a:ln w="127000" cap="sq" cmpd="thinThick">
-            <a:noFill/>
-          </a:ln>
-        </p:spPr>
-        <p:style>
-          <a:lnRef idx="2">
-            <a:schemeClr val="accent1">
-              <a:shade val="50000"/>
-            </a:schemeClr>
-          </a:lnRef>
-          <a:fillRef idx="1">
-            <a:schemeClr val="accent1"/>
-          </a:fillRef>
-          <a:effectRef idx="0">
-            <a:schemeClr val="accent1"/>
-          </a:effectRef>
-          <a:fontRef idx="minor">
-            <a:schemeClr val="lt1"/>
-          </a:fontRef>
-        </p:style>
-        <p:txBody>
-          <a:bodyPr rtlCol="0" anchor="ctr"/>
-          <a:lstStyle/>
-          <a:p>
-            <a:pPr algn="ctr"/>
-            <a:endParaRPr lang="en-US"/>
-          </a:p>
-        </p:txBody>
-      </p:sp>
-      <p:sp>
-        <p:nvSpPr>
-          <p:cNvPr id="2" name="Title 1">
-            <a:extLst>
-              <a:ext uri="{FF2B5EF4-FFF2-40B4-BE49-F238E27FC236}">
-                <a16:creationId xmlns:a16="http://schemas.microsoft.com/office/drawing/2014/main" id="{B5040152-28F9-7444-89A0-095C405443C7}"/>
-              </a:ext>
-            </a:extLst>
-          </p:cNvPr>
-          <p:cNvSpPr>
-            <a:spLocks noGrp="1"/>
-          </p:cNvSpPr>
-          <p:nvPr>
-            <p:ph type="title"/>
-          </p:nvPr>
-        </p:nvSpPr>
-        <p:spPr>
-          <a:xfrm>
-            <a:off x="838200" y="963507"/>
-            <a:ext cx="3494362" cy="4930986"/>
-          </a:xfrm>
-        </p:spPr>
-        <p:txBody>
-          <a:bodyPr>
-            <a:normAutofit/>
-          </a:bodyPr>
-          <a:lstStyle/>
-          <a:p>
-            <a:pPr algn="r"/>
-            <a:r>
-              <a:rPr lang="en-US">
-                <a:solidFill>
-                  <a:schemeClr val="accent1"/>
-                </a:solidFill>
-                <a:latin typeface="+mn-lt"/>
-              </a:rPr>
-              <a:t>Point 1 - Solution</a:t>
-            </a:r>
-          </a:p>
-        </p:txBody>
-      </p:sp>
-      <p:cxnSp>
-        <p:nvCxnSpPr>
-          <p:cNvPr id="16" name="Straight Connector 15">
-            <a:extLst>
-              <a:ext uri="{FF2B5EF4-FFF2-40B4-BE49-F238E27FC236}">
-                <a16:creationId xmlns:a16="http://schemas.microsoft.com/office/drawing/2014/main" id="{5021601D-2758-4B15-A31C-FDA184C51B3A}"/>
-              </a:ext>
-              <a:ext uri="{C183D7F6-B498-43B3-948B-1728B52AA6E4}">
-                <adec:decorative xmlns:adec="http://schemas.microsoft.com/office/drawing/2017/decorative" val="1"/>
-              </a:ext>
-            </a:extLst>
-          </p:cNvPr>
-          <p:cNvCxnSpPr>
-            <a:cxnSpLocks noGrp="1" noRot="1" noChangeAspect="1" noMove="1" noResize="1" noEditPoints="1" noAdjustHandles="1" noChangeArrowheads="1" noChangeShapeType="1"/>
-          </p:cNvCxnSpPr>
-          <p:nvPr>
-            <p:extLst>
-              <p:ext uri="{386F3935-93C4-4BCD-93E2-E3B085C9AB24}">
-                <p16:designElem xmlns:p16="http://schemas.microsoft.com/office/powerpoint/2015/main" val="1"/>
-              </p:ext>
-            </p:extLst>
-          </p:nvPr>
-        </p:nvCxnSpPr>
-        <p:spPr>
-          <a:xfrm>
-            <a:off x="4654296" y="2057400"/>
-            <a:ext cx="0" cy="2743200"/>
-          </a:xfrm>
-          <a:prstGeom prst="line">
-            <a:avLst/>
-          </a:prstGeom>
-          <a:ln w="19050">
-            <a:solidFill>
-              <a:schemeClr val="tx1">
-                <a:lumMod val="85000"/>
-                <a:lumOff val="15000"/>
-              </a:schemeClr>
-            </a:solidFill>
-          </a:ln>
-        </p:spPr>
-        <p:style>
-          <a:lnRef idx="1">
-            <a:schemeClr val="accent1"/>
-          </a:lnRef>
-          <a:fillRef idx="0">
-            <a:schemeClr val="accent1"/>
-          </a:fillRef>
-          <a:effectRef idx="0">
-            <a:schemeClr val="accent1"/>
-          </a:effectRef>
-          <a:fontRef idx="minor">
-            <a:schemeClr val="tx1"/>
-          </a:fontRef>
-        </p:style>
-      </p:cxnSp>
-      <p:sp>
-        <p:nvSpPr>
-          <p:cNvPr id="9" name="Content Placeholder 8">
-            <a:extLst>
-              <a:ext uri="{FF2B5EF4-FFF2-40B4-BE49-F238E27FC236}">
-                <a16:creationId xmlns:a16="http://schemas.microsoft.com/office/drawing/2014/main" id="{822B7238-F257-FB43-828C-01781C2C5B08}"/>
-              </a:ext>
-            </a:extLst>
-          </p:cNvPr>
-          <p:cNvSpPr>
-            <a:spLocks noGrp="1"/>
-          </p:cNvSpPr>
-          <p:nvPr>
-            <p:ph sz="half" idx="1"/>
-          </p:nvPr>
-        </p:nvSpPr>
-        <p:spPr>
-          <a:xfrm>
-            <a:off x="4976030" y="963507"/>
-            <a:ext cx="6250940" cy="2304627"/>
-          </a:xfrm>
-        </p:spPr>
-        <p:txBody>
-          <a:bodyPr anchor="b">
-            <a:normAutofit/>
-          </a:bodyPr>
-          <a:lstStyle/>
-          <a:p>
-            <a:r>
-              <a:rPr lang="en-US" sz="2000"/>
-              <a:t>Solution</a:t>
-            </a:r>
-          </a:p>
-          <a:p>
-            <a:pPr lvl="1"/>
-            <a:r>
-              <a:rPr lang="en-US" sz="2000"/>
-              <a:t>A</a:t>
-            </a:r>
-          </a:p>
-          <a:p>
-            <a:pPr lvl="1"/>
-            <a:r>
-              <a:rPr lang="en-US" sz="2000"/>
-              <a:t>B</a:t>
-            </a:r>
-          </a:p>
-          <a:p>
-            <a:pPr lvl="1"/>
-            <a:r>
-              <a:rPr lang="en-US" sz="2000"/>
-              <a:t>C</a:t>
-            </a:r>
-          </a:p>
-          <a:p>
-            <a:pPr lvl="1"/>
-            <a:endParaRPr lang="en-US" sz="2000"/>
-          </a:p>
-        </p:txBody>
-      </p:sp>
-      <p:sp>
-        <p:nvSpPr>
-          <p:cNvPr id="3" name="Content Placeholder 2">
-            <a:extLst>
-              <a:ext uri="{FF2B5EF4-FFF2-40B4-BE49-F238E27FC236}">
-                <a16:creationId xmlns:a16="http://schemas.microsoft.com/office/drawing/2014/main" id="{3685C91F-C086-8E45-99E3-F828ECDF7375}"/>
-              </a:ext>
-            </a:extLst>
-          </p:cNvPr>
-          <p:cNvSpPr>
-            <a:spLocks noGrp="1"/>
-          </p:cNvSpPr>
-          <p:nvPr>
-            <p:ph sz="half" idx="2"/>
-          </p:nvPr>
-        </p:nvSpPr>
-        <p:spPr>
-          <a:xfrm>
-            <a:off x="4976030" y="3589866"/>
-            <a:ext cx="6250940" cy="2304628"/>
-          </a:xfrm>
-        </p:spPr>
-        <p:txBody>
-          <a:bodyPr>
-            <a:normAutofit/>
-          </a:bodyPr>
-          <a:lstStyle/>
-          <a:p>
-            <a:endParaRPr lang="en-US" sz="2000"/>
-          </a:p>
-        </p:txBody>
-      </p:sp>
-    </p:spTree>
-    <p:extLst>
-      <p:ext uri="{BB962C8B-B14F-4D97-AF65-F5344CB8AC3E}">
-        <p14:creationId xmlns:p14="http://schemas.microsoft.com/office/powerpoint/2010/main" val="2788123954"/>
-      </p:ext>
-    </p:extLst>
-  </p:cSld>
-  <p:clrMapOvr>
-    <a:masterClrMapping/>
-  </p:clrMapOvr>
-</p:sld>
-</file>
-
-<file path=ppt/slides/slide8.xml><?xml version="1.0" encoding="utf-8"?>
-<p:sld xmlns:a="http://schemas.openxmlformats.org/drawingml/2006/main" xmlns:r="http://schemas.openxmlformats.org/officeDocument/2006/relationships" xmlns:p="http://schemas.openxmlformats.org/presentationml/2006/main">
-  <p:cSld>
-    <p:bg>
-      <p:bgPr>
-        <a:solidFill>
-          <a:schemeClr val="bg1"/>
-        </a:solidFill>
-        <a:effectLst/>
-      </p:bgPr>
-    </p:bg>
-    <p:spTree>
-      <p:nvGrpSpPr>
-        <p:cNvPr id="1" name=""/>
-        <p:cNvGrpSpPr/>
-        <p:nvPr/>
-      </p:nvGrpSpPr>
-      <p:grpSpPr>
-        <a:xfrm>
-          <a:off x="0" y="0"/>
-          <a:ext cx="0" cy="0"/>
-          <a:chOff x="0" y="0"/>
-          <a:chExt cx="0" cy="0"/>
-        </a:xfrm>
-      </p:grpSpPr>
-      <p:sp>
-        <p:nvSpPr>
-          <p:cNvPr id="9" name="Rectangle 8">
-            <a:extLst>
-              <a:ext uri="{FF2B5EF4-FFF2-40B4-BE49-F238E27FC236}">
-                <a16:creationId xmlns:a16="http://schemas.microsoft.com/office/drawing/2014/main" id="{8D70B121-56F4-4848-B38B-182089D909FA}"/>
-              </a:ext>
-              <a:ext uri="{C183D7F6-B498-43B3-948B-1728B52AA6E4}">
-                <adec:decorative xmlns:adec="http://schemas.microsoft.com/office/drawing/2017/decorative" val="1"/>
-              </a:ext>
-            </a:extLst>
-          </p:cNvPr>
-          <p:cNvSpPr>
-            <a:spLocks noGrp="1" noRot="1" noChangeAspect="1" noMove="1" noResize="1" noEditPoints="1" noAdjustHandles="1" noChangeArrowheads="1" noChangeShapeType="1" noTextEdit="1"/>
-          </p:cNvSpPr>
-          <p:nvPr>
-            <p:extLst>
-              <p:ext uri="{386F3935-93C4-4BCD-93E2-E3B085C9AB24}">
-                <p16:designElem xmlns:p16="http://schemas.microsoft.com/office/powerpoint/2015/main" val="1"/>
-              </p:ext>
-            </p:extLst>
-          </p:nvPr>
-        </p:nvSpPr>
-        <p:spPr bwMode="ltGray">
-          <a:xfrm>
-            <a:off x="321564" y="320040"/>
-            <a:ext cx="11548872" cy="6217920"/>
-          </a:xfrm>
-          <a:prstGeom prst="rect">
-            <a:avLst/>
-          </a:prstGeom>
-          <a:solidFill>
-            <a:schemeClr val="tx1">
-              <a:alpha val="8000"/>
-            </a:schemeClr>
-          </a:solidFill>
-          <a:ln w="127000" cap="sq" cmpd="thinThick">
-            <a:noFill/>
-          </a:ln>
-        </p:spPr>
-        <p:style>
-          <a:lnRef idx="2">
-            <a:schemeClr val="accent1">
-              <a:shade val="50000"/>
-            </a:schemeClr>
-          </a:lnRef>
-          <a:fillRef idx="1">
-            <a:schemeClr val="accent1"/>
-          </a:fillRef>
-          <a:effectRef idx="0">
-            <a:schemeClr val="accent1"/>
-          </a:effectRef>
-          <a:fontRef idx="minor">
-            <a:schemeClr val="lt1"/>
-          </a:fontRef>
-        </p:style>
-        <p:txBody>
-          <a:bodyPr rtlCol="0" anchor="ctr"/>
-          <a:lstStyle/>
-          <a:p>
-            <a:pPr algn="ctr"/>
-            <a:endParaRPr lang="en-US"/>
-          </a:p>
-        </p:txBody>
-      </p:sp>
-      <p:sp>
-        <p:nvSpPr>
-          <p:cNvPr id="2" name="Title 1">
-            <a:extLst>
-              <a:ext uri="{FF2B5EF4-FFF2-40B4-BE49-F238E27FC236}">
-                <a16:creationId xmlns:a16="http://schemas.microsoft.com/office/drawing/2014/main" id="{B5040152-28F9-7444-89A0-095C405443C7}"/>
-              </a:ext>
-            </a:extLst>
-          </p:cNvPr>
-          <p:cNvSpPr>
-            <a:spLocks noGrp="1"/>
-          </p:cNvSpPr>
-          <p:nvPr>
-            <p:ph type="title"/>
-          </p:nvPr>
-        </p:nvSpPr>
-        <p:spPr>
-          <a:xfrm>
-            <a:off x="838200" y="963877"/>
-            <a:ext cx="3494362" cy="4930246"/>
-          </a:xfrm>
-        </p:spPr>
-        <p:txBody>
-          <a:bodyPr vert="horz" lIns="91440" tIns="45720" rIns="91440" bIns="45720" rtlCol="0" anchor="ctr">
-            <a:normAutofit/>
-          </a:bodyPr>
-          <a:lstStyle/>
-          <a:p>
-            <a:pPr algn="r"/>
-            <a:r>
-              <a:rPr lang="en-US" kern="1200">
-                <a:solidFill>
-                  <a:schemeClr val="accent1"/>
-                </a:solidFill>
-                <a:latin typeface="+mj-lt"/>
-                <a:ea typeface="+mj-ea"/>
-                <a:cs typeface="+mj-cs"/>
-              </a:rPr>
-              <a:t>Conclusion</a:t>
-            </a:r>
-          </a:p>
-        </p:txBody>
-      </p:sp>
-      <p:cxnSp>
-        <p:nvCxnSpPr>
-          <p:cNvPr id="11" name="Straight Connector 10">
-            <a:extLst>
-              <a:ext uri="{FF2B5EF4-FFF2-40B4-BE49-F238E27FC236}">
-                <a16:creationId xmlns:a16="http://schemas.microsoft.com/office/drawing/2014/main" id="{2D72A2C9-F3CA-4216-8BAD-FA4C970C3C4E}"/>
-              </a:ext>
-              <a:ext uri="{C183D7F6-B498-43B3-948B-1728B52AA6E4}">
-                <adec:decorative xmlns:adec="http://schemas.microsoft.com/office/drawing/2017/decorative" val="1"/>
-              </a:ext>
-            </a:extLst>
-          </p:cNvPr>
-          <p:cNvCxnSpPr>
-            <a:cxnSpLocks noGrp="1" noRot="1" noChangeAspect="1" noMove="1" noResize="1" noEditPoints="1" noAdjustHandles="1" noChangeArrowheads="1" noChangeShapeType="1"/>
-          </p:cNvCxnSpPr>
-          <p:nvPr>
-            <p:extLst>
-              <p:ext uri="{386F3935-93C4-4BCD-93E2-E3B085C9AB24}">
-                <p16:designElem xmlns:p16="http://schemas.microsoft.com/office/powerpoint/2015/main" val="1"/>
-              </p:ext>
-            </p:extLst>
-          </p:nvPr>
-        </p:nvCxnSpPr>
-        <p:spPr>
-          <a:xfrm>
-            <a:off x="4654296" y="2057400"/>
-            <a:ext cx="0" cy="2743200"/>
-          </a:xfrm>
-          <a:prstGeom prst="line">
-            <a:avLst/>
-          </a:prstGeom>
-          <a:ln w="19050">
-            <a:solidFill>
-              <a:schemeClr val="tx1">
-                <a:lumMod val="85000"/>
-                <a:lumOff val="15000"/>
-              </a:schemeClr>
-            </a:solidFill>
-          </a:ln>
-        </p:spPr>
-        <p:style>
-          <a:lnRef idx="1">
-            <a:schemeClr val="accent1"/>
-          </a:lnRef>
-          <a:fillRef idx="0">
-            <a:schemeClr val="accent1"/>
-          </a:fillRef>
-          <a:effectRef idx="0">
-            <a:schemeClr val="accent1"/>
-          </a:effectRef>
-          <a:fontRef idx="minor">
-            <a:schemeClr val="tx1"/>
-          </a:fontRef>
-        </p:style>
-      </p:cxnSp>
-      <p:sp>
-        <p:nvSpPr>
-          <p:cNvPr id="4" name="Content Placeholder 3">
-            <a:extLst>
-              <a:ext uri="{FF2B5EF4-FFF2-40B4-BE49-F238E27FC236}">
-                <a16:creationId xmlns:a16="http://schemas.microsoft.com/office/drawing/2014/main" id="{B6473C11-CD7D-A141-BE1C-D8B608DD66E4}"/>
-              </a:ext>
-            </a:extLst>
-          </p:cNvPr>
-          <p:cNvSpPr>
-            <a:spLocks noGrp="1"/>
-          </p:cNvSpPr>
-          <p:nvPr>
-            <p:ph sz="half" idx="1"/>
-          </p:nvPr>
-        </p:nvSpPr>
-        <p:spPr>
-          <a:xfrm>
-            <a:off x="4976031" y="963877"/>
-            <a:ext cx="6377769" cy="4930246"/>
-          </a:xfrm>
-        </p:spPr>
-        <p:txBody>
-          <a:bodyPr vert="horz" lIns="91440" tIns="45720" rIns="91440" bIns="45720" rtlCol="0" anchor="ctr">
-            <a:normAutofit/>
-          </a:bodyPr>
-          <a:lstStyle/>
-          <a:p>
-            <a:r>
-              <a:rPr lang="en-US" sz="2400"/>
-              <a:t>Point 1</a:t>
-            </a:r>
-          </a:p>
-          <a:p>
-            <a:pPr lvl="1"/>
-            <a:r>
-              <a:rPr lang="en-US"/>
-              <a:t>Problem</a:t>
-            </a:r>
-          </a:p>
-          <a:p>
-            <a:pPr lvl="1"/>
-            <a:r>
-              <a:rPr lang="en-US"/>
-              <a:t>Context</a:t>
-            </a:r>
-          </a:p>
-          <a:p>
-            <a:pPr lvl="1"/>
-            <a:r>
-              <a:rPr lang="en-US"/>
-              <a:t>Solution</a:t>
-            </a:r>
-          </a:p>
-          <a:p>
-            <a:r>
-              <a:rPr lang="en-US" sz="2400"/>
-              <a:t>Point 2</a:t>
-            </a:r>
-          </a:p>
-          <a:p>
-            <a:pPr lvl="1"/>
-            <a:r>
-              <a:rPr lang="en-US"/>
-              <a:t>Problem</a:t>
-            </a:r>
-          </a:p>
-          <a:p>
-            <a:pPr lvl="1"/>
-            <a:r>
-              <a:rPr lang="en-US"/>
-              <a:t>Context</a:t>
-            </a:r>
-          </a:p>
-          <a:p>
-            <a:pPr lvl="1"/>
-            <a:r>
-              <a:rPr lang="en-US"/>
-              <a:t>Solution</a:t>
-            </a:r>
-          </a:p>
-          <a:p>
-            <a:r>
-              <a:rPr lang="en-US" sz="2400"/>
-              <a:t>Point 3</a:t>
-            </a:r>
-          </a:p>
-          <a:p>
-            <a:pPr lvl="1"/>
-            <a:r>
-              <a:rPr lang="en-US"/>
-              <a:t>Problem</a:t>
-            </a:r>
-          </a:p>
-          <a:p>
-            <a:pPr lvl="1"/>
-            <a:r>
-              <a:rPr lang="en-US"/>
-              <a:t>Context</a:t>
-            </a:r>
-          </a:p>
-          <a:p>
-            <a:pPr lvl="1"/>
-            <a:r>
-              <a:rPr lang="en-US"/>
-              <a:t>Solution</a:t>
-            </a:r>
-          </a:p>
-          <a:p>
-            <a:endParaRPr lang="en-US" sz="2400"/>
-          </a:p>
-        </p:txBody>
-      </p:sp>
-    </p:spTree>
-    <p:extLst>
-      <p:ext uri="{BB962C8B-B14F-4D97-AF65-F5344CB8AC3E}">
-        <p14:creationId xmlns:p14="http://schemas.microsoft.com/office/powerpoint/2010/main" val="4045712975"/>
-      </p:ext>
-    </p:extLst>
-  </p:cSld>
-  <p:clrMapOvr>
-    <a:masterClrMapping/>
-  </p:clrMapOvr>
-</p:sld>
-</file>
-
-<file path=ppt/slides/slide9.xml><?xml version="1.0" encoding="utf-8"?>
-<p:sld xmlns:a="http://schemas.openxmlformats.org/drawingml/2006/main" xmlns:r="http://schemas.openxmlformats.org/officeDocument/2006/relationships" xmlns:p="http://schemas.openxmlformats.org/presentationml/2006/main">
-  <p:cSld>
-    <p:bg>
-      <p:bgPr>
-        <a:solidFill>
-          <a:schemeClr val="bg1"/>
-        </a:solidFill>
-        <a:effectLst/>
-      </p:bgPr>
-    </p:bg>
-    <p:spTree>
-      <p:nvGrpSpPr>
-        <p:cNvPr id="1" name=""/>
-        <p:cNvGrpSpPr/>
-        <p:nvPr/>
-      </p:nvGrpSpPr>
-      <p:grpSpPr>
-        <a:xfrm>
-          <a:off x="0" y="0"/>
-          <a:ext cx="0" cy="0"/>
-          <a:chOff x="0" y="0"/>
-          <a:chExt cx="0" cy="0"/>
-        </a:xfrm>
-      </p:grpSpPr>
-      <p:sp>
-        <p:nvSpPr>
           <p:cNvPr id="9" name="Rectangle 10">
             <a:extLst>
               <a:ext uri="{FF2B5EF4-FFF2-40B4-BE49-F238E27FC236}">
@@ -21364,6 +19372,2791 @@
     <p:extLst>
       <p:ext uri="{BB962C8B-B14F-4D97-AF65-F5344CB8AC3E}">
         <p14:creationId xmlns:p14="http://schemas.microsoft.com/office/powerpoint/2010/main" val="2436109398"/>
+      </p:ext>
+    </p:extLst>
+  </p:cSld>
+  <p:clrMapOvr>
+    <a:masterClrMapping/>
+  </p:clrMapOvr>
+</p:sld>
+</file>
+
+<file path=ppt/slides/slide11.xml><?xml version="1.0" encoding="utf-8"?>
+<p:sld xmlns:a="http://schemas.openxmlformats.org/drawingml/2006/main" xmlns:r="http://schemas.openxmlformats.org/officeDocument/2006/relationships" xmlns:p="http://schemas.openxmlformats.org/presentationml/2006/main">
+  <p:cSld>
+    <p:bg>
+      <p:bgPr>
+        <a:solidFill>
+          <a:schemeClr val="bg1"/>
+        </a:solidFill>
+        <a:effectLst/>
+      </p:bgPr>
+    </p:bg>
+    <p:spTree>
+      <p:nvGrpSpPr>
+        <p:cNvPr id="1" name=""/>
+        <p:cNvGrpSpPr/>
+        <p:nvPr/>
+      </p:nvGrpSpPr>
+      <p:grpSpPr>
+        <a:xfrm>
+          <a:off x="0" y="0"/>
+          <a:ext cx="0" cy="0"/>
+          <a:chOff x="0" y="0"/>
+          <a:chExt cx="0" cy="0"/>
+        </a:xfrm>
+      </p:grpSpPr>
+      <p:sp>
+        <p:nvSpPr>
+          <p:cNvPr id="19" name="Rectangle 18">
+            <a:extLst>
+              <a:ext uri="{FF2B5EF4-FFF2-40B4-BE49-F238E27FC236}">
+                <a16:creationId xmlns:a16="http://schemas.microsoft.com/office/drawing/2014/main" id="{8D70B121-56F4-4848-B38B-182089D909FA}"/>
+              </a:ext>
+              <a:ext uri="{C183D7F6-B498-43B3-948B-1728B52AA6E4}">
+                <adec:decorative xmlns:adec="http://schemas.microsoft.com/office/drawing/2017/decorative" val="1"/>
+              </a:ext>
+            </a:extLst>
+          </p:cNvPr>
+          <p:cNvSpPr>
+            <a:spLocks noGrp="1" noRot="1" noChangeAspect="1" noMove="1" noResize="1" noEditPoints="1" noAdjustHandles="1" noChangeArrowheads="1" noChangeShapeType="1" noTextEdit="1"/>
+          </p:cNvSpPr>
+          <p:nvPr>
+            <p:extLst>
+              <p:ext uri="{386F3935-93C4-4BCD-93E2-E3B085C9AB24}">
+                <p16:designElem xmlns:p16="http://schemas.microsoft.com/office/powerpoint/2015/main" val="1"/>
+              </p:ext>
+            </p:extLst>
+          </p:nvPr>
+        </p:nvSpPr>
+        <p:spPr bwMode="ltGray">
+          <a:xfrm>
+            <a:off x="321564" y="320040"/>
+            <a:ext cx="11548872" cy="6217920"/>
+          </a:xfrm>
+          <a:prstGeom prst="rect">
+            <a:avLst/>
+          </a:prstGeom>
+          <a:solidFill>
+            <a:schemeClr val="tx1">
+              <a:alpha val="8000"/>
+            </a:schemeClr>
+          </a:solidFill>
+          <a:ln w="127000" cap="sq" cmpd="thinThick">
+            <a:noFill/>
+          </a:ln>
+        </p:spPr>
+        <p:style>
+          <a:lnRef idx="2">
+            <a:schemeClr val="accent1">
+              <a:shade val="50000"/>
+            </a:schemeClr>
+          </a:lnRef>
+          <a:fillRef idx="1">
+            <a:schemeClr val="accent1"/>
+          </a:fillRef>
+          <a:effectRef idx="0">
+            <a:schemeClr val="accent1"/>
+          </a:effectRef>
+          <a:fontRef idx="minor">
+            <a:schemeClr val="lt1"/>
+          </a:fontRef>
+        </p:style>
+        <p:txBody>
+          <a:bodyPr rtlCol="0" anchor="ctr"/>
+          <a:lstStyle/>
+          <a:p>
+            <a:pPr algn="ctr"/>
+            <a:endParaRPr lang="en-US"/>
+          </a:p>
+        </p:txBody>
+      </p:sp>
+      <p:sp>
+        <p:nvSpPr>
+          <p:cNvPr id="7" name="Title 6">
+            <a:extLst>
+              <a:ext uri="{FF2B5EF4-FFF2-40B4-BE49-F238E27FC236}">
+                <a16:creationId xmlns:a16="http://schemas.microsoft.com/office/drawing/2014/main" id="{EC70070A-36FE-2E4B-8AA0-03B9B672343F}"/>
+              </a:ext>
+            </a:extLst>
+          </p:cNvPr>
+          <p:cNvSpPr>
+            <a:spLocks noGrp="1"/>
+          </p:cNvSpPr>
+          <p:nvPr>
+            <p:ph type="title"/>
+          </p:nvPr>
+        </p:nvSpPr>
+        <p:spPr>
+          <a:xfrm>
+            <a:off x="838200" y="963877"/>
+            <a:ext cx="3494362" cy="4930246"/>
+          </a:xfrm>
+        </p:spPr>
+        <p:txBody>
+          <a:bodyPr>
+            <a:normAutofit/>
+          </a:bodyPr>
+          <a:lstStyle/>
+          <a:p>
+            <a:pPr algn="r"/>
+            <a:r>
+              <a:rPr lang="en-US">
+                <a:solidFill>
+                  <a:schemeClr val="accent1"/>
+                </a:solidFill>
+                <a:latin typeface="+mn-lt"/>
+              </a:rPr>
+              <a:t>References</a:t>
+            </a:r>
+          </a:p>
+        </p:txBody>
+      </p:sp>
+      <p:cxnSp>
+        <p:nvCxnSpPr>
+          <p:cNvPr id="21" name="Straight Connector 20">
+            <a:extLst>
+              <a:ext uri="{FF2B5EF4-FFF2-40B4-BE49-F238E27FC236}">
+                <a16:creationId xmlns:a16="http://schemas.microsoft.com/office/drawing/2014/main" id="{2D72A2C9-F3CA-4216-8BAD-FA4C970C3C4E}"/>
+              </a:ext>
+              <a:ext uri="{C183D7F6-B498-43B3-948B-1728B52AA6E4}">
+                <adec:decorative xmlns:adec="http://schemas.microsoft.com/office/drawing/2017/decorative" val="1"/>
+              </a:ext>
+            </a:extLst>
+          </p:cNvPr>
+          <p:cNvCxnSpPr>
+            <a:cxnSpLocks noGrp="1" noRot="1" noChangeAspect="1" noMove="1" noResize="1" noEditPoints="1" noAdjustHandles="1" noChangeArrowheads="1" noChangeShapeType="1"/>
+          </p:cNvCxnSpPr>
+          <p:nvPr>
+            <p:extLst>
+              <p:ext uri="{386F3935-93C4-4BCD-93E2-E3B085C9AB24}">
+                <p16:designElem xmlns:p16="http://schemas.microsoft.com/office/powerpoint/2015/main" val="1"/>
+              </p:ext>
+            </p:extLst>
+          </p:nvPr>
+        </p:nvCxnSpPr>
+        <p:spPr>
+          <a:xfrm>
+            <a:off x="4654296" y="2057400"/>
+            <a:ext cx="0" cy="2743200"/>
+          </a:xfrm>
+          <a:prstGeom prst="line">
+            <a:avLst/>
+          </a:prstGeom>
+          <a:ln w="19050">
+            <a:solidFill>
+              <a:schemeClr val="tx1">
+                <a:lumMod val="85000"/>
+                <a:lumOff val="15000"/>
+              </a:schemeClr>
+            </a:solidFill>
+          </a:ln>
+        </p:spPr>
+        <p:style>
+          <a:lnRef idx="1">
+            <a:schemeClr val="accent1"/>
+          </a:lnRef>
+          <a:fillRef idx="0">
+            <a:schemeClr val="accent1"/>
+          </a:fillRef>
+          <a:effectRef idx="0">
+            <a:schemeClr val="accent1"/>
+          </a:effectRef>
+          <a:fontRef idx="minor">
+            <a:schemeClr val="tx1"/>
+          </a:fontRef>
+        </p:style>
+      </p:cxnSp>
+      <p:sp>
+        <p:nvSpPr>
+          <p:cNvPr id="14" name="Content Placeholder 13">
+            <a:extLst>
+              <a:ext uri="{FF2B5EF4-FFF2-40B4-BE49-F238E27FC236}">
+                <a16:creationId xmlns:a16="http://schemas.microsoft.com/office/drawing/2014/main" id="{993F8E88-5466-2942-9F6D-A4E426F0013A}"/>
+              </a:ext>
+            </a:extLst>
+          </p:cNvPr>
+          <p:cNvSpPr>
+            <a:spLocks noGrp="1"/>
+          </p:cNvSpPr>
+          <p:nvPr>
+            <p:ph idx="1"/>
+          </p:nvPr>
+        </p:nvSpPr>
+        <p:spPr>
+          <a:xfrm>
+            <a:off x="4976031" y="963877"/>
+            <a:ext cx="6377769" cy="4930246"/>
+          </a:xfrm>
+          <a:prstGeom prst="rect">
+            <a:avLst/>
+          </a:prstGeom>
+        </p:spPr>
+        <p:txBody>
+          <a:bodyPr anchor="ctr">
+            <a:normAutofit/>
+          </a:bodyPr>
+          <a:lstStyle/>
+          <a:p>
+            <a:r>
+              <a:rPr lang="en-CA" sz="2400" dirty="0">
+                <a:latin typeface="+mn-lt"/>
+              </a:rPr>
+              <a:t>Reference 1</a:t>
+            </a:r>
+          </a:p>
+          <a:p>
+            <a:r>
+              <a:rPr lang="en-CA" sz="2400" dirty="0"/>
+              <a:t>Reference 2</a:t>
+            </a:r>
+          </a:p>
+          <a:p>
+            <a:r>
+              <a:rPr lang="en-CA" sz="2400" dirty="0">
+                <a:latin typeface="+mn-lt"/>
+              </a:rPr>
+              <a:t>Reference 3</a:t>
+            </a:r>
+          </a:p>
+        </p:txBody>
+      </p:sp>
+    </p:spTree>
+    <p:extLst>
+      <p:ext uri="{BB962C8B-B14F-4D97-AF65-F5344CB8AC3E}">
+        <p14:creationId xmlns:p14="http://schemas.microsoft.com/office/powerpoint/2010/main" val="1744190572"/>
+      </p:ext>
+    </p:extLst>
+  </p:cSld>
+  <p:clrMapOvr>
+    <a:masterClrMapping/>
+  </p:clrMapOvr>
+</p:sld>
+</file>
+
+<file path=ppt/slides/slide2.xml><?xml version="1.0" encoding="utf-8"?>
+<p:sld xmlns:a="http://schemas.openxmlformats.org/drawingml/2006/main" xmlns:r="http://schemas.openxmlformats.org/officeDocument/2006/relationships" xmlns:p="http://schemas.openxmlformats.org/presentationml/2006/main">
+  <p:cSld>
+    <p:bg>
+      <p:bgPr>
+        <a:solidFill>
+          <a:schemeClr val="bg1"/>
+        </a:solidFill>
+        <a:effectLst/>
+      </p:bgPr>
+    </p:bg>
+    <p:spTree>
+      <p:nvGrpSpPr>
+        <p:cNvPr id="1" name=""/>
+        <p:cNvGrpSpPr/>
+        <p:nvPr/>
+      </p:nvGrpSpPr>
+      <p:grpSpPr>
+        <a:xfrm>
+          <a:off x="0" y="0"/>
+          <a:ext cx="0" cy="0"/>
+          <a:chOff x="0" y="0"/>
+          <a:chExt cx="0" cy="0"/>
+        </a:xfrm>
+      </p:grpSpPr>
+      <p:sp>
+        <p:nvSpPr>
+          <p:cNvPr id="17" name="Rectangle 16">
+            <a:extLst>
+              <a:ext uri="{FF2B5EF4-FFF2-40B4-BE49-F238E27FC236}">
+                <a16:creationId xmlns:a16="http://schemas.microsoft.com/office/drawing/2014/main" id="{8D70B121-56F4-4848-B38B-182089D909FA}"/>
+              </a:ext>
+              <a:ext uri="{C183D7F6-B498-43B3-948B-1728B52AA6E4}">
+                <adec:decorative xmlns:adec="http://schemas.microsoft.com/office/drawing/2017/decorative" val="1"/>
+              </a:ext>
+            </a:extLst>
+          </p:cNvPr>
+          <p:cNvSpPr>
+            <a:spLocks noGrp="1" noRot="1" noChangeAspect="1" noMove="1" noResize="1" noEditPoints="1" noAdjustHandles="1" noChangeArrowheads="1" noChangeShapeType="1" noTextEdit="1"/>
+          </p:cNvSpPr>
+          <p:nvPr>
+            <p:extLst>
+              <p:ext uri="{386F3935-93C4-4BCD-93E2-E3B085C9AB24}">
+                <p16:designElem xmlns:p16="http://schemas.microsoft.com/office/powerpoint/2015/main" val="1"/>
+              </p:ext>
+            </p:extLst>
+          </p:nvPr>
+        </p:nvSpPr>
+        <p:spPr bwMode="ltGray">
+          <a:xfrm>
+            <a:off x="321564" y="320040"/>
+            <a:ext cx="11548872" cy="6217920"/>
+          </a:xfrm>
+          <a:prstGeom prst="rect">
+            <a:avLst/>
+          </a:prstGeom>
+          <a:solidFill>
+            <a:schemeClr val="tx1">
+              <a:alpha val="8000"/>
+            </a:schemeClr>
+          </a:solidFill>
+          <a:ln w="127000" cap="sq" cmpd="thinThick">
+            <a:noFill/>
+          </a:ln>
+        </p:spPr>
+        <p:style>
+          <a:lnRef idx="2">
+            <a:schemeClr val="accent1">
+              <a:shade val="50000"/>
+            </a:schemeClr>
+          </a:lnRef>
+          <a:fillRef idx="1">
+            <a:schemeClr val="accent1"/>
+          </a:fillRef>
+          <a:effectRef idx="0">
+            <a:schemeClr val="accent1"/>
+          </a:effectRef>
+          <a:fontRef idx="minor">
+            <a:schemeClr val="lt1"/>
+          </a:fontRef>
+        </p:style>
+        <p:txBody>
+          <a:bodyPr rtlCol="0" anchor="ctr"/>
+          <a:lstStyle/>
+          <a:p>
+            <a:pPr algn="ctr"/>
+            <a:endParaRPr lang="en-US"/>
+          </a:p>
+        </p:txBody>
+      </p:sp>
+      <p:sp>
+        <p:nvSpPr>
+          <p:cNvPr id="4" name="Title 3">
+            <a:extLst>
+              <a:ext uri="{FF2B5EF4-FFF2-40B4-BE49-F238E27FC236}">
+                <a16:creationId xmlns:a16="http://schemas.microsoft.com/office/drawing/2014/main" id="{561E3B4F-309B-9941-8E10-A08C6CBBB83F}"/>
+              </a:ext>
+            </a:extLst>
+          </p:cNvPr>
+          <p:cNvSpPr>
+            <a:spLocks noGrp="1"/>
+          </p:cNvSpPr>
+          <p:nvPr>
+            <p:ph type="title"/>
+          </p:nvPr>
+        </p:nvSpPr>
+        <p:spPr>
+          <a:xfrm>
+            <a:off x="838200" y="963877"/>
+            <a:ext cx="3494362" cy="4930246"/>
+          </a:xfrm>
+        </p:spPr>
+        <p:txBody>
+          <a:bodyPr>
+            <a:normAutofit/>
+          </a:bodyPr>
+          <a:lstStyle/>
+          <a:p>
+            <a:pPr algn="r"/>
+            <a:r>
+              <a:rPr lang="en-US" dirty="0">
+                <a:solidFill>
+                  <a:schemeClr val="accent1"/>
+                </a:solidFill>
+              </a:rPr>
+              <a:t>Background</a:t>
+            </a:r>
+          </a:p>
+        </p:txBody>
+      </p:sp>
+      <p:cxnSp>
+        <p:nvCxnSpPr>
+          <p:cNvPr id="19" name="Straight Connector 18">
+            <a:extLst>
+              <a:ext uri="{FF2B5EF4-FFF2-40B4-BE49-F238E27FC236}">
+                <a16:creationId xmlns:a16="http://schemas.microsoft.com/office/drawing/2014/main" id="{2D72A2C9-F3CA-4216-8BAD-FA4C970C3C4E}"/>
+              </a:ext>
+              <a:ext uri="{C183D7F6-B498-43B3-948B-1728B52AA6E4}">
+                <adec:decorative xmlns:adec="http://schemas.microsoft.com/office/drawing/2017/decorative" val="1"/>
+              </a:ext>
+            </a:extLst>
+          </p:cNvPr>
+          <p:cNvCxnSpPr>
+            <a:cxnSpLocks noGrp="1" noRot="1" noChangeAspect="1" noMove="1" noResize="1" noEditPoints="1" noAdjustHandles="1" noChangeArrowheads="1" noChangeShapeType="1"/>
+          </p:cNvCxnSpPr>
+          <p:nvPr>
+            <p:extLst>
+              <p:ext uri="{386F3935-93C4-4BCD-93E2-E3B085C9AB24}">
+                <p16:designElem xmlns:p16="http://schemas.microsoft.com/office/powerpoint/2015/main" val="1"/>
+              </p:ext>
+            </p:extLst>
+          </p:nvPr>
+        </p:nvCxnSpPr>
+        <p:spPr>
+          <a:xfrm>
+            <a:off x="4654296" y="2057400"/>
+            <a:ext cx="0" cy="2743200"/>
+          </a:xfrm>
+          <a:prstGeom prst="line">
+            <a:avLst/>
+          </a:prstGeom>
+          <a:ln w="19050">
+            <a:solidFill>
+              <a:schemeClr val="tx1">
+                <a:lumMod val="85000"/>
+                <a:lumOff val="15000"/>
+              </a:schemeClr>
+            </a:solidFill>
+          </a:ln>
+        </p:spPr>
+        <p:style>
+          <a:lnRef idx="1">
+            <a:schemeClr val="accent1"/>
+          </a:lnRef>
+          <a:fillRef idx="0">
+            <a:schemeClr val="accent1"/>
+          </a:fillRef>
+          <a:effectRef idx="0">
+            <a:schemeClr val="accent1"/>
+          </a:effectRef>
+          <a:fontRef idx="minor">
+            <a:schemeClr val="tx1"/>
+          </a:fontRef>
+        </p:style>
+      </p:cxnSp>
+      <p:sp>
+        <p:nvSpPr>
+          <p:cNvPr id="5" name="Content Placeholder 4">
+            <a:extLst>
+              <a:ext uri="{FF2B5EF4-FFF2-40B4-BE49-F238E27FC236}">
+                <a16:creationId xmlns:a16="http://schemas.microsoft.com/office/drawing/2014/main" id="{66687CDB-721F-964A-BD29-2B6E02962EDC}"/>
+              </a:ext>
+            </a:extLst>
+          </p:cNvPr>
+          <p:cNvSpPr>
+            <a:spLocks noGrp="1"/>
+          </p:cNvSpPr>
+          <p:nvPr>
+            <p:ph idx="1"/>
+          </p:nvPr>
+        </p:nvSpPr>
+        <p:spPr>
+          <a:xfrm>
+            <a:off x="4976031" y="963877"/>
+            <a:ext cx="6377769" cy="4930246"/>
+          </a:xfrm>
+        </p:spPr>
+        <p:txBody>
+          <a:bodyPr anchor="ctr">
+            <a:normAutofit/>
+          </a:bodyPr>
+          <a:lstStyle/>
+          <a:p>
+            <a:r>
+              <a:rPr lang="en-US" sz="2400"/>
+              <a:t>Question 1</a:t>
+            </a:r>
+          </a:p>
+          <a:p>
+            <a:r>
+              <a:rPr lang="en-US" sz="2400"/>
+              <a:t>Question 2</a:t>
+            </a:r>
+          </a:p>
+          <a:p>
+            <a:r>
+              <a:rPr lang="en-US" sz="2400"/>
+              <a:t>Question 3</a:t>
+            </a:r>
+          </a:p>
+        </p:txBody>
+      </p:sp>
+    </p:spTree>
+    <p:extLst>
+      <p:ext uri="{BB962C8B-B14F-4D97-AF65-F5344CB8AC3E}">
+        <p14:creationId xmlns:p14="http://schemas.microsoft.com/office/powerpoint/2010/main" val="354934040"/>
+      </p:ext>
+    </p:extLst>
+  </p:cSld>
+  <p:clrMapOvr>
+    <a:masterClrMapping/>
+  </p:clrMapOvr>
+</p:sld>
+</file>
+
+<file path=ppt/slides/slide3.xml><?xml version="1.0" encoding="utf-8"?>
+<p:sld xmlns:a="http://schemas.openxmlformats.org/drawingml/2006/main" xmlns:r="http://schemas.openxmlformats.org/officeDocument/2006/relationships" xmlns:p="http://schemas.openxmlformats.org/presentationml/2006/main">
+  <p:cSld>
+    <p:bg>
+      <p:bgPr>
+        <a:solidFill>
+          <a:schemeClr val="bg1"/>
+        </a:solidFill>
+        <a:effectLst/>
+      </p:bgPr>
+    </p:bg>
+    <p:spTree>
+      <p:nvGrpSpPr>
+        <p:cNvPr id="1" name=""/>
+        <p:cNvGrpSpPr/>
+        <p:nvPr/>
+      </p:nvGrpSpPr>
+      <p:grpSpPr>
+        <a:xfrm>
+          <a:off x="0" y="0"/>
+          <a:ext cx="0" cy="0"/>
+          <a:chOff x="0" y="0"/>
+          <a:chExt cx="0" cy="0"/>
+        </a:xfrm>
+      </p:grpSpPr>
+      <p:sp>
+        <p:nvSpPr>
+          <p:cNvPr id="12" name="Rectangle 11">
+            <a:extLst>
+              <a:ext uri="{FF2B5EF4-FFF2-40B4-BE49-F238E27FC236}">
+                <a16:creationId xmlns:a16="http://schemas.microsoft.com/office/drawing/2014/main" id="{A4DE4307-BDF3-4CB8-BB73-53E14EF990E0}"/>
+              </a:ext>
+              <a:ext uri="{C183D7F6-B498-43B3-948B-1728B52AA6E4}">
+                <adec:decorative xmlns:adec="http://schemas.microsoft.com/office/drawing/2017/decorative" val="1"/>
+              </a:ext>
+            </a:extLst>
+          </p:cNvPr>
+          <p:cNvSpPr>
+            <a:spLocks noGrp="1" noRot="1" noChangeAspect="1" noMove="1" noResize="1" noEditPoints="1" noAdjustHandles="1" noChangeArrowheads="1" noChangeShapeType="1" noTextEdit="1"/>
+          </p:cNvSpPr>
+          <p:nvPr>
+            <p:extLst>
+              <p:ext uri="{386F3935-93C4-4BCD-93E2-E3B085C9AB24}">
+                <p16:designElem xmlns:p16="http://schemas.microsoft.com/office/powerpoint/2015/main" val="1"/>
+              </p:ext>
+            </p:extLst>
+          </p:nvPr>
+        </p:nvSpPr>
+        <p:spPr>
+          <a:xfrm>
+            <a:off x="-1" y="0"/>
+            <a:ext cx="12192001" cy="2001328"/>
+          </a:xfrm>
+          <a:prstGeom prst="rect">
+            <a:avLst/>
+          </a:prstGeom>
+          <a:ln>
+            <a:noFill/>
+          </a:ln>
+        </p:spPr>
+        <p:style>
+          <a:lnRef idx="2">
+            <a:schemeClr val="accent1">
+              <a:shade val="50000"/>
+            </a:schemeClr>
+          </a:lnRef>
+          <a:fillRef idx="1">
+            <a:schemeClr val="accent1"/>
+          </a:fillRef>
+          <a:effectRef idx="0">
+            <a:schemeClr val="accent1"/>
+          </a:effectRef>
+          <a:fontRef idx="minor">
+            <a:schemeClr val="lt1"/>
+          </a:fontRef>
+        </p:style>
+        <p:txBody>
+          <a:bodyPr rtlCol="0" anchor="ctr"/>
+          <a:lstStyle/>
+          <a:p>
+            <a:pPr marL="0" marR="0" lvl="0" indent="0" algn="ctr" defTabSz="914400" rtl="0" eaLnBrk="0" fontAlgn="base" latinLnBrk="0" hangingPunct="0">
+              <a:lnSpc>
+                <a:spcPct val="100000"/>
+              </a:lnSpc>
+              <a:spcBef>
+                <a:spcPct val="0"/>
+              </a:spcBef>
+              <a:spcAft>
+                <a:spcPct val="0"/>
+              </a:spcAft>
+              <a:buClrTx/>
+              <a:buSzTx/>
+              <a:buFontTx/>
+              <a:buNone/>
+              <a:tabLst/>
+              <a:defRPr/>
+            </a:pPr>
+            <a:endParaRPr kumimoji="0" lang="en-US" sz="2400" b="0" i="0" u="none" strike="noStrike" kern="1200" cap="none" spc="0" normalizeH="0" baseline="0" noProof="0" dirty="0">
+              <a:ln>
+                <a:noFill/>
+              </a:ln>
+              <a:solidFill>
+                <a:prstClr val="white"/>
+              </a:solidFill>
+              <a:effectLst/>
+              <a:uLnTx/>
+              <a:uFillTx/>
+              <a:latin typeface="Calibri" panose="020F0502020204030204"/>
+              <a:ea typeface="+mn-ea"/>
+              <a:cs typeface="+mn-cs"/>
+            </a:endParaRPr>
+          </a:p>
+        </p:txBody>
+      </p:sp>
+      <p:sp>
+        <p:nvSpPr>
+          <p:cNvPr id="2" name="Title 1">
+            <a:extLst>
+              <a:ext uri="{FF2B5EF4-FFF2-40B4-BE49-F238E27FC236}">
+                <a16:creationId xmlns:a16="http://schemas.microsoft.com/office/drawing/2014/main" id="{65A1F909-625E-254A-A0BA-6BE69D1C588B}"/>
+              </a:ext>
+            </a:extLst>
+          </p:cNvPr>
+          <p:cNvSpPr>
+            <a:spLocks noGrp="1"/>
+          </p:cNvSpPr>
+          <p:nvPr>
+            <p:ph type="title"/>
+          </p:nvPr>
+        </p:nvSpPr>
+        <p:spPr>
+          <a:xfrm>
+            <a:off x="838199" y="291090"/>
+            <a:ext cx="10515599" cy="932688"/>
+          </a:xfrm>
+        </p:spPr>
+        <p:txBody>
+          <a:bodyPr vert="horz" lIns="91440" tIns="45720" rIns="91440" bIns="45720" rtlCol="0" anchor="b">
+            <a:normAutofit/>
+          </a:bodyPr>
+          <a:lstStyle/>
+          <a:p>
+            <a:pPr algn="ctr"/>
+            <a:r>
+              <a:rPr lang="en-US" sz="5400" kern="1200">
+                <a:solidFill>
+                  <a:schemeClr val="bg1"/>
+                </a:solidFill>
+                <a:latin typeface="+mj-lt"/>
+                <a:ea typeface="+mj-ea"/>
+                <a:cs typeface="+mj-cs"/>
+              </a:rPr>
+              <a:t>What is a Short Tandem Repeat?</a:t>
+            </a:r>
+          </a:p>
+        </p:txBody>
+      </p:sp>
+      <p:graphicFrame>
+        <p:nvGraphicFramePr>
+          <p:cNvPr id="7" name="Table 6">
+            <a:extLst>
+              <a:ext uri="{FF2B5EF4-FFF2-40B4-BE49-F238E27FC236}">
+                <a16:creationId xmlns:a16="http://schemas.microsoft.com/office/drawing/2014/main" id="{89CDEF88-67B8-C645-9917-480B0B273F0F}"/>
+              </a:ext>
+            </a:extLst>
+          </p:cNvPr>
+          <p:cNvGraphicFramePr>
+            <a:graphicFrameLocks noGrp="1"/>
+          </p:cNvGraphicFramePr>
+          <p:nvPr/>
+        </p:nvGraphicFramePr>
+        <p:xfrm>
+          <a:off x="838200" y="2531428"/>
+          <a:ext cx="10515600" cy="3461556"/>
+        </p:xfrm>
+        <a:graphic>
+          <a:graphicData uri="http://schemas.openxmlformats.org/drawingml/2006/table">
+            <a:tbl>
+              <a:tblPr firstRow="1" bandRow="1">
+                <a:tableStyleId>{5C22544A-7EE6-4342-B048-85BDC9FD1C3A}</a:tableStyleId>
+              </a:tblPr>
+              <a:tblGrid>
+                <a:gridCol w="1791446">
+                  <a:extLst>
+                    <a:ext uri="{9D8B030D-6E8A-4147-A177-3AD203B41FA5}">
+                      <a16:colId xmlns:a16="http://schemas.microsoft.com/office/drawing/2014/main" val="929313844"/>
+                    </a:ext>
+                  </a:extLst>
+                </a:gridCol>
+                <a:gridCol w="8724154">
+                  <a:extLst>
+                    <a:ext uri="{9D8B030D-6E8A-4147-A177-3AD203B41FA5}">
+                      <a16:colId xmlns:a16="http://schemas.microsoft.com/office/drawing/2014/main" val="43801305"/>
+                    </a:ext>
+                  </a:extLst>
+                </a:gridCol>
+              </a:tblGrid>
+              <a:tr h="494508">
+                <a:tc>
+                  <a:txBody>
+                    <a:bodyPr/>
+                    <a:lstStyle/>
+                    <a:p>
+                      <a:pPr algn="ctr"/>
+                      <a:r>
+                        <a:rPr lang="en-US" sz="2400" dirty="0"/>
+                        <a:t>Repeat unit</a:t>
+                      </a:r>
+                    </a:p>
+                  </a:txBody>
+                  <a:tcPr marL="91575" marR="91575" marT="45788" marB="45788"/>
+                </a:tc>
+                <a:tc>
+                  <a:txBody>
+                    <a:bodyPr/>
+                    <a:lstStyle/>
+                    <a:p>
+                      <a:pPr algn="ctr"/>
+                      <a:r>
+                        <a:rPr lang="en-US" sz="2400" dirty="0"/>
+                        <a:t>Sequence</a:t>
+                      </a:r>
+                    </a:p>
+                  </a:txBody>
+                  <a:tcPr marL="91575" marR="91575" marT="45788" marB="45788"/>
+                </a:tc>
+                <a:extLst>
+                  <a:ext uri="{0D108BD9-81ED-4DB2-BD59-A6C34878D82A}">
+                    <a16:rowId xmlns:a16="http://schemas.microsoft.com/office/drawing/2014/main" val="1891135865"/>
+                  </a:ext>
+                </a:extLst>
+              </a:tr>
+              <a:tr h="494508">
+                <a:tc>
+                  <a:txBody>
+                    <a:bodyPr/>
+                    <a:lstStyle/>
+                    <a:p>
+                      <a:r>
+                        <a:rPr lang="en-US" sz="2400" dirty="0"/>
+                        <a:t>Monomer</a:t>
+                      </a:r>
+                    </a:p>
+                  </a:txBody>
+                  <a:tcPr marL="91575" marR="91575" marT="45788" marB="45788"/>
+                </a:tc>
+                <a:tc>
+                  <a:txBody>
+                    <a:bodyPr/>
+                    <a:lstStyle/>
+                    <a:p>
+                      <a:r>
+                        <a:rPr lang="en-US" sz="2400" spc="300" dirty="0">
+                          <a:latin typeface="Courier" pitchFamily="2" charset="0"/>
+                        </a:rPr>
+                        <a:t>5’-GGTAGCC </a:t>
+                      </a:r>
+                      <a:r>
+                        <a:rPr lang="en-US" sz="2400" spc="300" dirty="0">
+                          <a:solidFill>
+                            <a:srgbClr val="C30003"/>
+                          </a:solidFill>
+                          <a:latin typeface="Courier" pitchFamily="2" charset="0"/>
+                        </a:rPr>
+                        <a:t>A A A A A A (A)</a:t>
+                      </a:r>
+                      <a:r>
+                        <a:rPr lang="en-US" sz="2400" spc="300" baseline="-25000" dirty="0">
+                          <a:solidFill>
+                            <a:srgbClr val="C30003"/>
+                          </a:solidFill>
+                          <a:latin typeface="Courier" pitchFamily="2" charset="0"/>
+                        </a:rPr>
+                        <a:t>n </a:t>
+                      </a:r>
+                      <a:r>
+                        <a:rPr lang="en-US" sz="2400" spc="300" dirty="0">
+                          <a:latin typeface="Courier" pitchFamily="2" charset="0"/>
+                        </a:rPr>
+                        <a:t>CGATCCA-3’</a:t>
+                      </a:r>
+                    </a:p>
+                  </a:txBody>
+                  <a:tcPr marL="91575" marR="91575" marT="45788" marB="45788"/>
+                </a:tc>
+                <a:extLst>
+                  <a:ext uri="{0D108BD9-81ED-4DB2-BD59-A6C34878D82A}">
+                    <a16:rowId xmlns:a16="http://schemas.microsoft.com/office/drawing/2014/main" val="2803457536"/>
+                  </a:ext>
+                </a:extLst>
+              </a:tr>
+              <a:tr h="494508">
+                <a:tc>
+                  <a:txBody>
+                    <a:bodyPr/>
+                    <a:lstStyle/>
+                    <a:p>
+                      <a:r>
+                        <a:rPr lang="en-US" sz="2400" dirty="0"/>
+                        <a:t>Dimer</a:t>
+                      </a:r>
+                    </a:p>
+                  </a:txBody>
+                  <a:tcPr marL="91575" marR="91575" marT="45788" marB="45788"/>
+                </a:tc>
+                <a:tc>
+                  <a:txBody>
+                    <a:bodyPr/>
+                    <a:lstStyle/>
+                    <a:p>
+                      <a:r>
+                        <a:rPr lang="en-US" sz="2400" spc="300" dirty="0">
+                          <a:latin typeface="Courier" pitchFamily="2" charset="0"/>
+                        </a:rPr>
+                        <a:t>5’-TCGCATG </a:t>
+                      </a:r>
+                      <a:r>
+                        <a:rPr lang="en-US" sz="2400" spc="300" dirty="0">
+                          <a:solidFill>
+                            <a:srgbClr val="C30003"/>
+                          </a:solidFill>
+                          <a:latin typeface="Courier" pitchFamily="2" charset="0"/>
+                        </a:rPr>
+                        <a:t>CA CA CA (CA)</a:t>
+                      </a:r>
+                      <a:r>
+                        <a:rPr lang="en-US" sz="2400" spc="300" baseline="-25000" dirty="0">
+                          <a:solidFill>
+                            <a:srgbClr val="C30003"/>
+                          </a:solidFill>
+                          <a:latin typeface="Courier" pitchFamily="2" charset="0"/>
+                        </a:rPr>
+                        <a:t>n </a:t>
+                      </a:r>
+                      <a:r>
+                        <a:rPr lang="en-US" sz="2400" spc="300" dirty="0">
+                          <a:latin typeface="Courier" pitchFamily="2" charset="0"/>
+                        </a:rPr>
+                        <a:t>ATTCGCA-3’</a:t>
+                      </a:r>
+                    </a:p>
+                  </a:txBody>
+                  <a:tcPr marL="91575" marR="91575" marT="45788" marB="45788"/>
+                </a:tc>
+                <a:extLst>
+                  <a:ext uri="{0D108BD9-81ED-4DB2-BD59-A6C34878D82A}">
+                    <a16:rowId xmlns:a16="http://schemas.microsoft.com/office/drawing/2014/main" val="2207187428"/>
+                  </a:ext>
+                </a:extLst>
+              </a:tr>
+              <a:tr h="494508">
+                <a:tc>
+                  <a:txBody>
+                    <a:bodyPr/>
+                    <a:lstStyle/>
+                    <a:p>
+                      <a:r>
+                        <a:rPr lang="en-US" sz="2400" dirty="0"/>
+                        <a:t>Trimer</a:t>
+                      </a:r>
+                    </a:p>
+                  </a:txBody>
+                  <a:tcPr marL="91575" marR="91575" marT="45788" marB="45788"/>
+                </a:tc>
+                <a:tc>
+                  <a:txBody>
+                    <a:bodyPr/>
+                    <a:lstStyle/>
+                    <a:p>
+                      <a:r>
+                        <a:rPr lang="en-US" sz="2400" spc="300" dirty="0">
+                          <a:latin typeface="Courier" pitchFamily="2" charset="0"/>
+                        </a:rPr>
+                        <a:t>5’-TTAGCAT </a:t>
+                      </a:r>
+                      <a:r>
+                        <a:rPr lang="en-US" sz="2400" spc="300" dirty="0">
+                          <a:solidFill>
+                            <a:srgbClr val="C30003"/>
+                          </a:solidFill>
+                          <a:latin typeface="Courier" pitchFamily="2" charset="0"/>
+                        </a:rPr>
+                        <a:t>CAG CAG (CAG)</a:t>
+                      </a:r>
+                      <a:r>
+                        <a:rPr lang="en-US" sz="2400" spc="300" baseline="-25000" dirty="0">
+                          <a:solidFill>
+                            <a:srgbClr val="C30003"/>
+                          </a:solidFill>
+                          <a:latin typeface="Courier" pitchFamily="2" charset="0"/>
+                        </a:rPr>
+                        <a:t>n </a:t>
+                      </a:r>
+                      <a:r>
+                        <a:rPr lang="en-US" sz="2400" spc="300" dirty="0">
+                          <a:latin typeface="Courier" pitchFamily="2" charset="0"/>
+                        </a:rPr>
+                        <a:t>CCAGTGA-3’</a:t>
+                      </a:r>
+                    </a:p>
+                  </a:txBody>
+                  <a:tcPr marL="91575" marR="91575" marT="45788" marB="45788"/>
+                </a:tc>
+                <a:extLst>
+                  <a:ext uri="{0D108BD9-81ED-4DB2-BD59-A6C34878D82A}">
+                    <a16:rowId xmlns:a16="http://schemas.microsoft.com/office/drawing/2014/main" val="3362290831"/>
+                  </a:ext>
+                </a:extLst>
+              </a:tr>
+              <a:tr h="494508">
+                <a:tc>
+                  <a:txBody>
+                    <a:bodyPr/>
+                    <a:lstStyle/>
+                    <a:p>
+                      <a:r>
+                        <a:rPr lang="en-US" sz="2400" dirty="0"/>
+                        <a:t>Tetramer</a:t>
+                      </a:r>
+                    </a:p>
+                  </a:txBody>
+                  <a:tcPr marL="91575" marR="91575" marT="45788" marB="45788"/>
+                </a:tc>
+                <a:tc>
+                  <a:txBody>
+                    <a:bodyPr/>
+                    <a:lstStyle/>
+                    <a:p>
+                      <a:r>
+                        <a:rPr lang="en-US" sz="2400" spc="300" dirty="0">
+                          <a:latin typeface="Courier" pitchFamily="2" charset="0"/>
+                        </a:rPr>
+                        <a:t>5’-AATGGTA </a:t>
+                      </a:r>
+                      <a:r>
+                        <a:rPr lang="en-US" sz="2400" spc="300" dirty="0">
+                          <a:solidFill>
+                            <a:srgbClr val="C30003"/>
+                          </a:solidFill>
+                          <a:latin typeface="Courier" pitchFamily="2" charset="0"/>
+                        </a:rPr>
+                        <a:t>CCGG (CCGG)</a:t>
+                      </a:r>
+                      <a:r>
+                        <a:rPr lang="en-US" sz="2400" spc="300" baseline="-25000" dirty="0">
+                          <a:solidFill>
+                            <a:srgbClr val="C30003"/>
+                          </a:solidFill>
+                          <a:latin typeface="Courier" pitchFamily="2" charset="0"/>
+                        </a:rPr>
+                        <a:t>n </a:t>
+                      </a:r>
+                      <a:r>
+                        <a:rPr lang="en-US" sz="2400" spc="300" dirty="0">
+                          <a:latin typeface="Courier" pitchFamily="2" charset="0"/>
+                        </a:rPr>
+                        <a:t>GTCACGT-3’</a:t>
+                      </a:r>
+                    </a:p>
+                  </a:txBody>
+                  <a:tcPr marL="91575" marR="91575" marT="45788" marB="45788"/>
+                </a:tc>
+                <a:extLst>
+                  <a:ext uri="{0D108BD9-81ED-4DB2-BD59-A6C34878D82A}">
+                    <a16:rowId xmlns:a16="http://schemas.microsoft.com/office/drawing/2014/main" val="2216467222"/>
+                  </a:ext>
+                </a:extLst>
+              </a:tr>
+              <a:tr h="494508">
+                <a:tc>
+                  <a:txBody>
+                    <a:bodyPr/>
+                    <a:lstStyle/>
+                    <a:p>
+                      <a:r>
+                        <a:rPr lang="en-US" sz="2400" dirty="0"/>
+                        <a:t>Pentamer</a:t>
+                      </a:r>
+                    </a:p>
+                  </a:txBody>
+                  <a:tcPr marL="91575" marR="91575" marT="45788" marB="45788"/>
+                </a:tc>
+                <a:tc>
+                  <a:txBody>
+                    <a:bodyPr/>
+                    <a:lstStyle/>
+                    <a:p>
+                      <a:r>
+                        <a:rPr lang="en-US" sz="2400" spc="300" dirty="0">
+                          <a:latin typeface="Courier" pitchFamily="2" charset="0"/>
+                        </a:rPr>
+                        <a:t>5’-CGATGAT </a:t>
+                      </a:r>
+                      <a:r>
+                        <a:rPr lang="en-US" sz="2400" spc="300" dirty="0">
+                          <a:solidFill>
+                            <a:srgbClr val="C30003"/>
+                          </a:solidFill>
+                          <a:latin typeface="Courier" pitchFamily="2" charset="0"/>
+                        </a:rPr>
+                        <a:t>CCAAG (CCAAG)</a:t>
+                      </a:r>
+                      <a:r>
+                        <a:rPr lang="en-US" sz="2400" spc="300" baseline="-25000" dirty="0">
+                          <a:solidFill>
+                            <a:srgbClr val="C30003"/>
+                          </a:solidFill>
+                          <a:latin typeface="Courier" pitchFamily="2" charset="0"/>
+                        </a:rPr>
+                        <a:t>n </a:t>
+                      </a:r>
+                      <a:r>
+                        <a:rPr lang="en-US" sz="2400" spc="300" dirty="0">
+                          <a:latin typeface="Courier" pitchFamily="2" charset="0"/>
+                        </a:rPr>
+                        <a:t>TTACGTA-3’</a:t>
+                      </a:r>
+                    </a:p>
+                  </a:txBody>
+                  <a:tcPr marL="91575" marR="91575" marT="45788" marB="45788"/>
+                </a:tc>
+                <a:extLst>
+                  <a:ext uri="{0D108BD9-81ED-4DB2-BD59-A6C34878D82A}">
+                    <a16:rowId xmlns:a16="http://schemas.microsoft.com/office/drawing/2014/main" val="2050528023"/>
+                  </a:ext>
+                </a:extLst>
+              </a:tr>
+              <a:tr h="494508">
+                <a:tc>
+                  <a:txBody>
+                    <a:bodyPr/>
+                    <a:lstStyle/>
+                    <a:p>
+                      <a:r>
+                        <a:rPr lang="en-US" sz="2400" dirty="0"/>
+                        <a:t>Hexamer</a:t>
+                      </a:r>
+                    </a:p>
+                  </a:txBody>
+                  <a:tcPr marL="91575" marR="91575" marT="45788" marB="45788"/>
+                </a:tc>
+                <a:tc>
+                  <a:txBody>
+                    <a:bodyPr/>
+                    <a:lstStyle/>
+                    <a:p>
+                      <a:r>
+                        <a:rPr lang="en-US" sz="2400" spc="300" dirty="0">
+                          <a:latin typeface="Courier" pitchFamily="2" charset="0"/>
+                        </a:rPr>
+                        <a:t>5’-GCTAAGG </a:t>
+                      </a:r>
+                      <a:r>
+                        <a:rPr lang="en-US" sz="2400" spc="300" dirty="0">
+                          <a:solidFill>
+                            <a:srgbClr val="C30003"/>
+                          </a:solidFill>
+                          <a:latin typeface="Courier" pitchFamily="2" charset="0"/>
+                        </a:rPr>
+                        <a:t>CCATTG (CCATTG)</a:t>
+                      </a:r>
+                      <a:r>
+                        <a:rPr lang="en-US" sz="2400" spc="300" baseline="-25000" dirty="0">
+                          <a:solidFill>
+                            <a:srgbClr val="C30003"/>
+                          </a:solidFill>
+                          <a:latin typeface="Courier" pitchFamily="2" charset="0"/>
+                        </a:rPr>
+                        <a:t>n </a:t>
+                      </a:r>
+                      <a:r>
+                        <a:rPr lang="en-US" sz="2400" spc="300" dirty="0">
+                          <a:latin typeface="Courier" pitchFamily="2" charset="0"/>
+                        </a:rPr>
+                        <a:t>ACTGTCA-3’</a:t>
+                      </a:r>
+                    </a:p>
+                  </a:txBody>
+                  <a:tcPr marL="91575" marR="91575" marT="45788" marB="45788"/>
+                </a:tc>
+                <a:extLst>
+                  <a:ext uri="{0D108BD9-81ED-4DB2-BD59-A6C34878D82A}">
+                    <a16:rowId xmlns:a16="http://schemas.microsoft.com/office/drawing/2014/main" val="1235374634"/>
+                  </a:ext>
+                </a:extLst>
+              </a:tr>
+            </a:tbl>
+          </a:graphicData>
+        </a:graphic>
+      </p:graphicFrame>
+    </p:spTree>
+    <p:extLst>
+      <p:ext uri="{BB962C8B-B14F-4D97-AF65-F5344CB8AC3E}">
+        <p14:creationId xmlns:p14="http://schemas.microsoft.com/office/powerpoint/2010/main" val="80436896"/>
+      </p:ext>
+    </p:extLst>
+  </p:cSld>
+  <p:clrMapOvr>
+    <a:masterClrMapping/>
+  </p:clrMapOvr>
+</p:sld>
+</file>
+
+<file path=ppt/slides/slide4.xml><?xml version="1.0" encoding="utf-8"?>
+<p:sld xmlns:a="http://schemas.openxmlformats.org/drawingml/2006/main" xmlns:r="http://schemas.openxmlformats.org/officeDocument/2006/relationships" xmlns:p="http://schemas.openxmlformats.org/presentationml/2006/main">
+  <p:cSld>
+    <p:bg>
+      <p:bgPr>
+        <a:solidFill>
+          <a:schemeClr val="bg1"/>
+        </a:solidFill>
+        <a:effectLst/>
+      </p:bgPr>
+    </p:bg>
+    <p:spTree>
+      <p:nvGrpSpPr>
+        <p:cNvPr id="1" name=""/>
+        <p:cNvGrpSpPr/>
+        <p:nvPr/>
+      </p:nvGrpSpPr>
+      <p:grpSpPr>
+        <a:xfrm>
+          <a:off x="0" y="0"/>
+          <a:ext cx="0" cy="0"/>
+          <a:chOff x="0" y="0"/>
+          <a:chExt cx="0" cy="0"/>
+        </a:xfrm>
+      </p:grpSpPr>
+      <p:sp>
+        <p:nvSpPr>
+          <p:cNvPr id="9" name="Rectangle 8">
+            <a:extLst>
+              <a:ext uri="{FF2B5EF4-FFF2-40B4-BE49-F238E27FC236}">
+                <a16:creationId xmlns:a16="http://schemas.microsoft.com/office/drawing/2014/main" id="{8D70B121-56F4-4848-B38B-182089D909FA}"/>
+              </a:ext>
+              <a:ext uri="{C183D7F6-B498-43B3-948B-1728B52AA6E4}">
+                <adec:decorative xmlns:adec="http://schemas.microsoft.com/office/drawing/2017/decorative" val="1"/>
+              </a:ext>
+            </a:extLst>
+          </p:cNvPr>
+          <p:cNvSpPr>
+            <a:spLocks noGrp="1" noRot="1" noChangeAspect="1" noMove="1" noResize="1" noEditPoints="1" noAdjustHandles="1" noChangeArrowheads="1" noChangeShapeType="1" noTextEdit="1"/>
+          </p:cNvSpPr>
+          <p:nvPr>
+            <p:extLst>
+              <p:ext uri="{386F3935-93C4-4BCD-93E2-E3B085C9AB24}">
+                <p16:designElem xmlns:p16="http://schemas.microsoft.com/office/powerpoint/2015/main" val="1"/>
+              </p:ext>
+            </p:extLst>
+          </p:nvPr>
+        </p:nvSpPr>
+        <p:spPr bwMode="ltGray">
+          <a:xfrm>
+            <a:off x="321564" y="320040"/>
+            <a:ext cx="11548872" cy="6217920"/>
+          </a:xfrm>
+          <a:prstGeom prst="rect">
+            <a:avLst/>
+          </a:prstGeom>
+          <a:solidFill>
+            <a:schemeClr val="tx1">
+              <a:alpha val="8000"/>
+            </a:schemeClr>
+          </a:solidFill>
+          <a:ln w="127000" cap="sq" cmpd="thinThick">
+            <a:noFill/>
+          </a:ln>
+        </p:spPr>
+        <p:style>
+          <a:lnRef idx="2">
+            <a:schemeClr val="accent1">
+              <a:shade val="50000"/>
+            </a:schemeClr>
+          </a:lnRef>
+          <a:fillRef idx="1">
+            <a:schemeClr val="accent1"/>
+          </a:fillRef>
+          <a:effectRef idx="0">
+            <a:schemeClr val="accent1"/>
+          </a:effectRef>
+          <a:fontRef idx="minor">
+            <a:schemeClr val="lt1"/>
+          </a:fontRef>
+        </p:style>
+        <p:txBody>
+          <a:bodyPr rtlCol="0" anchor="ctr"/>
+          <a:lstStyle/>
+          <a:p>
+            <a:pPr algn="ctr"/>
+            <a:endParaRPr lang="en-US"/>
+          </a:p>
+        </p:txBody>
+      </p:sp>
+      <p:sp>
+        <p:nvSpPr>
+          <p:cNvPr id="2" name="Title 1">
+            <a:extLst>
+              <a:ext uri="{FF2B5EF4-FFF2-40B4-BE49-F238E27FC236}">
+                <a16:creationId xmlns:a16="http://schemas.microsoft.com/office/drawing/2014/main" id="{B5040152-28F9-7444-89A0-095C405443C7}"/>
+              </a:ext>
+            </a:extLst>
+          </p:cNvPr>
+          <p:cNvSpPr>
+            <a:spLocks noGrp="1"/>
+          </p:cNvSpPr>
+          <p:nvPr>
+            <p:ph type="title"/>
+          </p:nvPr>
+        </p:nvSpPr>
+        <p:spPr>
+          <a:xfrm>
+            <a:off x="838200" y="963877"/>
+            <a:ext cx="3494362" cy="4930246"/>
+          </a:xfrm>
+        </p:spPr>
+        <p:txBody>
+          <a:bodyPr vert="horz" lIns="91440" tIns="45720" rIns="91440" bIns="45720" rtlCol="0" anchor="ctr">
+            <a:normAutofit/>
+          </a:bodyPr>
+          <a:lstStyle/>
+          <a:p>
+            <a:pPr algn="r"/>
+            <a:r>
+              <a:rPr lang="en-US" kern="1200" dirty="0">
+                <a:solidFill>
+                  <a:schemeClr val="accent1"/>
+                </a:solidFill>
+                <a:latin typeface="+mj-lt"/>
+                <a:ea typeface="+mj-ea"/>
+                <a:cs typeface="+mj-cs"/>
+              </a:rPr>
+              <a:t>Introduction</a:t>
+            </a:r>
+          </a:p>
+        </p:txBody>
+      </p:sp>
+      <p:cxnSp>
+        <p:nvCxnSpPr>
+          <p:cNvPr id="11" name="Straight Connector 10">
+            <a:extLst>
+              <a:ext uri="{FF2B5EF4-FFF2-40B4-BE49-F238E27FC236}">
+                <a16:creationId xmlns:a16="http://schemas.microsoft.com/office/drawing/2014/main" id="{2D72A2C9-F3CA-4216-8BAD-FA4C970C3C4E}"/>
+              </a:ext>
+              <a:ext uri="{C183D7F6-B498-43B3-948B-1728B52AA6E4}">
+                <adec:decorative xmlns:adec="http://schemas.microsoft.com/office/drawing/2017/decorative" val="1"/>
+              </a:ext>
+            </a:extLst>
+          </p:cNvPr>
+          <p:cNvCxnSpPr>
+            <a:cxnSpLocks noGrp="1" noRot="1" noChangeAspect="1" noMove="1" noResize="1" noEditPoints="1" noAdjustHandles="1" noChangeArrowheads="1" noChangeShapeType="1"/>
+          </p:cNvCxnSpPr>
+          <p:nvPr>
+            <p:extLst>
+              <p:ext uri="{386F3935-93C4-4BCD-93E2-E3B085C9AB24}">
+                <p16:designElem xmlns:p16="http://schemas.microsoft.com/office/powerpoint/2015/main" val="1"/>
+              </p:ext>
+            </p:extLst>
+          </p:nvPr>
+        </p:nvCxnSpPr>
+        <p:spPr>
+          <a:xfrm>
+            <a:off x="4654296" y="2057400"/>
+            <a:ext cx="0" cy="2743200"/>
+          </a:xfrm>
+          <a:prstGeom prst="line">
+            <a:avLst/>
+          </a:prstGeom>
+          <a:ln w="19050">
+            <a:solidFill>
+              <a:schemeClr val="tx1">
+                <a:lumMod val="85000"/>
+                <a:lumOff val="15000"/>
+              </a:schemeClr>
+            </a:solidFill>
+          </a:ln>
+        </p:spPr>
+        <p:style>
+          <a:lnRef idx="1">
+            <a:schemeClr val="accent1"/>
+          </a:lnRef>
+          <a:fillRef idx="0">
+            <a:schemeClr val="accent1"/>
+          </a:fillRef>
+          <a:effectRef idx="0">
+            <a:schemeClr val="accent1"/>
+          </a:effectRef>
+          <a:fontRef idx="minor">
+            <a:schemeClr val="tx1"/>
+          </a:fontRef>
+        </p:style>
+      </p:cxnSp>
+      <p:sp>
+        <p:nvSpPr>
+          <p:cNvPr id="4" name="Content Placeholder 3">
+            <a:extLst>
+              <a:ext uri="{FF2B5EF4-FFF2-40B4-BE49-F238E27FC236}">
+                <a16:creationId xmlns:a16="http://schemas.microsoft.com/office/drawing/2014/main" id="{B6473C11-CD7D-A141-BE1C-D8B608DD66E4}"/>
+              </a:ext>
+            </a:extLst>
+          </p:cNvPr>
+          <p:cNvSpPr>
+            <a:spLocks noGrp="1"/>
+          </p:cNvSpPr>
+          <p:nvPr>
+            <p:ph sz="half" idx="1"/>
+          </p:nvPr>
+        </p:nvSpPr>
+        <p:spPr>
+          <a:xfrm>
+            <a:off x="4976031" y="963877"/>
+            <a:ext cx="6377769" cy="4930246"/>
+          </a:xfrm>
+        </p:spPr>
+        <p:txBody>
+          <a:bodyPr vert="horz" lIns="91440" tIns="45720" rIns="91440" bIns="45720" rtlCol="0" anchor="ctr">
+            <a:normAutofit/>
+          </a:bodyPr>
+          <a:lstStyle/>
+          <a:p>
+            <a:r>
+              <a:rPr lang="en-US" sz="2400" dirty="0"/>
+              <a:t>Point 1</a:t>
+            </a:r>
+          </a:p>
+          <a:p>
+            <a:r>
+              <a:rPr lang="en-US" sz="2400" dirty="0"/>
+              <a:t>Point 2</a:t>
+            </a:r>
+          </a:p>
+          <a:p>
+            <a:r>
+              <a:rPr lang="en-US" sz="2400" dirty="0"/>
+              <a:t>Point 3</a:t>
+            </a:r>
+          </a:p>
+          <a:p>
+            <a:endParaRPr lang="en-US" sz="2400" dirty="0"/>
+          </a:p>
+        </p:txBody>
+      </p:sp>
+    </p:spTree>
+    <p:extLst>
+      <p:ext uri="{BB962C8B-B14F-4D97-AF65-F5344CB8AC3E}">
+        <p14:creationId xmlns:p14="http://schemas.microsoft.com/office/powerpoint/2010/main" val="3670662670"/>
+      </p:ext>
+    </p:extLst>
+  </p:cSld>
+  <p:clrMapOvr>
+    <a:masterClrMapping/>
+  </p:clrMapOvr>
+</p:sld>
+</file>
+
+<file path=ppt/slides/slide5.xml><?xml version="1.0" encoding="utf-8"?>
+<p:sld xmlns:a="http://schemas.openxmlformats.org/drawingml/2006/main" xmlns:r="http://schemas.openxmlformats.org/officeDocument/2006/relationships" xmlns:p="http://schemas.openxmlformats.org/presentationml/2006/main">
+  <p:cSld>
+    <p:bg>
+      <p:bgPr>
+        <a:solidFill>
+          <a:schemeClr val="bg1"/>
+        </a:solidFill>
+        <a:effectLst/>
+      </p:bgPr>
+    </p:bg>
+    <p:spTree>
+      <p:nvGrpSpPr>
+        <p:cNvPr id="1" name=""/>
+        <p:cNvGrpSpPr/>
+        <p:nvPr/>
+      </p:nvGrpSpPr>
+      <p:grpSpPr>
+        <a:xfrm>
+          <a:off x="0" y="0"/>
+          <a:ext cx="0" cy="0"/>
+          <a:chOff x="0" y="0"/>
+          <a:chExt cx="0" cy="0"/>
+        </a:xfrm>
+      </p:grpSpPr>
+      <p:sp>
+        <p:nvSpPr>
+          <p:cNvPr id="14" name="Rectangle 13">
+            <a:extLst>
+              <a:ext uri="{FF2B5EF4-FFF2-40B4-BE49-F238E27FC236}">
+                <a16:creationId xmlns:a16="http://schemas.microsoft.com/office/drawing/2014/main" id="{8D70B121-56F4-4848-B38B-182089D909FA}"/>
+              </a:ext>
+              <a:ext uri="{C183D7F6-B498-43B3-948B-1728B52AA6E4}">
+                <adec:decorative xmlns:adec="http://schemas.microsoft.com/office/drawing/2017/decorative" val="1"/>
+              </a:ext>
+            </a:extLst>
+          </p:cNvPr>
+          <p:cNvSpPr>
+            <a:spLocks noGrp="1" noRot="1" noChangeAspect="1" noMove="1" noResize="1" noEditPoints="1" noAdjustHandles="1" noChangeArrowheads="1" noChangeShapeType="1" noTextEdit="1"/>
+          </p:cNvSpPr>
+          <p:nvPr>
+            <p:extLst>
+              <p:ext uri="{386F3935-93C4-4BCD-93E2-E3B085C9AB24}">
+                <p16:designElem xmlns:p16="http://schemas.microsoft.com/office/powerpoint/2015/main" val="1"/>
+              </p:ext>
+            </p:extLst>
+          </p:nvPr>
+        </p:nvSpPr>
+        <p:spPr bwMode="ltGray">
+          <a:xfrm>
+            <a:off x="321564" y="320040"/>
+            <a:ext cx="11548872" cy="6217920"/>
+          </a:xfrm>
+          <a:prstGeom prst="rect">
+            <a:avLst/>
+          </a:prstGeom>
+          <a:solidFill>
+            <a:schemeClr val="tx1">
+              <a:alpha val="8000"/>
+            </a:schemeClr>
+          </a:solidFill>
+          <a:ln w="127000" cap="sq" cmpd="thinThick">
+            <a:noFill/>
+          </a:ln>
+        </p:spPr>
+        <p:style>
+          <a:lnRef idx="2">
+            <a:schemeClr val="accent1">
+              <a:shade val="50000"/>
+            </a:schemeClr>
+          </a:lnRef>
+          <a:fillRef idx="1">
+            <a:schemeClr val="accent1"/>
+          </a:fillRef>
+          <a:effectRef idx="0">
+            <a:schemeClr val="accent1"/>
+          </a:effectRef>
+          <a:fontRef idx="minor">
+            <a:schemeClr val="lt1"/>
+          </a:fontRef>
+        </p:style>
+        <p:txBody>
+          <a:bodyPr rtlCol="0" anchor="ctr"/>
+          <a:lstStyle/>
+          <a:p>
+            <a:pPr algn="ctr"/>
+            <a:endParaRPr lang="en-US"/>
+          </a:p>
+        </p:txBody>
+      </p:sp>
+      <p:sp>
+        <p:nvSpPr>
+          <p:cNvPr id="2" name="Title 1">
+            <a:extLst>
+              <a:ext uri="{FF2B5EF4-FFF2-40B4-BE49-F238E27FC236}">
+                <a16:creationId xmlns:a16="http://schemas.microsoft.com/office/drawing/2014/main" id="{B5040152-28F9-7444-89A0-095C405443C7}"/>
+              </a:ext>
+            </a:extLst>
+          </p:cNvPr>
+          <p:cNvSpPr>
+            <a:spLocks noGrp="1"/>
+          </p:cNvSpPr>
+          <p:nvPr>
+            <p:ph type="title"/>
+          </p:nvPr>
+        </p:nvSpPr>
+        <p:spPr>
+          <a:xfrm>
+            <a:off x="838200" y="963877"/>
+            <a:ext cx="3494362" cy="4930246"/>
+          </a:xfrm>
+        </p:spPr>
+        <p:txBody>
+          <a:bodyPr>
+            <a:normAutofit/>
+          </a:bodyPr>
+          <a:lstStyle/>
+          <a:p>
+            <a:pPr algn="r"/>
+            <a:r>
+              <a:rPr lang="en-US">
+                <a:solidFill>
+                  <a:schemeClr val="accent1"/>
+                </a:solidFill>
+                <a:latin typeface="+mn-lt"/>
+              </a:rPr>
+              <a:t>Point 1</a:t>
+            </a:r>
+          </a:p>
+        </p:txBody>
+      </p:sp>
+      <p:cxnSp>
+        <p:nvCxnSpPr>
+          <p:cNvPr id="16" name="Straight Connector 15">
+            <a:extLst>
+              <a:ext uri="{FF2B5EF4-FFF2-40B4-BE49-F238E27FC236}">
+                <a16:creationId xmlns:a16="http://schemas.microsoft.com/office/drawing/2014/main" id="{2D72A2C9-F3CA-4216-8BAD-FA4C970C3C4E}"/>
+              </a:ext>
+              <a:ext uri="{C183D7F6-B498-43B3-948B-1728B52AA6E4}">
+                <adec:decorative xmlns:adec="http://schemas.microsoft.com/office/drawing/2017/decorative" val="1"/>
+              </a:ext>
+            </a:extLst>
+          </p:cNvPr>
+          <p:cNvCxnSpPr>
+            <a:cxnSpLocks noGrp="1" noRot="1" noChangeAspect="1" noMove="1" noResize="1" noEditPoints="1" noAdjustHandles="1" noChangeArrowheads="1" noChangeShapeType="1"/>
+          </p:cNvCxnSpPr>
+          <p:nvPr>
+            <p:extLst>
+              <p:ext uri="{386F3935-93C4-4BCD-93E2-E3B085C9AB24}">
+                <p16:designElem xmlns:p16="http://schemas.microsoft.com/office/powerpoint/2015/main" val="1"/>
+              </p:ext>
+            </p:extLst>
+          </p:nvPr>
+        </p:nvCxnSpPr>
+        <p:spPr>
+          <a:xfrm>
+            <a:off x="4654296" y="2057400"/>
+            <a:ext cx="0" cy="2743200"/>
+          </a:xfrm>
+          <a:prstGeom prst="line">
+            <a:avLst/>
+          </a:prstGeom>
+          <a:ln w="19050">
+            <a:solidFill>
+              <a:schemeClr val="tx1">
+                <a:lumMod val="85000"/>
+                <a:lumOff val="15000"/>
+              </a:schemeClr>
+            </a:solidFill>
+          </a:ln>
+        </p:spPr>
+        <p:style>
+          <a:lnRef idx="1">
+            <a:schemeClr val="accent1"/>
+          </a:lnRef>
+          <a:fillRef idx="0">
+            <a:schemeClr val="accent1"/>
+          </a:fillRef>
+          <a:effectRef idx="0">
+            <a:schemeClr val="accent1"/>
+          </a:effectRef>
+          <a:fontRef idx="minor">
+            <a:schemeClr val="tx1"/>
+          </a:fontRef>
+        </p:style>
+      </p:cxnSp>
+      <p:sp>
+        <p:nvSpPr>
+          <p:cNvPr id="9" name="Content Placeholder 8">
+            <a:extLst>
+              <a:ext uri="{FF2B5EF4-FFF2-40B4-BE49-F238E27FC236}">
+                <a16:creationId xmlns:a16="http://schemas.microsoft.com/office/drawing/2014/main" id="{822B7238-F257-FB43-828C-01781C2C5B08}"/>
+              </a:ext>
+            </a:extLst>
+          </p:cNvPr>
+          <p:cNvSpPr>
+            <a:spLocks noGrp="1"/>
+          </p:cNvSpPr>
+          <p:nvPr>
+            <p:ph idx="1"/>
+          </p:nvPr>
+        </p:nvSpPr>
+        <p:spPr>
+          <a:xfrm>
+            <a:off x="4976031" y="963877"/>
+            <a:ext cx="6377769" cy="4930246"/>
+          </a:xfrm>
+        </p:spPr>
+        <p:txBody>
+          <a:bodyPr anchor="ctr">
+            <a:normAutofit/>
+          </a:bodyPr>
+          <a:lstStyle/>
+          <a:p>
+            <a:r>
+              <a:rPr lang="en-US" sz="2400"/>
+              <a:t>Problem</a:t>
+            </a:r>
+          </a:p>
+          <a:p>
+            <a:r>
+              <a:rPr lang="en-US" sz="2400"/>
+              <a:t>Context</a:t>
+            </a:r>
+          </a:p>
+          <a:p>
+            <a:r>
+              <a:rPr lang="en-US" sz="2400"/>
+              <a:t>Solution</a:t>
+            </a:r>
+          </a:p>
+          <a:p>
+            <a:pPr lvl="1"/>
+            <a:endParaRPr lang="en-US" dirty="0"/>
+          </a:p>
+        </p:txBody>
+      </p:sp>
+    </p:spTree>
+    <p:extLst>
+      <p:ext uri="{BB962C8B-B14F-4D97-AF65-F5344CB8AC3E}">
+        <p14:creationId xmlns:p14="http://schemas.microsoft.com/office/powerpoint/2010/main" val="3441293339"/>
+      </p:ext>
+    </p:extLst>
+  </p:cSld>
+  <p:clrMapOvr>
+    <a:masterClrMapping/>
+  </p:clrMapOvr>
+</p:sld>
+</file>
+
+<file path=ppt/slides/slide6.xml><?xml version="1.0" encoding="utf-8"?>
+<p:sld xmlns:a="http://schemas.openxmlformats.org/drawingml/2006/main" xmlns:r="http://schemas.openxmlformats.org/officeDocument/2006/relationships" xmlns:p="http://schemas.openxmlformats.org/presentationml/2006/main">
+  <p:cSld>
+    <p:bg>
+      <p:bgPr>
+        <a:solidFill>
+          <a:schemeClr val="bg1"/>
+        </a:solidFill>
+        <a:effectLst/>
+      </p:bgPr>
+    </p:bg>
+    <p:spTree>
+      <p:nvGrpSpPr>
+        <p:cNvPr id="1" name=""/>
+        <p:cNvGrpSpPr/>
+        <p:nvPr/>
+      </p:nvGrpSpPr>
+      <p:grpSpPr>
+        <a:xfrm>
+          <a:off x="0" y="0"/>
+          <a:ext cx="0" cy="0"/>
+          <a:chOff x="0" y="0"/>
+          <a:chExt cx="0" cy="0"/>
+        </a:xfrm>
+      </p:grpSpPr>
+      <p:sp>
+        <p:nvSpPr>
+          <p:cNvPr id="16" name="Rectangle 15">
+            <a:extLst>
+              <a:ext uri="{FF2B5EF4-FFF2-40B4-BE49-F238E27FC236}">
+                <a16:creationId xmlns:a16="http://schemas.microsoft.com/office/drawing/2014/main" id="{8CA06CD6-90CA-4C45-856C-6771339E1E22}"/>
+              </a:ext>
+              <a:ext uri="{C183D7F6-B498-43B3-948B-1728B52AA6E4}">
+                <adec:decorative xmlns:adec="http://schemas.microsoft.com/office/drawing/2017/decorative" val="1"/>
+              </a:ext>
+            </a:extLst>
+          </p:cNvPr>
+          <p:cNvSpPr>
+            <a:spLocks noGrp="1" noRot="1" noChangeAspect="1" noMove="1" noResize="1" noEditPoints="1" noAdjustHandles="1" noChangeArrowheads="1" noChangeShapeType="1" noTextEdit="1"/>
+          </p:cNvSpPr>
+          <p:nvPr>
+            <p:extLst>
+              <p:ext uri="{386F3935-93C4-4BCD-93E2-E3B085C9AB24}">
+                <p16:designElem xmlns:p16="http://schemas.microsoft.com/office/powerpoint/2015/main" val="1"/>
+              </p:ext>
+            </p:extLst>
+          </p:nvPr>
+        </p:nvSpPr>
+        <p:spPr bwMode="ltGray">
+          <a:xfrm>
+            <a:off x="321564" y="320040"/>
+            <a:ext cx="11548872" cy="6217920"/>
+          </a:xfrm>
+          <a:prstGeom prst="rect">
+            <a:avLst/>
+          </a:prstGeom>
+          <a:solidFill>
+            <a:schemeClr val="tx1">
+              <a:alpha val="10000"/>
+            </a:schemeClr>
+          </a:solidFill>
+          <a:ln w="127000" cap="sq" cmpd="thinThick">
+            <a:noFill/>
+          </a:ln>
+        </p:spPr>
+        <p:style>
+          <a:lnRef idx="2">
+            <a:schemeClr val="accent1">
+              <a:shade val="50000"/>
+            </a:schemeClr>
+          </a:lnRef>
+          <a:fillRef idx="1">
+            <a:schemeClr val="accent1"/>
+          </a:fillRef>
+          <a:effectRef idx="0">
+            <a:schemeClr val="accent1"/>
+          </a:effectRef>
+          <a:fontRef idx="minor">
+            <a:schemeClr val="lt1"/>
+          </a:fontRef>
+        </p:style>
+        <p:txBody>
+          <a:bodyPr rtlCol="0" anchor="ctr"/>
+          <a:lstStyle/>
+          <a:p>
+            <a:pPr algn="ctr"/>
+            <a:endParaRPr lang="en-US"/>
+          </a:p>
+        </p:txBody>
+      </p:sp>
+      <p:sp>
+        <p:nvSpPr>
+          <p:cNvPr id="2" name="Title 1">
+            <a:extLst>
+              <a:ext uri="{FF2B5EF4-FFF2-40B4-BE49-F238E27FC236}">
+                <a16:creationId xmlns:a16="http://schemas.microsoft.com/office/drawing/2014/main" id="{B5040152-28F9-7444-89A0-095C405443C7}"/>
+              </a:ext>
+            </a:extLst>
+          </p:cNvPr>
+          <p:cNvSpPr>
+            <a:spLocks noGrp="1"/>
+          </p:cNvSpPr>
+          <p:nvPr>
+            <p:ph type="title"/>
+          </p:nvPr>
+        </p:nvSpPr>
+        <p:spPr>
+          <a:xfrm>
+            <a:off x="838200" y="963507"/>
+            <a:ext cx="3494362" cy="4930986"/>
+          </a:xfrm>
+        </p:spPr>
+        <p:txBody>
+          <a:bodyPr>
+            <a:normAutofit/>
+          </a:bodyPr>
+          <a:lstStyle/>
+          <a:p>
+            <a:pPr algn="r"/>
+            <a:r>
+              <a:rPr lang="en-US">
+                <a:solidFill>
+                  <a:schemeClr val="accent1"/>
+                </a:solidFill>
+                <a:latin typeface="+mn-lt"/>
+              </a:rPr>
+              <a:t>Point 1 - Problem</a:t>
+            </a:r>
+          </a:p>
+        </p:txBody>
+      </p:sp>
+      <p:cxnSp>
+        <p:nvCxnSpPr>
+          <p:cNvPr id="18" name="Straight Connector 17">
+            <a:extLst>
+              <a:ext uri="{FF2B5EF4-FFF2-40B4-BE49-F238E27FC236}">
+                <a16:creationId xmlns:a16="http://schemas.microsoft.com/office/drawing/2014/main" id="{5021601D-2758-4B15-A31C-FDA184C51B3A}"/>
+              </a:ext>
+              <a:ext uri="{C183D7F6-B498-43B3-948B-1728B52AA6E4}">
+                <adec:decorative xmlns:adec="http://schemas.microsoft.com/office/drawing/2017/decorative" val="1"/>
+              </a:ext>
+            </a:extLst>
+          </p:cNvPr>
+          <p:cNvCxnSpPr>
+            <a:cxnSpLocks noGrp="1" noRot="1" noChangeAspect="1" noMove="1" noResize="1" noEditPoints="1" noAdjustHandles="1" noChangeArrowheads="1" noChangeShapeType="1"/>
+          </p:cNvCxnSpPr>
+          <p:nvPr>
+            <p:extLst>
+              <p:ext uri="{386F3935-93C4-4BCD-93E2-E3B085C9AB24}">
+                <p16:designElem xmlns:p16="http://schemas.microsoft.com/office/powerpoint/2015/main" val="1"/>
+              </p:ext>
+            </p:extLst>
+          </p:nvPr>
+        </p:nvCxnSpPr>
+        <p:spPr>
+          <a:xfrm>
+            <a:off x="4654296" y="2057400"/>
+            <a:ext cx="0" cy="2743200"/>
+          </a:xfrm>
+          <a:prstGeom prst="line">
+            <a:avLst/>
+          </a:prstGeom>
+          <a:ln w="19050">
+            <a:solidFill>
+              <a:schemeClr val="tx1">
+                <a:lumMod val="85000"/>
+                <a:lumOff val="15000"/>
+              </a:schemeClr>
+            </a:solidFill>
+          </a:ln>
+        </p:spPr>
+        <p:style>
+          <a:lnRef idx="1">
+            <a:schemeClr val="accent1"/>
+          </a:lnRef>
+          <a:fillRef idx="0">
+            <a:schemeClr val="accent1"/>
+          </a:fillRef>
+          <a:effectRef idx="0">
+            <a:schemeClr val="accent1"/>
+          </a:effectRef>
+          <a:fontRef idx="minor">
+            <a:schemeClr val="tx1"/>
+          </a:fontRef>
+        </p:style>
+      </p:cxnSp>
+      <p:sp>
+        <p:nvSpPr>
+          <p:cNvPr id="9" name="Content Placeholder 8">
+            <a:extLst>
+              <a:ext uri="{FF2B5EF4-FFF2-40B4-BE49-F238E27FC236}">
+                <a16:creationId xmlns:a16="http://schemas.microsoft.com/office/drawing/2014/main" id="{822B7238-F257-FB43-828C-01781C2C5B08}"/>
+              </a:ext>
+            </a:extLst>
+          </p:cNvPr>
+          <p:cNvSpPr>
+            <a:spLocks noGrp="1"/>
+          </p:cNvSpPr>
+          <p:nvPr>
+            <p:ph sz="half" idx="1"/>
+          </p:nvPr>
+        </p:nvSpPr>
+        <p:spPr>
+          <a:xfrm>
+            <a:off x="4976030" y="963507"/>
+            <a:ext cx="6250940" cy="2304627"/>
+          </a:xfrm>
+        </p:spPr>
+        <p:txBody>
+          <a:bodyPr anchor="b">
+            <a:normAutofit/>
+          </a:bodyPr>
+          <a:lstStyle/>
+          <a:p>
+            <a:r>
+              <a:rPr lang="en-US" sz="2000" dirty="0"/>
+              <a:t>Problem</a:t>
+            </a:r>
+          </a:p>
+          <a:p>
+            <a:pPr lvl="1"/>
+            <a:r>
+              <a:rPr lang="en-US" sz="2000" dirty="0"/>
+              <a:t>A</a:t>
+            </a:r>
+          </a:p>
+          <a:p>
+            <a:pPr lvl="1"/>
+            <a:r>
+              <a:rPr lang="en-US" sz="2000" dirty="0"/>
+              <a:t>B</a:t>
+            </a:r>
+          </a:p>
+          <a:p>
+            <a:pPr lvl="1"/>
+            <a:r>
+              <a:rPr lang="en-US" sz="2000" dirty="0"/>
+              <a:t>C</a:t>
+            </a:r>
+          </a:p>
+        </p:txBody>
+      </p:sp>
+      <p:sp>
+        <p:nvSpPr>
+          <p:cNvPr id="4" name="Content Placeholder 3">
+            <a:extLst>
+              <a:ext uri="{FF2B5EF4-FFF2-40B4-BE49-F238E27FC236}">
+                <a16:creationId xmlns:a16="http://schemas.microsoft.com/office/drawing/2014/main" id="{1A48F9C7-DF0D-E04D-B211-E485F6A67C31}"/>
+              </a:ext>
+            </a:extLst>
+          </p:cNvPr>
+          <p:cNvSpPr>
+            <a:spLocks noGrp="1"/>
+          </p:cNvSpPr>
+          <p:nvPr>
+            <p:ph sz="half" idx="2"/>
+          </p:nvPr>
+        </p:nvSpPr>
+        <p:spPr>
+          <a:xfrm>
+            <a:off x="4976030" y="3589866"/>
+            <a:ext cx="6250940" cy="2304628"/>
+          </a:xfrm>
+        </p:spPr>
+        <p:txBody>
+          <a:bodyPr>
+            <a:normAutofit/>
+          </a:bodyPr>
+          <a:lstStyle/>
+          <a:p>
+            <a:endParaRPr lang="en-US" sz="2000"/>
+          </a:p>
+        </p:txBody>
+      </p:sp>
+    </p:spTree>
+    <p:extLst>
+      <p:ext uri="{BB962C8B-B14F-4D97-AF65-F5344CB8AC3E}">
+        <p14:creationId xmlns:p14="http://schemas.microsoft.com/office/powerpoint/2010/main" val="3777725358"/>
+      </p:ext>
+    </p:extLst>
+  </p:cSld>
+  <p:clrMapOvr>
+    <a:masterClrMapping/>
+  </p:clrMapOvr>
+</p:sld>
+</file>
+
+<file path=ppt/slides/slide7.xml><?xml version="1.0" encoding="utf-8"?>
+<p:sld xmlns:a="http://schemas.openxmlformats.org/drawingml/2006/main" xmlns:r="http://schemas.openxmlformats.org/officeDocument/2006/relationships" xmlns:p="http://schemas.openxmlformats.org/presentationml/2006/main">
+  <p:cSld>
+    <p:bg>
+      <p:bgPr>
+        <a:solidFill>
+          <a:schemeClr val="bg1"/>
+        </a:solidFill>
+        <a:effectLst/>
+      </p:bgPr>
+    </p:bg>
+    <p:spTree>
+      <p:nvGrpSpPr>
+        <p:cNvPr id="1" name=""/>
+        <p:cNvGrpSpPr/>
+        <p:nvPr/>
+      </p:nvGrpSpPr>
+      <p:grpSpPr>
+        <a:xfrm>
+          <a:off x="0" y="0"/>
+          <a:ext cx="0" cy="0"/>
+          <a:chOff x="0" y="0"/>
+          <a:chExt cx="0" cy="0"/>
+        </a:xfrm>
+      </p:grpSpPr>
+      <p:sp>
+        <p:nvSpPr>
+          <p:cNvPr id="14" name="Rectangle 13">
+            <a:extLst>
+              <a:ext uri="{FF2B5EF4-FFF2-40B4-BE49-F238E27FC236}">
+                <a16:creationId xmlns:a16="http://schemas.microsoft.com/office/drawing/2014/main" id="{8CA06CD6-90CA-4C45-856C-6771339E1E22}"/>
+              </a:ext>
+              <a:ext uri="{C183D7F6-B498-43B3-948B-1728B52AA6E4}">
+                <adec:decorative xmlns:adec="http://schemas.microsoft.com/office/drawing/2017/decorative" val="1"/>
+              </a:ext>
+            </a:extLst>
+          </p:cNvPr>
+          <p:cNvSpPr>
+            <a:spLocks noGrp="1" noRot="1" noChangeAspect="1" noMove="1" noResize="1" noEditPoints="1" noAdjustHandles="1" noChangeArrowheads="1" noChangeShapeType="1" noTextEdit="1"/>
+          </p:cNvSpPr>
+          <p:nvPr>
+            <p:extLst>
+              <p:ext uri="{386F3935-93C4-4BCD-93E2-E3B085C9AB24}">
+                <p16:designElem xmlns:p16="http://schemas.microsoft.com/office/powerpoint/2015/main" val="1"/>
+              </p:ext>
+            </p:extLst>
+          </p:nvPr>
+        </p:nvSpPr>
+        <p:spPr bwMode="ltGray">
+          <a:xfrm>
+            <a:off x="321564" y="320040"/>
+            <a:ext cx="11548872" cy="6217920"/>
+          </a:xfrm>
+          <a:prstGeom prst="rect">
+            <a:avLst/>
+          </a:prstGeom>
+          <a:solidFill>
+            <a:schemeClr val="tx1">
+              <a:alpha val="10000"/>
+            </a:schemeClr>
+          </a:solidFill>
+          <a:ln w="127000" cap="sq" cmpd="thinThick">
+            <a:noFill/>
+          </a:ln>
+        </p:spPr>
+        <p:style>
+          <a:lnRef idx="2">
+            <a:schemeClr val="accent1">
+              <a:shade val="50000"/>
+            </a:schemeClr>
+          </a:lnRef>
+          <a:fillRef idx="1">
+            <a:schemeClr val="accent1"/>
+          </a:fillRef>
+          <a:effectRef idx="0">
+            <a:schemeClr val="accent1"/>
+          </a:effectRef>
+          <a:fontRef idx="minor">
+            <a:schemeClr val="lt1"/>
+          </a:fontRef>
+        </p:style>
+        <p:txBody>
+          <a:bodyPr rtlCol="0" anchor="ctr"/>
+          <a:lstStyle/>
+          <a:p>
+            <a:pPr algn="ctr"/>
+            <a:endParaRPr lang="en-US"/>
+          </a:p>
+        </p:txBody>
+      </p:sp>
+      <p:sp>
+        <p:nvSpPr>
+          <p:cNvPr id="2" name="Title 1">
+            <a:extLst>
+              <a:ext uri="{FF2B5EF4-FFF2-40B4-BE49-F238E27FC236}">
+                <a16:creationId xmlns:a16="http://schemas.microsoft.com/office/drawing/2014/main" id="{B5040152-28F9-7444-89A0-095C405443C7}"/>
+              </a:ext>
+            </a:extLst>
+          </p:cNvPr>
+          <p:cNvSpPr>
+            <a:spLocks noGrp="1"/>
+          </p:cNvSpPr>
+          <p:nvPr>
+            <p:ph type="title"/>
+          </p:nvPr>
+        </p:nvSpPr>
+        <p:spPr>
+          <a:xfrm>
+            <a:off x="838200" y="963507"/>
+            <a:ext cx="3494362" cy="4930986"/>
+          </a:xfrm>
+        </p:spPr>
+        <p:txBody>
+          <a:bodyPr>
+            <a:normAutofit/>
+          </a:bodyPr>
+          <a:lstStyle/>
+          <a:p>
+            <a:pPr algn="r"/>
+            <a:r>
+              <a:rPr lang="en-US">
+                <a:solidFill>
+                  <a:schemeClr val="accent1"/>
+                </a:solidFill>
+                <a:latin typeface="+mn-lt"/>
+              </a:rPr>
+              <a:t>Point 1 - Context</a:t>
+            </a:r>
+          </a:p>
+        </p:txBody>
+      </p:sp>
+      <p:cxnSp>
+        <p:nvCxnSpPr>
+          <p:cNvPr id="16" name="Straight Connector 15">
+            <a:extLst>
+              <a:ext uri="{FF2B5EF4-FFF2-40B4-BE49-F238E27FC236}">
+                <a16:creationId xmlns:a16="http://schemas.microsoft.com/office/drawing/2014/main" id="{5021601D-2758-4B15-A31C-FDA184C51B3A}"/>
+              </a:ext>
+              <a:ext uri="{C183D7F6-B498-43B3-948B-1728B52AA6E4}">
+                <adec:decorative xmlns:adec="http://schemas.microsoft.com/office/drawing/2017/decorative" val="1"/>
+              </a:ext>
+            </a:extLst>
+          </p:cNvPr>
+          <p:cNvCxnSpPr>
+            <a:cxnSpLocks noGrp="1" noRot="1" noChangeAspect="1" noMove="1" noResize="1" noEditPoints="1" noAdjustHandles="1" noChangeArrowheads="1" noChangeShapeType="1"/>
+          </p:cNvCxnSpPr>
+          <p:nvPr>
+            <p:extLst>
+              <p:ext uri="{386F3935-93C4-4BCD-93E2-E3B085C9AB24}">
+                <p16:designElem xmlns:p16="http://schemas.microsoft.com/office/powerpoint/2015/main" val="1"/>
+              </p:ext>
+            </p:extLst>
+          </p:nvPr>
+        </p:nvCxnSpPr>
+        <p:spPr>
+          <a:xfrm>
+            <a:off x="4654296" y="2057400"/>
+            <a:ext cx="0" cy="2743200"/>
+          </a:xfrm>
+          <a:prstGeom prst="line">
+            <a:avLst/>
+          </a:prstGeom>
+          <a:ln w="19050">
+            <a:solidFill>
+              <a:schemeClr val="tx1">
+                <a:lumMod val="85000"/>
+                <a:lumOff val="15000"/>
+              </a:schemeClr>
+            </a:solidFill>
+          </a:ln>
+        </p:spPr>
+        <p:style>
+          <a:lnRef idx="1">
+            <a:schemeClr val="accent1"/>
+          </a:lnRef>
+          <a:fillRef idx="0">
+            <a:schemeClr val="accent1"/>
+          </a:fillRef>
+          <a:effectRef idx="0">
+            <a:schemeClr val="accent1"/>
+          </a:effectRef>
+          <a:fontRef idx="minor">
+            <a:schemeClr val="tx1"/>
+          </a:fontRef>
+        </p:style>
+      </p:cxnSp>
+      <p:sp>
+        <p:nvSpPr>
+          <p:cNvPr id="9" name="Content Placeholder 8">
+            <a:extLst>
+              <a:ext uri="{FF2B5EF4-FFF2-40B4-BE49-F238E27FC236}">
+                <a16:creationId xmlns:a16="http://schemas.microsoft.com/office/drawing/2014/main" id="{822B7238-F257-FB43-828C-01781C2C5B08}"/>
+              </a:ext>
+            </a:extLst>
+          </p:cNvPr>
+          <p:cNvSpPr>
+            <a:spLocks noGrp="1"/>
+          </p:cNvSpPr>
+          <p:nvPr>
+            <p:ph sz="half" idx="1"/>
+          </p:nvPr>
+        </p:nvSpPr>
+        <p:spPr>
+          <a:xfrm>
+            <a:off x="4976030" y="963507"/>
+            <a:ext cx="6250940" cy="2304627"/>
+          </a:xfrm>
+        </p:spPr>
+        <p:txBody>
+          <a:bodyPr anchor="b">
+            <a:normAutofit/>
+          </a:bodyPr>
+          <a:lstStyle/>
+          <a:p>
+            <a:r>
+              <a:rPr lang="en-US" sz="2000"/>
+              <a:t>Context</a:t>
+            </a:r>
+          </a:p>
+          <a:p>
+            <a:pPr lvl="1"/>
+            <a:r>
+              <a:rPr lang="en-US" sz="2000"/>
+              <a:t>A</a:t>
+            </a:r>
+          </a:p>
+          <a:p>
+            <a:pPr lvl="1"/>
+            <a:r>
+              <a:rPr lang="en-US" sz="2000"/>
+              <a:t>B</a:t>
+            </a:r>
+          </a:p>
+          <a:p>
+            <a:pPr lvl="1"/>
+            <a:r>
+              <a:rPr lang="en-US" sz="2000"/>
+              <a:t>C</a:t>
+            </a:r>
+          </a:p>
+          <a:p>
+            <a:pPr lvl="1"/>
+            <a:endParaRPr lang="en-US" sz="2000"/>
+          </a:p>
+        </p:txBody>
+      </p:sp>
+      <p:sp>
+        <p:nvSpPr>
+          <p:cNvPr id="3" name="Content Placeholder 2">
+            <a:extLst>
+              <a:ext uri="{FF2B5EF4-FFF2-40B4-BE49-F238E27FC236}">
+                <a16:creationId xmlns:a16="http://schemas.microsoft.com/office/drawing/2014/main" id="{46DB5633-5961-C346-B2AF-21567CF9D6DC}"/>
+              </a:ext>
+            </a:extLst>
+          </p:cNvPr>
+          <p:cNvSpPr>
+            <a:spLocks noGrp="1"/>
+          </p:cNvSpPr>
+          <p:nvPr>
+            <p:ph sz="half" idx="2"/>
+          </p:nvPr>
+        </p:nvSpPr>
+        <p:spPr>
+          <a:xfrm>
+            <a:off x="4976030" y="3589866"/>
+            <a:ext cx="6250940" cy="2304628"/>
+          </a:xfrm>
+        </p:spPr>
+        <p:txBody>
+          <a:bodyPr>
+            <a:normAutofit/>
+          </a:bodyPr>
+          <a:lstStyle/>
+          <a:p>
+            <a:endParaRPr lang="en-US" sz="2000"/>
+          </a:p>
+        </p:txBody>
+      </p:sp>
+    </p:spTree>
+    <p:extLst>
+      <p:ext uri="{BB962C8B-B14F-4D97-AF65-F5344CB8AC3E}">
+        <p14:creationId xmlns:p14="http://schemas.microsoft.com/office/powerpoint/2010/main" val="2933986661"/>
+      </p:ext>
+    </p:extLst>
+  </p:cSld>
+  <p:clrMapOvr>
+    <a:masterClrMapping/>
+  </p:clrMapOvr>
+</p:sld>
+</file>
+
+<file path=ppt/slides/slide8.xml><?xml version="1.0" encoding="utf-8"?>
+<p:sld xmlns:a="http://schemas.openxmlformats.org/drawingml/2006/main" xmlns:r="http://schemas.openxmlformats.org/officeDocument/2006/relationships" xmlns:p="http://schemas.openxmlformats.org/presentationml/2006/main">
+  <p:cSld>
+    <p:bg>
+      <p:bgPr>
+        <a:solidFill>
+          <a:schemeClr val="bg1"/>
+        </a:solidFill>
+        <a:effectLst/>
+      </p:bgPr>
+    </p:bg>
+    <p:spTree>
+      <p:nvGrpSpPr>
+        <p:cNvPr id="1" name=""/>
+        <p:cNvGrpSpPr/>
+        <p:nvPr/>
+      </p:nvGrpSpPr>
+      <p:grpSpPr>
+        <a:xfrm>
+          <a:off x="0" y="0"/>
+          <a:ext cx="0" cy="0"/>
+          <a:chOff x="0" y="0"/>
+          <a:chExt cx="0" cy="0"/>
+        </a:xfrm>
+      </p:grpSpPr>
+      <p:sp>
+        <p:nvSpPr>
+          <p:cNvPr id="14" name="Rectangle 13">
+            <a:extLst>
+              <a:ext uri="{FF2B5EF4-FFF2-40B4-BE49-F238E27FC236}">
+                <a16:creationId xmlns:a16="http://schemas.microsoft.com/office/drawing/2014/main" id="{8CA06CD6-90CA-4C45-856C-6771339E1E22}"/>
+              </a:ext>
+              <a:ext uri="{C183D7F6-B498-43B3-948B-1728B52AA6E4}">
+                <adec:decorative xmlns:adec="http://schemas.microsoft.com/office/drawing/2017/decorative" val="1"/>
+              </a:ext>
+            </a:extLst>
+          </p:cNvPr>
+          <p:cNvSpPr>
+            <a:spLocks noGrp="1" noRot="1" noChangeAspect="1" noMove="1" noResize="1" noEditPoints="1" noAdjustHandles="1" noChangeArrowheads="1" noChangeShapeType="1" noTextEdit="1"/>
+          </p:cNvSpPr>
+          <p:nvPr>
+            <p:extLst>
+              <p:ext uri="{386F3935-93C4-4BCD-93E2-E3B085C9AB24}">
+                <p16:designElem xmlns:p16="http://schemas.microsoft.com/office/powerpoint/2015/main" val="1"/>
+              </p:ext>
+            </p:extLst>
+          </p:nvPr>
+        </p:nvSpPr>
+        <p:spPr bwMode="ltGray">
+          <a:xfrm>
+            <a:off x="321564" y="320040"/>
+            <a:ext cx="11548872" cy="6217920"/>
+          </a:xfrm>
+          <a:prstGeom prst="rect">
+            <a:avLst/>
+          </a:prstGeom>
+          <a:solidFill>
+            <a:schemeClr val="tx1">
+              <a:alpha val="10000"/>
+            </a:schemeClr>
+          </a:solidFill>
+          <a:ln w="127000" cap="sq" cmpd="thinThick">
+            <a:noFill/>
+          </a:ln>
+        </p:spPr>
+        <p:style>
+          <a:lnRef idx="2">
+            <a:schemeClr val="accent1">
+              <a:shade val="50000"/>
+            </a:schemeClr>
+          </a:lnRef>
+          <a:fillRef idx="1">
+            <a:schemeClr val="accent1"/>
+          </a:fillRef>
+          <a:effectRef idx="0">
+            <a:schemeClr val="accent1"/>
+          </a:effectRef>
+          <a:fontRef idx="minor">
+            <a:schemeClr val="lt1"/>
+          </a:fontRef>
+        </p:style>
+        <p:txBody>
+          <a:bodyPr rtlCol="0" anchor="ctr"/>
+          <a:lstStyle/>
+          <a:p>
+            <a:pPr algn="ctr"/>
+            <a:endParaRPr lang="en-US"/>
+          </a:p>
+        </p:txBody>
+      </p:sp>
+      <p:sp>
+        <p:nvSpPr>
+          <p:cNvPr id="2" name="Title 1">
+            <a:extLst>
+              <a:ext uri="{FF2B5EF4-FFF2-40B4-BE49-F238E27FC236}">
+                <a16:creationId xmlns:a16="http://schemas.microsoft.com/office/drawing/2014/main" id="{B5040152-28F9-7444-89A0-095C405443C7}"/>
+              </a:ext>
+            </a:extLst>
+          </p:cNvPr>
+          <p:cNvSpPr>
+            <a:spLocks noGrp="1"/>
+          </p:cNvSpPr>
+          <p:nvPr>
+            <p:ph type="title"/>
+          </p:nvPr>
+        </p:nvSpPr>
+        <p:spPr>
+          <a:xfrm>
+            <a:off x="838200" y="963507"/>
+            <a:ext cx="3494362" cy="4930986"/>
+          </a:xfrm>
+        </p:spPr>
+        <p:txBody>
+          <a:bodyPr>
+            <a:normAutofit/>
+          </a:bodyPr>
+          <a:lstStyle/>
+          <a:p>
+            <a:pPr algn="r"/>
+            <a:r>
+              <a:rPr lang="en-US">
+                <a:solidFill>
+                  <a:schemeClr val="accent1"/>
+                </a:solidFill>
+                <a:latin typeface="+mn-lt"/>
+              </a:rPr>
+              <a:t>Point 1 - Solution</a:t>
+            </a:r>
+          </a:p>
+        </p:txBody>
+      </p:sp>
+      <p:cxnSp>
+        <p:nvCxnSpPr>
+          <p:cNvPr id="16" name="Straight Connector 15">
+            <a:extLst>
+              <a:ext uri="{FF2B5EF4-FFF2-40B4-BE49-F238E27FC236}">
+                <a16:creationId xmlns:a16="http://schemas.microsoft.com/office/drawing/2014/main" id="{5021601D-2758-4B15-A31C-FDA184C51B3A}"/>
+              </a:ext>
+              <a:ext uri="{C183D7F6-B498-43B3-948B-1728B52AA6E4}">
+                <adec:decorative xmlns:adec="http://schemas.microsoft.com/office/drawing/2017/decorative" val="1"/>
+              </a:ext>
+            </a:extLst>
+          </p:cNvPr>
+          <p:cNvCxnSpPr>
+            <a:cxnSpLocks noGrp="1" noRot="1" noChangeAspect="1" noMove="1" noResize="1" noEditPoints="1" noAdjustHandles="1" noChangeArrowheads="1" noChangeShapeType="1"/>
+          </p:cNvCxnSpPr>
+          <p:nvPr>
+            <p:extLst>
+              <p:ext uri="{386F3935-93C4-4BCD-93E2-E3B085C9AB24}">
+                <p16:designElem xmlns:p16="http://schemas.microsoft.com/office/powerpoint/2015/main" val="1"/>
+              </p:ext>
+            </p:extLst>
+          </p:nvPr>
+        </p:nvCxnSpPr>
+        <p:spPr>
+          <a:xfrm>
+            <a:off x="4654296" y="2057400"/>
+            <a:ext cx="0" cy="2743200"/>
+          </a:xfrm>
+          <a:prstGeom prst="line">
+            <a:avLst/>
+          </a:prstGeom>
+          <a:ln w="19050">
+            <a:solidFill>
+              <a:schemeClr val="tx1">
+                <a:lumMod val="85000"/>
+                <a:lumOff val="15000"/>
+              </a:schemeClr>
+            </a:solidFill>
+          </a:ln>
+        </p:spPr>
+        <p:style>
+          <a:lnRef idx="1">
+            <a:schemeClr val="accent1"/>
+          </a:lnRef>
+          <a:fillRef idx="0">
+            <a:schemeClr val="accent1"/>
+          </a:fillRef>
+          <a:effectRef idx="0">
+            <a:schemeClr val="accent1"/>
+          </a:effectRef>
+          <a:fontRef idx="minor">
+            <a:schemeClr val="tx1"/>
+          </a:fontRef>
+        </p:style>
+      </p:cxnSp>
+      <p:sp>
+        <p:nvSpPr>
+          <p:cNvPr id="9" name="Content Placeholder 8">
+            <a:extLst>
+              <a:ext uri="{FF2B5EF4-FFF2-40B4-BE49-F238E27FC236}">
+                <a16:creationId xmlns:a16="http://schemas.microsoft.com/office/drawing/2014/main" id="{822B7238-F257-FB43-828C-01781C2C5B08}"/>
+              </a:ext>
+            </a:extLst>
+          </p:cNvPr>
+          <p:cNvSpPr>
+            <a:spLocks noGrp="1"/>
+          </p:cNvSpPr>
+          <p:nvPr>
+            <p:ph sz="half" idx="1"/>
+          </p:nvPr>
+        </p:nvSpPr>
+        <p:spPr>
+          <a:xfrm>
+            <a:off x="4976030" y="963507"/>
+            <a:ext cx="6250940" cy="2304627"/>
+          </a:xfrm>
+        </p:spPr>
+        <p:txBody>
+          <a:bodyPr anchor="b">
+            <a:normAutofit/>
+          </a:bodyPr>
+          <a:lstStyle/>
+          <a:p>
+            <a:r>
+              <a:rPr lang="en-US" sz="2000"/>
+              <a:t>Solution</a:t>
+            </a:r>
+          </a:p>
+          <a:p>
+            <a:pPr lvl="1"/>
+            <a:r>
+              <a:rPr lang="en-US" sz="2000"/>
+              <a:t>A</a:t>
+            </a:r>
+          </a:p>
+          <a:p>
+            <a:pPr lvl="1"/>
+            <a:r>
+              <a:rPr lang="en-US" sz="2000"/>
+              <a:t>B</a:t>
+            </a:r>
+          </a:p>
+          <a:p>
+            <a:pPr lvl="1"/>
+            <a:r>
+              <a:rPr lang="en-US" sz="2000"/>
+              <a:t>C</a:t>
+            </a:r>
+          </a:p>
+          <a:p>
+            <a:pPr lvl="1"/>
+            <a:endParaRPr lang="en-US" sz="2000"/>
+          </a:p>
+        </p:txBody>
+      </p:sp>
+      <p:sp>
+        <p:nvSpPr>
+          <p:cNvPr id="3" name="Content Placeholder 2">
+            <a:extLst>
+              <a:ext uri="{FF2B5EF4-FFF2-40B4-BE49-F238E27FC236}">
+                <a16:creationId xmlns:a16="http://schemas.microsoft.com/office/drawing/2014/main" id="{3685C91F-C086-8E45-99E3-F828ECDF7375}"/>
+              </a:ext>
+            </a:extLst>
+          </p:cNvPr>
+          <p:cNvSpPr>
+            <a:spLocks noGrp="1"/>
+          </p:cNvSpPr>
+          <p:nvPr>
+            <p:ph sz="half" idx="2"/>
+          </p:nvPr>
+        </p:nvSpPr>
+        <p:spPr>
+          <a:xfrm>
+            <a:off x="4976030" y="3589866"/>
+            <a:ext cx="6250940" cy="2304628"/>
+          </a:xfrm>
+        </p:spPr>
+        <p:txBody>
+          <a:bodyPr>
+            <a:normAutofit/>
+          </a:bodyPr>
+          <a:lstStyle/>
+          <a:p>
+            <a:endParaRPr lang="en-US" sz="2000"/>
+          </a:p>
+        </p:txBody>
+      </p:sp>
+    </p:spTree>
+    <p:extLst>
+      <p:ext uri="{BB962C8B-B14F-4D97-AF65-F5344CB8AC3E}">
+        <p14:creationId xmlns:p14="http://schemas.microsoft.com/office/powerpoint/2010/main" val="2788123954"/>
+      </p:ext>
+    </p:extLst>
+  </p:cSld>
+  <p:clrMapOvr>
+    <a:masterClrMapping/>
+  </p:clrMapOvr>
+</p:sld>
+</file>
+
+<file path=ppt/slides/slide9.xml><?xml version="1.0" encoding="utf-8"?>
+<p:sld xmlns:a="http://schemas.openxmlformats.org/drawingml/2006/main" xmlns:r="http://schemas.openxmlformats.org/officeDocument/2006/relationships" xmlns:p="http://schemas.openxmlformats.org/presentationml/2006/main">
+  <p:cSld>
+    <p:bg>
+      <p:bgPr>
+        <a:solidFill>
+          <a:schemeClr val="bg1"/>
+        </a:solidFill>
+        <a:effectLst/>
+      </p:bgPr>
+    </p:bg>
+    <p:spTree>
+      <p:nvGrpSpPr>
+        <p:cNvPr id="1" name=""/>
+        <p:cNvGrpSpPr/>
+        <p:nvPr/>
+      </p:nvGrpSpPr>
+      <p:grpSpPr>
+        <a:xfrm>
+          <a:off x="0" y="0"/>
+          <a:ext cx="0" cy="0"/>
+          <a:chOff x="0" y="0"/>
+          <a:chExt cx="0" cy="0"/>
+        </a:xfrm>
+      </p:grpSpPr>
+      <p:sp>
+        <p:nvSpPr>
+          <p:cNvPr id="9" name="Rectangle 8">
+            <a:extLst>
+              <a:ext uri="{FF2B5EF4-FFF2-40B4-BE49-F238E27FC236}">
+                <a16:creationId xmlns:a16="http://schemas.microsoft.com/office/drawing/2014/main" id="{8D70B121-56F4-4848-B38B-182089D909FA}"/>
+              </a:ext>
+              <a:ext uri="{C183D7F6-B498-43B3-948B-1728B52AA6E4}">
+                <adec:decorative xmlns:adec="http://schemas.microsoft.com/office/drawing/2017/decorative" val="1"/>
+              </a:ext>
+            </a:extLst>
+          </p:cNvPr>
+          <p:cNvSpPr>
+            <a:spLocks noGrp="1" noRot="1" noChangeAspect="1" noMove="1" noResize="1" noEditPoints="1" noAdjustHandles="1" noChangeArrowheads="1" noChangeShapeType="1" noTextEdit="1"/>
+          </p:cNvSpPr>
+          <p:nvPr>
+            <p:extLst>
+              <p:ext uri="{386F3935-93C4-4BCD-93E2-E3B085C9AB24}">
+                <p16:designElem xmlns:p16="http://schemas.microsoft.com/office/powerpoint/2015/main" val="1"/>
+              </p:ext>
+            </p:extLst>
+          </p:nvPr>
+        </p:nvSpPr>
+        <p:spPr bwMode="ltGray">
+          <a:xfrm>
+            <a:off x="321564" y="320040"/>
+            <a:ext cx="11548872" cy="6217920"/>
+          </a:xfrm>
+          <a:prstGeom prst="rect">
+            <a:avLst/>
+          </a:prstGeom>
+          <a:solidFill>
+            <a:schemeClr val="tx1">
+              <a:alpha val="8000"/>
+            </a:schemeClr>
+          </a:solidFill>
+          <a:ln w="127000" cap="sq" cmpd="thinThick">
+            <a:noFill/>
+          </a:ln>
+        </p:spPr>
+        <p:style>
+          <a:lnRef idx="2">
+            <a:schemeClr val="accent1">
+              <a:shade val="50000"/>
+            </a:schemeClr>
+          </a:lnRef>
+          <a:fillRef idx="1">
+            <a:schemeClr val="accent1"/>
+          </a:fillRef>
+          <a:effectRef idx="0">
+            <a:schemeClr val="accent1"/>
+          </a:effectRef>
+          <a:fontRef idx="minor">
+            <a:schemeClr val="lt1"/>
+          </a:fontRef>
+        </p:style>
+        <p:txBody>
+          <a:bodyPr rtlCol="0" anchor="ctr"/>
+          <a:lstStyle/>
+          <a:p>
+            <a:pPr algn="ctr"/>
+            <a:endParaRPr lang="en-US"/>
+          </a:p>
+        </p:txBody>
+      </p:sp>
+      <p:sp>
+        <p:nvSpPr>
+          <p:cNvPr id="2" name="Title 1">
+            <a:extLst>
+              <a:ext uri="{FF2B5EF4-FFF2-40B4-BE49-F238E27FC236}">
+                <a16:creationId xmlns:a16="http://schemas.microsoft.com/office/drawing/2014/main" id="{B5040152-28F9-7444-89A0-095C405443C7}"/>
+              </a:ext>
+            </a:extLst>
+          </p:cNvPr>
+          <p:cNvSpPr>
+            <a:spLocks noGrp="1"/>
+          </p:cNvSpPr>
+          <p:nvPr>
+            <p:ph type="title"/>
+          </p:nvPr>
+        </p:nvSpPr>
+        <p:spPr>
+          <a:xfrm>
+            <a:off x="838200" y="963877"/>
+            <a:ext cx="3494362" cy="4930246"/>
+          </a:xfrm>
+        </p:spPr>
+        <p:txBody>
+          <a:bodyPr vert="horz" lIns="91440" tIns="45720" rIns="91440" bIns="45720" rtlCol="0" anchor="ctr">
+            <a:normAutofit/>
+          </a:bodyPr>
+          <a:lstStyle/>
+          <a:p>
+            <a:pPr algn="r"/>
+            <a:r>
+              <a:rPr lang="en-US" kern="1200">
+                <a:solidFill>
+                  <a:schemeClr val="accent1"/>
+                </a:solidFill>
+                <a:latin typeface="+mj-lt"/>
+                <a:ea typeface="+mj-ea"/>
+                <a:cs typeface="+mj-cs"/>
+              </a:rPr>
+              <a:t>Conclusion</a:t>
+            </a:r>
+          </a:p>
+        </p:txBody>
+      </p:sp>
+      <p:cxnSp>
+        <p:nvCxnSpPr>
+          <p:cNvPr id="11" name="Straight Connector 10">
+            <a:extLst>
+              <a:ext uri="{FF2B5EF4-FFF2-40B4-BE49-F238E27FC236}">
+                <a16:creationId xmlns:a16="http://schemas.microsoft.com/office/drawing/2014/main" id="{2D72A2C9-F3CA-4216-8BAD-FA4C970C3C4E}"/>
+              </a:ext>
+              <a:ext uri="{C183D7F6-B498-43B3-948B-1728B52AA6E4}">
+                <adec:decorative xmlns:adec="http://schemas.microsoft.com/office/drawing/2017/decorative" val="1"/>
+              </a:ext>
+            </a:extLst>
+          </p:cNvPr>
+          <p:cNvCxnSpPr>
+            <a:cxnSpLocks noGrp="1" noRot="1" noChangeAspect="1" noMove="1" noResize="1" noEditPoints="1" noAdjustHandles="1" noChangeArrowheads="1" noChangeShapeType="1"/>
+          </p:cNvCxnSpPr>
+          <p:nvPr>
+            <p:extLst>
+              <p:ext uri="{386F3935-93C4-4BCD-93E2-E3B085C9AB24}">
+                <p16:designElem xmlns:p16="http://schemas.microsoft.com/office/powerpoint/2015/main" val="1"/>
+              </p:ext>
+            </p:extLst>
+          </p:nvPr>
+        </p:nvCxnSpPr>
+        <p:spPr>
+          <a:xfrm>
+            <a:off x="4654296" y="2057400"/>
+            <a:ext cx="0" cy="2743200"/>
+          </a:xfrm>
+          <a:prstGeom prst="line">
+            <a:avLst/>
+          </a:prstGeom>
+          <a:ln w="19050">
+            <a:solidFill>
+              <a:schemeClr val="tx1">
+                <a:lumMod val="85000"/>
+                <a:lumOff val="15000"/>
+              </a:schemeClr>
+            </a:solidFill>
+          </a:ln>
+        </p:spPr>
+        <p:style>
+          <a:lnRef idx="1">
+            <a:schemeClr val="accent1"/>
+          </a:lnRef>
+          <a:fillRef idx="0">
+            <a:schemeClr val="accent1"/>
+          </a:fillRef>
+          <a:effectRef idx="0">
+            <a:schemeClr val="accent1"/>
+          </a:effectRef>
+          <a:fontRef idx="minor">
+            <a:schemeClr val="tx1"/>
+          </a:fontRef>
+        </p:style>
+      </p:cxnSp>
+      <p:sp>
+        <p:nvSpPr>
+          <p:cNvPr id="4" name="Content Placeholder 3">
+            <a:extLst>
+              <a:ext uri="{FF2B5EF4-FFF2-40B4-BE49-F238E27FC236}">
+                <a16:creationId xmlns:a16="http://schemas.microsoft.com/office/drawing/2014/main" id="{B6473C11-CD7D-A141-BE1C-D8B608DD66E4}"/>
+              </a:ext>
+            </a:extLst>
+          </p:cNvPr>
+          <p:cNvSpPr>
+            <a:spLocks noGrp="1"/>
+          </p:cNvSpPr>
+          <p:nvPr>
+            <p:ph sz="half" idx="1"/>
+          </p:nvPr>
+        </p:nvSpPr>
+        <p:spPr>
+          <a:xfrm>
+            <a:off x="4976031" y="963877"/>
+            <a:ext cx="6377769" cy="4930246"/>
+          </a:xfrm>
+        </p:spPr>
+        <p:txBody>
+          <a:bodyPr vert="horz" lIns="91440" tIns="45720" rIns="91440" bIns="45720" rtlCol="0" anchor="ctr">
+            <a:normAutofit/>
+          </a:bodyPr>
+          <a:lstStyle/>
+          <a:p>
+            <a:r>
+              <a:rPr lang="en-US" sz="2400"/>
+              <a:t>Point 1</a:t>
+            </a:r>
+          </a:p>
+          <a:p>
+            <a:pPr lvl="1"/>
+            <a:r>
+              <a:rPr lang="en-US"/>
+              <a:t>Problem</a:t>
+            </a:r>
+          </a:p>
+          <a:p>
+            <a:pPr lvl="1"/>
+            <a:r>
+              <a:rPr lang="en-US"/>
+              <a:t>Context</a:t>
+            </a:r>
+          </a:p>
+          <a:p>
+            <a:pPr lvl="1"/>
+            <a:r>
+              <a:rPr lang="en-US"/>
+              <a:t>Solution</a:t>
+            </a:r>
+          </a:p>
+          <a:p>
+            <a:r>
+              <a:rPr lang="en-US" sz="2400"/>
+              <a:t>Point 2</a:t>
+            </a:r>
+          </a:p>
+          <a:p>
+            <a:pPr lvl="1"/>
+            <a:r>
+              <a:rPr lang="en-US"/>
+              <a:t>Problem</a:t>
+            </a:r>
+          </a:p>
+          <a:p>
+            <a:pPr lvl="1"/>
+            <a:r>
+              <a:rPr lang="en-US"/>
+              <a:t>Context</a:t>
+            </a:r>
+          </a:p>
+          <a:p>
+            <a:pPr lvl="1"/>
+            <a:r>
+              <a:rPr lang="en-US"/>
+              <a:t>Solution</a:t>
+            </a:r>
+          </a:p>
+          <a:p>
+            <a:r>
+              <a:rPr lang="en-US" sz="2400"/>
+              <a:t>Point 3</a:t>
+            </a:r>
+          </a:p>
+          <a:p>
+            <a:pPr lvl="1"/>
+            <a:r>
+              <a:rPr lang="en-US"/>
+              <a:t>Problem</a:t>
+            </a:r>
+          </a:p>
+          <a:p>
+            <a:pPr lvl="1"/>
+            <a:r>
+              <a:rPr lang="en-US"/>
+              <a:t>Context</a:t>
+            </a:r>
+          </a:p>
+          <a:p>
+            <a:pPr lvl="1"/>
+            <a:r>
+              <a:rPr lang="en-US"/>
+              <a:t>Solution</a:t>
+            </a:r>
+          </a:p>
+          <a:p>
+            <a:endParaRPr lang="en-US" sz="2400"/>
+          </a:p>
+        </p:txBody>
+      </p:sp>
+    </p:spTree>
+    <p:extLst>
+      <p:ext uri="{BB962C8B-B14F-4D97-AF65-F5344CB8AC3E}">
+        <p14:creationId xmlns:p14="http://schemas.microsoft.com/office/powerpoint/2010/main" val="4045712975"/>
       </p:ext>
     </p:extLst>
   </p:cSld>
@@ -21619,7 +22412,7 @@
         <a:effectLst/>
         <a:extLst>
           <a:ext uri="{AF507438-7753-43e0-B8FC-AC1667EBCBE1}">
-            <a14:hiddenEffects xmlns:a14="http://schemas.microsoft.com/office/drawing/2010/main" xmlns="">
+            <a14:hiddenEffects xmlns="" xmlns:a14="http://schemas.microsoft.com/office/drawing/2010/main">
               <a:effectLst>
                 <a:outerShdw blurRad="63500" dist="38099" dir="2700000" algn="ctr" rotWithShape="0">
                   <a:schemeClr val="bg2">
@@ -21695,7 +22488,7 @@
         <a:effectLst/>
         <a:extLst>
           <a:ext uri="{AF507438-7753-43e0-B8FC-AC1667EBCBE1}">
-            <a14:hiddenEffects xmlns:a14="http://schemas.microsoft.com/office/drawing/2010/main" xmlns="">
+            <a14:hiddenEffects xmlns="" xmlns:a14="http://schemas.microsoft.com/office/drawing/2010/main">
               <a:effectLst>
                 <a:outerShdw blurRad="63500" dist="38099" dir="2700000" algn="ctr" rotWithShape="0">
                   <a:schemeClr val="bg2">
@@ -22286,7 +23079,7 @@
         <a:effectLst/>
         <a:extLst>
           <a:ext uri="{AF507438-7753-43e0-B8FC-AC1667EBCBE1}">
-            <a14:hiddenEffects xmlns:a14="http://schemas.microsoft.com/office/drawing/2010/main" xmlns="">
+            <a14:hiddenEffects xmlns="" xmlns:a14="http://schemas.microsoft.com/office/drawing/2010/main">
               <a:effectLst>
                 <a:outerShdw blurRad="63500" dist="38099" dir="2700000" algn="ctr" rotWithShape="0">
                   <a:schemeClr val="bg2">
@@ -22362,7 +23155,7 @@
         <a:effectLst/>
         <a:extLst>
           <a:ext uri="{AF507438-7753-43e0-B8FC-AC1667EBCBE1}">
-            <a14:hiddenEffects xmlns:a14="http://schemas.microsoft.com/office/drawing/2010/main" xmlns="">
+            <a14:hiddenEffects xmlns="" xmlns:a14="http://schemas.microsoft.com/office/drawing/2010/main">
               <a:effectLst>
                 <a:outerShdw blurRad="63500" dist="38099" dir="2700000" algn="ctr" rotWithShape="0">
                   <a:schemeClr val="bg2">
@@ -23153,7 +23946,7 @@
         <a:effectLst/>
         <a:extLst>
           <a:ext uri="{AF507438-7753-43e0-B8FC-AC1667EBCBE1}">
-            <a14:hiddenEffects xmlns:a14="http://schemas.microsoft.com/office/drawing/2010/main" xmlns="">
+            <a14:hiddenEffects xmlns="" xmlns:a14="http://schemas.microsoft.com/office/drawing/2010/main">
               <a:effectLst>
                 <a:outerShdw blurRad="63500" dist="38099" dir="2700000" algn="ctr" rotWithShape="0">
                   <a:schemeClr val="bg2">
@@ -23229,7 +24022,7 @@
         <a:effectLst/>
         <a:extLst>
           <a:ext uri="{AF507438-7753-43e0-B8FC-AC1667EBCBE1}">
-            <a14:hiddenEffects xmlns:a14="http://schemas.microsoft.com/office/drawing/2010/main" xmlns="">
+            <a14:hiddenEffects xmlns="" xmlns:a14="http://schemas.microsoft.com/office/drawing/2010/main">
               <a:effectLst>
                 <a:outerShdw blurRad="63500" dist="38099" dir="2700000" algn="ctr" rotWithShape="0">
                   <a:schemeClr val="bg2">
@@ -23820,7 +24613,7 @@
         <a:effectLst/>
         <a:extLst>
           <a:ext uri="{AF507438-7753-43e0-B8FC-AC1667EBCBE1}">
-            <a14:hiddenEffects xmlns:a14="http://schemas.microsoft.com/office/drawing/2010/main" xmlns="">
+            <a14:hiddenEffects xmlns="" xmlns:a14="http://schemas.microsoft.com/office/drawing/2010/main">
               <a:effectLst>
                 <a:outerShdw blurRad="63500" dist="38099" dir="2700000" algn="ctr" rotWithShape="0">
                   <a:schemeClr val="bg2">
@@ -23896,7 +24689,7 @@
         <a:effectLst/>
         <a:extLst>
           <a:ext uri="{AF507438-7753-43e0-B8FC-AC1667EBCBE1}">
-            <a14:hiddenEffects xmlns:a14="http://schemas.microsoft.com/office/drawing/2010/main" xmlns="">
+            <a14:hiddenEffects xmlns="" xmlns:a14="http://schemas.microsoft.com/office/drawing/2010/main">
               <a:effectLst>
                 <a:outerShdw blurRad="63500" dist="38099" dir="2700000" algn="ctr" rotWithShape="0">
                   <a:schemeClr val="bg2">
@@ -24687,7 +25480,7 @@
         <a:effectLst/>
         <a:extLst>
           <a:ext uri="{AF507438-7753-43e0-B8FC-AC1667EBCBE1}">
-            <a14:hiddenEffects xmlns:a14="http://schemas.microsoft.com/office/drawing/2010/main" xmlns="">
+            <a14:hiddenEffects xmlns="" xmlns:a14="http://schemas.microsoft.com/office/drawing/2010/main">
               <a:effectLst>
                 <a:outerShdw blurRad="63500" dist="38099" dir="2700000" algn="ctr" rotWithShape="0">
                   <a:schemeClr val="bg2">
@@ -24763,7 +25556,7 @@
         <a:effectLst/>
         <a:extLst>
           <a:ext uri="{AF507438-7753-43e0-B8FC-AC1667EBCBE1}">
-            <a14:hiddenEffects xmlns:a14="http://schemas.microsoft.com/office/drawing/2010/main" xmlns="">
+            <a14:hiddenEffects xmlns="" xmlns:a14="http://schemas.microsoft.com/office/drawing/2010/main">
               <a:effectLst>
                 <a:outerShdw blurRad="63500" dist="38099" dir="2700000" algn="ctr" rotWithShape="0">
                   <a:schemeClr val="bg2">
@@ -25354,7 +26147,7 @@
         <a:effectLst/>
         <a:extLst>
           <a:ext uri="{AF507438-7753-43e0-B8FC-AC1667EBCBE1}">
-            <a14:hiddenEffects xmlns:a14="http://schemas.microsoft.com/office/drawing/2010/main" xmlns="">
+            <a14:hiddenEffects xmlns="" xmlns:a14="http://schemas.microsoft.com/office/drawing/2010/main">
               <a:effectLst>
                 <a:outerShdw blurRad="63500" dist="38099" dir="2700000" algn="ctr" rotWithShape="0">
                   <a:schemeClr val="bg2">
@@ -25430,7 +26223,7 @@
         <a:effectLst/>
         <a:extLst>
           <a:ext uri="{AF507438-7753-43e0-B8FC-AC1667EBCBE1}">
-            <a14:hiddenEffects xmlns:a14="http://schemas.microsoft.com/office/drawing/2010/main" xmlns="">
+            <a14:hiddenEffects xmlns="" xmlns:a14="http://schemas.microsoft.com/office/drawing/2010/main">
               <a:effectLst>
                 <a:outerShdw blurRad="63500" dist="38099" dir="2700000" algn="ctr" rotWithShape="0">
                   <a:schemeClr val="bg2">
